--- a/CallChainExperiment/插图/系统图.pptx
+++ b/CallChainExperiment/插图/系统图.pptx
@@ -9,7 +9,8 @@
   </p:notesMasterIdLst>
   <p:sldIdLst>
     <p:sldId id="256" r:id="rId3"/>
-    <p:sldId id="257" r:id="rId5"/>
+    <p:sldId id="258" r:id="rId5"/>
+    <p:sldId id="257" r:id="rId6"/>
   </p:sldIdLst>
   <p:sldSz cx="28803600" cy="8118475"/>
   <p:notesSz cx="6858000" cy="9144000"/>
@@ -515,6 +516,50 @@
 </file>
 
 <file path=ppt/notesSlides/notesSlide2.xml><?xml version="1.0" encoding="utf-8"?>
+<p:notes xmlns:a="http://schemas.openxmlformats.org/drawingml/2006/main" xmlns:r="http://schemas.openxmlformats.org/officeDocument/2006/relationships" xmlns:p="http://schemas.openxmlformats.org/presentationml/2006/main">
+  <p:cSld>
+    <p:spTree>
+      <p:nvGrpSpPr>
+        <p:cNvPr id="1" name=""/>
+        <p:cNvGrpSpPr/>
+        <p:nvPr/>
+      </p:nvGrpSpPr>
+      <p:grpSpPr/>
+      <p:sp>
+        <p:nvSpPr>
+          <p:cNvPr id="2" name="幻灯片图像占位符 1"/>
+          <p:cNvSpPr/>
+          <p:nvPr>
+            <p:ph type="sldImg" idx="2"/>
+          </p:nvPr>
+        </p:nvSpPr>
+        <p:spPr/>
+      </p:sp>
+      <p:sp>
+        <p:nvSpPr>
+          <p:cNvPr id="3" name="文本占位符 2"/>
+          <p:cNvSpPr/>
+          <p:nvPr>
+            <p:ph type="body" idx="3"/>
+          </p:nvPr>
+        </p:nvSpPr>
+        <p:spPr/>
+        <p:txBody>
+          <a:bodyPr/>
+          <a:p>
+            <a:endParaRPr lang="zh-CN" altLang="en-US"/>
+          </a:p>
+        </p:txBody>
+      </p:sp>
+    </p:spTree>
+  </p:cSld>
+  <p:clrMapOvr>
+    <a:masterClrMapping/>
+  </p:clrMapOvr>
+</p:notes>
+</file>
+
+<file path=ppt/notesSlides/notesSlide3.xml><?xml version="1.0" encoding="utf-8"?>
 <p:notes xmlns:a="http://schemas.openxmlformats.org/drawingml/2006/main" xmlns:r="http://schemas.openxmlformats.org/officeDocument/2006/relationships" xmlns:p="http://schemas.openxmlformats.org/presentationml/2006/main">
   <p:cSld>
     <p:spTree>
@@ -17686,6 +17731,6610 @@
         <p:cNvGrpSpPr/>
         <p:nvPr/>
       </p:nvGrpSpPr>
+      <p:grpSpPr/>
+      <p:cxnSp>
+        <p:nvCxnSpPr>
+          <p:cNvPr id="30" name="直接连接符 29"/>
+          <p:cNvCxnSpPr/>
+          <p:nvPr/>
+        </p:nvCxnSpPr>
+        <p:spPr>
+          <a:xfrm>
+            <a:off x="8361045" y="2658745"/>
+            <a:ext cx="0" cy="2663825"/>
+          </a:xfrm>
+          <a:prstGeom prst="line">
+            <a:avLst/>
+          </a:prstGeom>
+          <a:ln w="41275">
+            <a:prstDash val="dash"/>
+            <a:miter lim="800000"/>
+          </a:ln>
+        </p:spPr>
+        <p:style>
+          <a:lnRef idx="1">
+            <a:schemeClr val="accent1"/>
+          </a:lnRef>
+          <a:fillRef idx="0">
+            <a:schemeClr val="accent1"/>
+          </a:fillRef>
+          <a:effectRef idx="0">
+            <a:schemeClr val="accent1"/>
+          </a:effectRef>
+          <a:fontRef idx="minor">
+            <a:schemeClr val="tx1"/>
+          </a:fontRef>
+        </p:style>
+      </p:cxnSp>
+      <p:sp>
+        <p:nvSpPr>
+          <p:cNvPr id="31" name="文本框 30"/>
+          <p:cNvSpPr txBox="1"/>
+          <p:nvPr/>
+        </p:nvSpPr>
+        <p:spPr>
+          <a:xfrm>
+            <a:off x="5336540" y="2412365"/>
+            <a:ext cx="2326640" cy="381635"/>
+          </a:xfrm>
+          <a:prstGeom prst="rect">
+            <a:avLst/>
+          </a:prstGeom>
+          <a:noFill/>
+        </p:spPr>
+        <p:txBody>
+          <a:bodyPr wrap="square" rtlCol="0">
+            <a:spAutoFit/>
+          </a:bodyPr>
+          <a:p>
+            <a:pPr marL="457200" indent="-457200">
+              <a:lnSpc>
+                <a:spcPct val="90000"/>
+              </a:lnSpc>
+              <a:buFont typeface="+mj-ea"/>
+              <a:buAutoNum type="circleNumDbPlain"/>
+            </a:pPr>
+            <a:r>
+              <a:rPr lang="en-US" altLang="zh-CN" b="1" i="1">
+                <a:solidFill>
+                  <a:schemeClr val="tx1"/>
+                </a:solidFill>
+                <a:effectLst/>
+              </a:rPr>
+              <a:t>build structure </a:t>
+            </a:r>
+            <a:endParaRPr lang="en-US" altLang="zh-CN" b="1" i="1">
+              <a:solidFill>
+                <a:schemeClr val="tx1"/>
+              </a:solidFill>
+              <a:effectLst/>
+            </a:endParaRPr>
+          </a:p>
+        </p:txBody>
+      </p:sp>
+      <p:cxnSp>
+        <p:nvCxnSpPr>
+          <p:cNvPr id="40" name="直接连接符 39"/>
+          <p:cNvCxnSpPr/>
+          <p:nvPr/>
+        </p:nvCxnSpPr>
+        <p:spPr>
+          <a:xfrm>
+            <a:off x="19580860" y="2559685"/>
+            <a:ext cx="0" cy="2663825"/>
+          </a:xfrm>
+          <a:prstGeom prst="line">
+            <a:avLst/>
+          </a:prstGeom>
+          <a:ln w="41275">
+            <a:prstDash val="dash"/>
+            <a:miter lim="800000"/>
+          </a:ln>
+        </p:spPr>
+        <p:style>
+          <a:lnRef idx="1">
+            <a:schemeClr val="accent1"/>
+          </a:lnRef>
+          <a:fillRef idx="0">
+            <a:schemeClr val="accent1"/>
+          </a:fillRef>
+          <a:effectRef idx="0">
+            <a:schemeClr val="accent1"/>
+          </a:effectRef>
+          <a:fontRef idx="minor">
+            <a:schemeClr val="tx1"/>
+          </a:fontRef>
+        </p:style>
+      </p:cxnSp>
+      <p:sp>
+        <p:nvSpPr>
+          <p:cNvPr id="211" name="文本框 210"/>
+          <p:cNvSpPr txBox="1"/>
+          <p:nvPr/>
+        </p:nvSpPr>
+        <p:spPr>
+          <a:xfrm>
+            <a:off x="19856450" y="2365375"/>
+            <a:ext cx="3054350" cy="414020"/>
+          </a:xfrm>
+          <a:prstGeom prst="rect">
+            <a:avLst/>
+          </a:prstGeom>
+          <a:noFill/>
+        </p:spPr>
+        <p:txBody>
+          <a:bodyPr wrap="square" rtlCol="0">
+            <a:spAutoFit/>
+          </a:bodyPr>
+          <a:p>
+            <a:pPr marL="457200" indent="-457200">
+              <a:buFont typeface="+mj-ea"/>
+              <a:buAutoNum type="circleNumDbPlain" startAt="5"/>
+            </a:pPr>
+            <a:r>
+              <a:rPr lang="en-US" altLang="zh-CN" b="1"/>
+              <a:t> clone match</a:t>
+            </a:r>
+            <a:endParaRPr lang="en-US" altLang="zh-CN" b="1"/>
+          </a:p>
+        </p:txBody>
+      </p:sp>
+      <p:sp>
+        <p:nvSpPr>
+          <p:cNvPr id="268" name="text-file_13566"/>
+          <p:cNvSpPr>
+            <a:spLocks noChangeAspect="1"/>
+          </p:cNvSpPr>
+          <p:nvPr/>
+        </p:nvSpPr>
+        <p:spPr bwMode="auto">
+          <a:xfrm>
+            <a:off x="2199005" y="3791585"/>
+            <a:ext cx="463550" cy="609600"/>
+          </a:xfrm>
+          <a:custGeom>
+            <a:avLst/>
+            <a:gdLst>
+              <a:gd name="connsiteX0" fmla="*/ 121724 w 448276"/>
+              <a:gd name="connsiteY0" fmla="*/ 391317 h 589416"/>
+              <a:gd name="connsiteX1" fmla="*/ 317379 w 448276"/>
+              <a:gd name="connsiteY1" fmla="*/ 391317 h 589416"/>
+              <a:gd name="connsiteX2" fmla="*/ 335837 w 448276"/>
+              <a:gd name="connsiteY2" fmla="*/ 409737 h 589416"/>
+              <a:gd name="connsiteX3" fmla="*/ 317379 w 448276"/>
+              <a:gd name="connsiteY3" fmla="*/ 428156 h 589416"/>
+              <a:gd name="connsiteX4" fmla="*/ 121724 w 448276"/>
+              <a:gd name="connsiteY4" fmla="*/ 428156 h 589416"/>
+              <a:gd name="connsiteX5" fmla="*/ 103266 w 448276"/>
+              <a:gd name="connsiteY5" fmla="*/ 409737 h 589416"/>
+              <a:gd name="connsiteX6" fmla="*/ 121724 w 448276"/>
+              <a:gd name="connsiteY6" fmla="*/ 391317 h 589416"/>
+              <a:gd name="connsiteX7" fmla="*/ 84879 w 448276"/>
+              <a:gd name="connsiteY7" fmla="*/ 303881 h 589416"/>
+              <a:gd name="connsiteX8" fmla="*/ 353337 w 448276"/>
+              <a:gd name="connsiteY8" fmla="*/ 303881 h 589416"/>
+              <a:gd name="connsiteX9" fmla="*/ 371788 w 448276"/>
+              <a:gd name="connsiteY9" fmla="*/ 322301 h 589416"/>
+              <a:gd name="connsiteX10" fmla="*/ 353337 w 448276"/>
+              <a:gd name="connsiteY10" fmla="*/ 340720 h 589416"/>
+              <a:gd name="connsiteX11" fmla="*/ 84879 w 448276"/>
+              <a:gd name="connsiteY11" fmla="*/ 340720 h 589416"/>
+              <a:gd name="connsiteX12" fmla="*/ 66428 w 448276"/>
+              <a:gd name="connsiteY12" fmla="*/ 322301 h 589416"/>
+              <a:gd name="connsiteX13" fmla="*/ 84879 w 448276"/>
+              <a:gd name="connsiteY13" fmla="*/ 303881 h 589416"/>
+              <a:gd name="connsiteX14" fmla="*/ 84879 w 448276"/>
+              <a:gd name="connsiteY14" fmla="*/ 215557 h 589416"/>
+              <a:gd name="connsiteX15" fmla="*/ 353337 w 448276"/>
+              <a:gd name="connsiteY15" fmla="*/ 215557 h 589416"/>
+              <a:gd name="connsiteX16" fmla="*/ 371788 w 448276"/>
+              <a:gd name="connsiteY16" fmla="*/ 233977 h 589416"/>
+              <a:gd name="connsiteX17" fmla="*/ 353337 w 448276"/>
+              <a:gd name="connsiteY17" fmla="*/ 252396 h 589416"/>
+              <a:gd name="connsiteX18" fmla="*/ 84879 w 448276"/>
+              <a:gd name="connsiteY18" fmla="*/ 252396 h 589416"/>
+              <a:gd name="connsiteX19" fmla="*/ 66428 w 448276"/>
+              <a:gd name="connsiteY19" fmla="*/ 233977 h 589416"/>
+              <a:gd name="connsiteX20" fmla="*/ 84879 w 448276"/>
+              <a:gd name="connsiteY20" fmla="*/ 215557 h 589416"/>
+              <a:gd name="connsiteX21" fmla="*/ 73790 w 448276"/>
+              <a:gd name="connsiteY21" fmla="*/ 46048 h 589416"/>
+              <a:gd name="connsiteX22" fmla="*/ 49808 w 448276"/>
+              <a:gd name="connsiteY22" fmla="*/ 70914 h 589416"/>
+              <a:gd name="connsiteX23" fmla="*/ 49808 w 448276"/>
+              <a:gd name="connsiteY23" fmla="*/ 504688 h 589416"/>
+              <a:gd name="connsiteX24" fmla="*/ 73790 w 448276"/>
+              <a:gd name="connsiteY24" fmla="*/ 529554 h 589416"/>
+              <a:gd name="connsiteX25" fmla="*/ 371719 w 448276"/>
+              <a:gd name="connsiteY25" fmla="*/ 529554 h 589416"/>
+              <a:gd name="connsiteX26" fmla="*/ 395700 w 448276"/>
+              <a:gd name="connsiteY26" fmla="*/ 504688 h 589416"/>
+              <a:gd name="connsiteX27" fmla="*/ 395700 w 448276"/>
+              <a:gd name="connsiteY27" fmla="*/ 161169 h 589416"/>
+              <a:gd name="connsiteX28" fmla="*/ 371719 w 448276"/>
+              <a:gd name="connsiteY28" fmla="*/ 136303 h 589416"/>
+              <a:gd name="connsiteX29" fmla="*/ 326522 w 448276"/>
+              <a:gd name="connsiteY29" fmla="*/ 136303 h 589416"/>
+              <a:gd name="connsiteX30" fmla="*/ 301618 w 448276"/>
+              <a:gd name="connsiteY30" fmla="*/ 111437 h 589416"/>
+              <a:gd name="connsiteX31" fmla="*/ 301618 w 448276"/>
+              <a:gd name="connsiteY31" fmla="*/ 70914 h 589416"/>
+              <a:gd name="connsiteX32" fmla="*/ 277636 w 448276"/>
+              <a:gd name="connsiteY32" fmla="*/ 46048 h 589416"/>
+              <a:gd name="connsiteX33" fmla="*/ 24904 w 448276"/>
+              <a:gd name="connsiteY33" fmla="*/ 0 h 589416"/>
+              <a:gd name="connsiteX34" fmla="*/ 294239 w 448276"/>
+              <a:gd name="connsiteY34" fmla="*/ 0 h 589416"/>
+              <a:gd name="connsiteX35" fmla="*/ 336668 w 448276"/>
+              <a:gd name="connsiteY35" fmla="*/ 16578 h 589416"/>
+              <a:gd name="connsiteX36" fmla="*/ 430751 w 448276"/>
+              <a:gd name="connsiteY36" fmla="*/ 106832 h 589416"/>
+              <a:gd name="connsiteX37" fmla="*/ 448276 w 448276"/>
+              <a:gd name="connsiteY37" fmla="*/ 148275 h 589416"/>
+              <a:gd name="connsiteX38" fmla="*/ 448276 w 448276"/>
+              <a:gd name="connsiteY38" fmla="*/ 564550 h 589416"/>
+              <a:gd name="connsiteX39" fmla="*/ 423372 w 448276"/>
+              <a:gd name="connsiteY39" fmla="*/ 589416 h 589416"/>
+              <a:gd name="connsiteX40" fmla="*/ 24904 w 448276"/>
+              <a:gd name="connsiteY40" fmla="*/ 589416 h 589416"/>
+              <a:gd name="connsiteX41" fmla="*/ 0 w 448276"/>
+              <a:gd name="connsiteY41" fmla="*/ 564550 h 589416"/>
+              <a:gd name="connsiteX42" fmla="*/ 0 w 448276"/>
+              <a:gd name="connsiteY42" fmla="*/ 24866 h 589416"/>
+              <a:gd name="connsiteX43" fmla="*/ 24904 w 448276"/>
+              <a:gd name="connsiteY43" fmla="*/ 0 h 589416"/>
+            </a:gdLst>
+            <a:ahLst/>
+            <a:cxnLst>
+              <a:cxn ang="0">
+                <a:pos x="connsiteX0" y="connsiteY0"/>
+              </a:cxn>
+              <a:cxn ang="0">
+                <a:pos x="connsiteX1" y="connsiteY1"/>
+              </a:cxn>
+              <a:cxn ang="0">
+                <a:pos x="connsiteX2" y="connsiteY2"/>
+              </a:cxn>
+              <a:cxn ang="0">
+                <a:pos x="connsiteX3" y="connsiteY3"/>
+              </a:cxn>
+              <a:cxn ang="0">
+                <a:pos x="connsiteX4" y="connsiteY4"/>
+              </a:cxn>
+              <a:cxn ang="0">
+                <a:pos x="connsiteX5" y="connsiteY5"/>
+              </a:cxn>
+              <a:cxn ang="0">
+                <a:pos x="connsiteX6" y="connsiteY6"/>
+              </a:cxn>
+              <a:cxn ang="0">
+                <a:pos x="connsiteX7" y="connsiteY7"/>
+              </a:cxn>
+              <a:cxn ang="0">
+                <a:pos x="connsiteX8" y="connsiteY8"/>
+              </a:cxn>
+              <a:cxn ang="0">
+                <a:pos x="connsiteX9" y="connsiteY9"/>
+              </a:cxn>
+              <a:cxn ang="0">
+                <a:pos x="connsiteX10" y="connsiteY10"/>
+              </a:cxn>
+              <a:cxn ang="0">
+                <a:pos x="connsiteX11" y="connsiteY11"/>
+              </a:cxn>
+              <a:cxn ang="0">
+                <a:pos x="connsiteX12" y="connsiteY12"/>
+              </a:cxn>
+              <a:cxn ang="0">
+                <a:pos x="connsiteX13" y="connsiteY13"/>
+              </a:cxn>
+              <a:cxn ang="0">
+                <a:pos x="connsiteX14" y="connsiteY14"/>
+              </a:cxn>
+              <a:cxn ang="0">
+                <a:pos x="connsiteX15" y="connsiteY15"/>
+              </a:cxn>
+              <a:cxn ang="0">
+                <a:pos x="connsiteX16" y="connsiteY16"/>
+              </a:cxn>
+              <a:cxn ang="0">
+                <a:pos x="connsiteX17" y="connsiteY17"/>
+              </a:cxn>
+              <a:cxn ang="0">
+                <a:pos x="connsiteX18" y="connsiteY18"/>
+              </a:cxn>
+              <a:cxn ang="0">
+                <a:pos x="connsiteX19" y="connsiteY19"/>
+              </a:cxn>
+              <a:cxn ang="0">
+                <a:pos x="connsiteX20" y="connsiteY20"/>
+              </a:cxn>
+              <a:cxn ang="0">
+                <a:pos x="connsiteX21" y="connsiteY21"/>
+              </a:cxn>
+              <a:cxn ang="0">
+                <a:pos x="connsiteX22" y="connsiteY22"/>
+              </a:cxn>
+              <a:cxn ang="0">
+                <a:pos x="connsiteX23" y="connsiteY23"/>
+              </a:cxn>
+              <a:cxn ang="0">
+                <a:pos x="connsiteX24" y="connsiteY24"/>
+              </a:cxn>
+              <a:cxn ang="0">
+                <a:pos x="connsiteX25" y="connsiteY25"/>
+              </a:cxn>
+              <a:cxn ang="0">
+                <a:pos x="connsiteX26" y="connsiteY26"/>
+              </a:cxn>
+              <a:cxn ang="0">
+                <a:pos x="connsiteX27" y="connsiteY27"/>
+              </a:cxn>
+              <a:cxn ang="0">
+                <a:pos x="connsiteX28" y="connsiteY28"/>
+              </a:cxn>
+              <a:cxn ang="0">
+                <a:pos x="connsiteX29" y="connsiteY29"/>
+              </a:cxn>
+              <a:cxn ang="0">
+                <a:pos x="connsiteX30" y="connsiteY30"/>
+              </a:cxn>
+              <a:cxn ang="0">
+                <a:pos x="connsiteX31" y="connsiteY31"/>
+              </a:cxn>
+              <a:cxn ang="0">
+                <a:pos x="connsiteX32" y="connsiteY32"/>
+              </a:cxn>
+              <a:cxn ang="0">
+                <a:pos x="connsiteX33" y="connsiteY33"/>
+              </a:cxn>
+              <a:cxn ang="0">
+                <a:pos x="connsiteX34" y="connsiteY34"/>
+              </a:cxn>
+              <a:cxn ang="0">
+                <a:pos x="connsiteX35" y="connsiteY35"/>
+              </a:cxn>
+              <a:cxn ang="0">
+                <a:pos x="connsiteX36" y="connsiteY36"/>
+              </a:cxn>
+              <a:cxn ang="0">
+                <a:pos x="connsiteX37" y="connsiteY37"/>
+              </a:cxn>
+              <a:cxn ang="0">
+                <a:pos x="connsiteX38" y="connsiteY38"/>
+              </a:cxn>
+              <a:cxn ang="0">
+                <a:pos x="connsiteX39" y="connsiteY39"/>
+              </a:cxn>
+              <a:cxn ang="0">
+                <a:pos x="connsiteX40" y="connsiteY40"/>
+              </a:cxn>
+              <a:cxn ang="0">
+                <a:pos x="connsiteX41" y="connsiteY41"/>
+              </a:cxn>
+              <a:cxn ang="0">
+                <a:pos x="connsiteX42" y="connsiteY42"/>
+              </a:cxn>
+              <a:cxn ang="0">
+                <a:pos x="connsiteX43" y="connsiteY43"/>
+              </a:cxn>
+            </a:cxnLst>
+            <a:rect l="l" t="t" r="r" b="b"/>
+            <a:pathLst>
+              <a:path w="448276" h="589416">
+                <a:moveTo>
+                  <a:pt x="121724" y="391317"/>
+                </a:moveTo>
+                <a:lnTo>
+                  <a:pt x="317379" y="391317"/>
+                </a:lnTo>
+                <a:cubicBezTo>
+                  <a:pt x="327531" y="391317"/>
+                  <a:pt x="335837" y="399606"/>
+                  <a:pt x="335837" y="409737"/>
+                </a:cubicBezTo>
+                <a:cubicBezTo>
+                  <a:pt x="335837" y="419867"/>
+                  <a:pt x="327531" y="428156"/>
+                  <a:pt x="317379" y="428156"/>
+                </a:cubicBezTo>
+                <a:lnTo>
+                  <a:pt x="121724" y="428156"/>
+                </a:lnTo>
+                <a:cubicBezTo>
+                  <a:pt x="111572" y="428156"/>
+                  <a:pt x="103266" y="419867"/>
+                  <a:pt x="103266" y="409737"/>
+                </a:cubicBezTo>
+                <a:cubicBezTo>
+                  <a:pt x="103266" y="399606"/>
+                  <a:pt x="111572" y="391317"/>
+                  <a:pt x="121724" y="391317"/>
+                </a:cubicBezTo>
+                <a:close/>
+                <a:moveTo>
+                  <a:pt x="84879" y="303881"/>
+                </a:moveTo>
+                <a:lnTo>
+                  <a:pt x="353337" y="303881"/>
+                </a:lnTo>
+                <a:cubicBezTo>
+                  <a:pt x="363485" y="303881"/>
+                  <a:pt x="371788" y="311249"/>
+                  <a:pt x="371788" y="322301"/>
+                </a:cubicBezTo>
+                <a:cubicBezTo>
+                  <a:pt x="371788" y="332431"/>
+                  <a:pt x="363485" y="340720"/>
+                  <a:pt x="353337" y="340720"/>
+                </a:cubicBezTo>
+                <a:lnTo>
+                  <a:pt x="84879" y="340720"/>
+                </a:lnTo>
+                <a:cubicBezTo>
+                  <a:pt x="74731" y="340720"/>
+                  <a:pt x="66428" y="332431"/>
+                  <a:pt x="66428" y="322301"/>
+                </a:cubicBezTo>
+                <a:cubicBezTo>
+                  <a:pt x="66428" y="311249"/>
+                  <a:pt x="74731" y="303881"/>
+                  <a:pt x="84879" y="303881"/>
+                </a:cubicBezTo>
+                <a:close/>
+                <a:moveTo>
+                  <a:pt x="84879" y="215557"/>
+                </a:moveTo>
+                <a:lnTo>
+                  <a:pt x="353337" y="215557"/>
+                </a:lnTo>
+                <a:cubicBezTo>
+                  <a:pt x="363485" y="215557"/>
+                  <a:pt x="371788" y="223846"/>
+                  <a:pt x="371788" y="233977"/>
+                </a:cubicBezTo>
+                <a:cubicBezTo>
+                  <a:pt x="371788" y="244107"/>
+                  <a:pt x="363485" y="252396"/>
+                  <a:pt x="353337" y="252396"/>
+                </a:cubicBezTo>
+                <a:lnTo>
+                  <a:pt x="84879" y="252396"/>
+                </a:lnTo>
+                <a:cubicBezTo>
+                  <a:pt x="74731" y="252396"/>
+                  <a:pt x="66428" y="244107"/>
+                  <a:pt x="66428" y="233977"/>
+                </a:cubicBezTo>
+                <a:cubicBezTo>
+                  <a:pt x="66428" y="223846"/>
+                  <a:pt x="74731" y="215557"/>
+                  <a:pt x="84879" y="215557"/>
+                </a:cubicBezTo>
+                <a:close/>
+                <a:moveTo>
+                  <a:pt x="73790" y="46048"/>
+                </a:moveTo>
+                <a:cubicBezTo>
+                  <a:pt x="60877" y="46048"/>
+                  <a:pt x="49808" y="57100"/>
+                  <a:pt x="49808" y="70914"/>
+                </a:cubicBezTo>
+                <a:lnTo>
+                  <a:pt x="49808" y="504688"/>
+                </a:lnTo>
+                <a:cubicBezTo>
+                  <a:pt x="49808" y="518502"/>
+                  <a:pt x="60877" y="529554"/>
+                  <a:pt x="73790" y="529554"/>
+                </a:cubicBezTo>
+                <a:lnTo>
+                  <a:pt x="371719" y="529554"/>
+                </a:lnTo>
+                <a:cubicBezTo>
+                  <a:pt x="384632" y="529554"/>
+                  <a:pt x="395700" y="518502"/>
+                  <a:pt x="395700" y="504688"/>
+                </a:cubicBezTo>
+                <a:lnTo>
+                  <a:pt x="395700" y="161169"/>
+                </a:lnTo>
+                <a:cubicBezTo>
+                  <a:pt x="395700" y="147354"/>
+                  <a:pt x="384632" y="136303"/>
+                  <a:pt x="371719" y="136303"/>
+                </a:cubicBezTo>
+                <a:lnTo>
+                  <a:pt x="326522" y="136303"/>
+                </a:lnTo>
+                <a:cubicBezTo>
+                  <a:pt x="312686" y="136303"/>
+                  <a:pt x="301618" y="125251"/>
+                  <a:pt x="301618" y="111437"/>
+                </a:cubicBezTo>
+                <a:lnTo>
+                  <a:pt x="301618" y="70914"/>
+                </a:lnTo>
+                <a:cubicBezTo>
+                  <a:pt x="301618" y="57100"/>
+                  <a:pt x="290549" y="46048"/>
+                  <a:pt x="277636" y="46048"/>
+                </a:cubicBezTo>
+                <a:close/>
+                <a:moveTo>
+                  <a:pt x="24904" y="0"/>
+                </a:moveTo>
+                <a:lnTo>
+                  <a:pt x="294239" y="0"/>
+                </a:lnTo>
+                <a:cubicBezTo>
+                  <a:pt x="308074" y="0"/>
+                  <a:pt x="326522" y="7368"/>
+                  <a:pt x="336668" y="16578"/>
+                </a:cubicBezTo>
+                <a:lnTo>
+                  <a:pt x="430751" y="106832"/>
+                </a:lnTo>
+                <a:cubicBezTo>
+                  <a:pt x="439975" y="116042"/>
+                  <a:pt x="448276" y="134461"/>
+                  <a:pt x="448276" y="148275"/>
+                </a:cubicBezTo>
+                <a:lnTo>
+                  <a:pt x="448276" y="564550"/>
+                </a:lnTo>
+                <a:cubicBezTo>
+                  <a:pt x="448276" y="578365"/>
+                  <a:pt x="437207" y="589416"/>
+                  <a:pt x="423372" y="589416"/>
+                </a:cubicBezTo>
+                <a:lnTo>
+                  <a:pt x="24904" y="589416"/>
+                </a:lnTo>
+                <a:cubicBezTo>
+                  <a:pt x="11069" y="589416"/>
+                  <a:pt x="0" y="578365"/>
+                  <a:pt x="0" y="564550"/>
+                </a:cubicBezTo>
+                <a:lnTo>
+                  <a:pt x="0" y="24866"/>
+                </a:lnTo>
+                <a:cubicBezTo>
+                  <a:pt x="0" y="11052"/>
+                  <a:pt x="11069" y="0"/>
+                  <a:pt x="24904" y="0"/>
+                </a:cubicBezTo>
+                <a:close/>
+              </a:path>
+            </a:pathLst>
+          </a:custGeom>
+          <a:solidFill>
+            <a:schemeClr val="accent1"/>
+          </a:solidFill>
+          <a:ln>
+            <a:noFill/>
+          </a:ln>
+        </p:spPr>
+      </p:sp>
+      <p:sp>
+        <p:nvSpPr>
+          <p:cNvPr id="269" name="text-file_13566"/>
+          <p:cNvSpPr>
+            <a:spLocks noChangeAspect="1"/>
+          </p:cNvSpPr>
+          <p:nvPr/>
+        </p:nvSpPr>
+        <p:spPr bwMode="auto">
+          <a:xfrm>
+            <a:off x="1425575" y="4613910"/>
+            <a:ext cx="463550" cy="609600"/>
+          </a:xfrm>
+          <a:custGeom>
+            <a:avLst/>
+            <a:gdLst>
+              <a:gd name="connsiteX0" fmla="*/ 121724 w 448276"/>
+              <a:gd name="connsiteY0" fmla="*/ 391317 h 589416"/>
+              <a:gd name="connsiteX1" fmla="*/ 317379 w 448276"/>
+              <a:gd name="connsiteY1" fmla="*/ 391317 h 589416"/>
+              <a:gd name="connsiteX2" fmla="*/ 335837 w 448276"/>
+              <a:gd name="connsiteY2" fmla="*/ 409737 h 589416"/>
+              <a:gd name="connsiteX3" fmla="*/ 317379 w 448276"/>
+              <a:gd name="connsiteY3" fmla="*/ 428156 h 589416"/>
+              <a:gd name="connsiteX4" fmla="*/ 121724 w 448276"/>
+              <a:gd name="connsiteY4" fmla="*/ 428156 h 589416"/>
+              <a:gd name="connsiteX5" fmla="*/ 103266 w 448276"/>
+              <a:gd name="connsiteY5" fmla="*/ 409737 h 589416"/>
+              <a:gd name="connsiteX6" fmla="*/ 121724 w 448276"/>
+              <a:gd name="connsiteY6" fmla="*/ 391317 h 589416"/>
+              <a:gd name="connsiteX7" fmla="*/ 84879 w 448276"/>
+              <a:gd name="connsiteY7" fmla="*/ 303881 h 589416"/>
+              <a:gd name="connsiteX8" fmla="*/ 353337 w 448276"/>
+              <a:gd name="connsiteY8" fmla="*/ 303881 h 589416"/>
+              <a:gd name="connsiteX9" fmla="*/ 371788 w 448276"/>
+              <a:gd name="connsiteY9" fmla="*/ 322301 h 589416"/>
+              <a:gd name="connsiteX10" fmla="*/ 353337 w 448276"/>
+              <a:gd name="connsiteY10" fmla="*/ 340720 h 589416"/>
+              <a:gd name="connsiteX11" fmla="*/ 84879 w 448276"/>
+              <a:gd name="connsiteY11" fmla="*/ 340720 h 589416"/>
+              <a:gd name="connsiteX12" fmla="*/ 66428 w 448276"/>
+              <a:gd name="connsiteY12" fmla="*/ 322301 h 589416"/>
+              <a:gd name="connsiteX13" fmla="*/ 84879 w 448276"/>
+              <a:gd name="connsiteY13" fmla="*/ 303881 h 589416"/>
+              <a:gd name="connsiteX14" fmla="*/ 84879 w 448276"/>
+              <a:gd name="connsiteY14" fmla="*/ 215557 h 589416"/>
+              <a:gd name="connsiteX15" fmla="*/ 353337 w 448276"/>
+              <a:gd name="connsiteY15" fmla="*/ 215557 h 589416"/>
+              <a:gd name="connsiteX16" fmla="*/ 371788 w 448276"/>
+              <a:gd name="connsiteY16" fmla="*/ 233977 h 589416"/>
+              <a:gd name="connsiteX17" fmla="*/ 353337 w 448276"/>
+              <a:gd name="connsiteY17" fmla="*/ 252396 h 589416"/>
+              <a:gd name="connsiteX18" fmla="*/ 84879 w 448276"/>
+              <a:gd name="connsiteY18" fmla="*/ 252396 h 589416"/>
+              <a:gd name="connsiteX19" fmla="*/ 66428 w 448276"/>
+              <a:gd name="connsiteY19" fmla="*/ 233977 h 589416"/>
+              <a:gd name="connsiteX20" fmla="*/ 84879 w 448276"/>
+              <a:gd name="connsiteY20" fmla="*/ 215557 h 589416"/>
+              <a:gd name="connsiteX21" fmla="*/ 73790 w 448276"/>
+              <a:gd name="connsiteY21" fmla="*/ 46048 h 589416"/>
+              <a:gd name="connsiteX22" fmla="*/ 49808 w 448276"/>
+              <a:gd name="connsiteY22" fmla="*/ 70914 h 589416"/>
+              <a:gd name="connsiteX23" fmla="*/ 49808 w 448276"/>
+              <a:gd name="connsiteY23" fmla="*/ 504688 h 589416"/>
+              <a:gd name="connsiteX24" fmla="*/ 73790 w 448276"/>
+              <a:gd name="connsiteY24" fmla="*/ 529554 h 589416"/>
+              <a:gd name="connsiteX25" fmla="*/ 371719 w 448276"/>
+              <a:gd name="connsiteY25" fmla="*/ 529554 h 589416"/>
+              <a:gd name="connsiteX26" fmla="*/ 395700 w 448276"/>
+              <a:gd name="connsiteY26" fmla="*/ 504688 h 589416"/>
+              <a:gd name="connsiteX27" fmla="*/ 395700 w 448276"/>
+              <a:gd name="connsiteY27" fmla="*/ 161169 h 589416"/>
+              <a:gd name="connsiteX28" fmla="*/ 371719 w 448276"/>
+              <a:gd name="connsiteY28" fmla="*/ 136303 h 589416"/>
+              <a:gd name="connsiteX29" fmla="*/ 326522 w 448276"/>
+              <a:gd name="connsiteY29" fmla="*/ 136303 h 589416"/>
+              <a:gd name="connsiteX30" fmla="*/ 301618 w 448276"/>
+              <a:gd name="connsiteY30" fmla="*/ 111437 h 589416"/>
+              <a:gd name="connsiteX31" fmla="*/ 301618 w 448276"/>
+              <a:gd name="connsiteY31" fmla="*/ 70914 h 589416"/>
+              <a:gd name="connsiteX32" fmla="*/ 277636 w 448276"/>
+              <a:gd name="connsiteY32" fmla="*/ 46048 h 589416"/>
+              <a:gd name="connsiteX33" fmla="*/ 24904 w 448276"/>
+              <a:gd name="connsiteY33" fmla="*/ 0 h 589416"/>
+              <a:gd name="connsiteX34" fmla="*/ 294239 w 448276"/>
+              <a:gd name="connsiteY34" fmla="*/ 0 h 589416"/>
+              <a:gd name="connsiteX35" fmla="*/ 336668 w 448276"/>
+              <a:gd name="connsiteY35" fmla="*/ 16578 h 589416"/>
+              <a:gd name="connsiteX36" fmla="*/ 430751 w 448276"/>
+              <a:gd name="connsiteY36" fmla="*/ 106832 h 589416"/>
+              <a:gd name="connsiteX37" fmla="*/ 448276 w 448276"/>
+              <a:gd name="connsiteY37" fmla="*/ 148275 h 589416"/>
+              <a:gd name="connsiteX38" fmla="*/ 448276 w 448276"/>
+              <a:gd name="connsiteY38" fmla="*/ 564550 h 589416"/>
+              <a:gd name="connsiteX39" fmla="*/ 423372 w 448276"/>
+              <a:gd name="connsiteY39" fmla="*/ 589416 h 589416"/>
+              <a:gd name="connsiteX40" fmla="*/ 24904 w 448276"/>
+              <a:gd name="connsiteY40" fmla="*/ 589416 h 589416"/>
+              <a:gd name="connsiteX41" fmla="*/ 0 w 448276"/>
+              <a:gd name="connsiteY41" fmla="*/ 564550 h 589416"/>
+              <a:gd name="connsiteX42" fmla="*/ 0 w 448276"/>
+              <a:gd name="connsiteY42" fmla="*/ 24866 h 589416"/>
+              <a:gd name="connsiteX43" fmla="*/ 24904 w 448276"/>
+              <a:gd name="connsiteY43" fmla="*/ 0 h 589416"/>
+            </a:gdLst>
+            <a:ahLst/>
+            <a:cxnLst>
+              <a:cxn ang="0">
+                <a:pos x="connsiteX0" y="connsiteY0"/>
+              </a:cxn>
+              <a:cxn ang="0">
+                <a:pos x="connsiteX1" y="connsiteY1"/>
+              </a:cxn>
+              <a:cxn ang="0">
+                <a:pos x="connsiteX2" y="connsiteY2"/>
+              </a:cxn>
+              <a:cxn ang="0">
+                <a:pos x="connsiteX3" y="connsiteY3"/>
+              </a:cxn>
+              <a:cxn ang="0">
+                <a:pos x="connsiteX4" y="connsiteY4"/>
+              </a:cxn>
+              <a:cxn ang="0">
+                <a:pos x="connsiteX5" y="connsiteY5"/>
+              </a:cxn>
+              <a:cxn ang="0">
+                <a:pos x="connsiteX6" y="connsiteY6"/>
+              </a:cxn>
+              <a:cxn ang="0">
+                <a:pos x="connsiteX7" y="connsiteY7"/>
+              </a:cxn>
+              <a:cxn ang="0">
+                <a:pos x="connsiteX8" y="connsiteY8"/>
+              </a:cxn>
+              <a:cxn ang="0">
+                <a:pos x="connsiteX9" y="connsiteY9"/>
+              </a:cxn>
+              <a:cxn ang="0">
+                <a:pos x="connsiteX10" y="connsiteY10"/>
+              </a:cxn>
+              <a:cxn ang="0">
+                <a:pos x="connsiteX11" y="connsiteY11"/>
+              </a:cxn>
+              <a:cxn ang="0">
+                <a:pos x="connsiteX12" y="connsiteY12"/>
+              </a:cxn>
+              <a:cxn ang="0">
+                <a:pos x="connsiteX13" y="connsiteY13"/>
+              </a:cxn>
+              <a:cxn ang="0">
+                <a:pos x="connsiteX14" y="connsiteY14"/>
+              </a:cxn>
+              <a:cxn ang="0">
+                <a:pos x="connsiteX15" y="connsiteY15"/>
+              </a:cxn>
+              <a:cxn ang="0">
+                <a:pos x="connsiteX16" y="connsiteY16"/>
+              </a:cxn>
+              <a:cxn ang="0">
+                <a:pos x="connsiteX17" y="connsiteY17"/>
+              </a:cxn>
+              <a:cxn ang="0">
+                <a:pos x="connsiteX18" y="connsiteY18"/>
+              </a:cxn>
+              <a:cxn ang="0">
+                <a:pos x="connsiteX19" y="connsiteY19"/>
+              </a:cxn>
+              <a:cxn ang="0">
+                <a:pos x="connsiteX20" y="connsiteY20"/>
+              </a:cxn>
+              <a:cxn ang="0">
+                <a:pos x="connsiteX21" y="connsiteY21"/>
+              </a:cxn>
+              <a:cxn ang="0">
+                <a:pos x="connsiteX22" y="connsiteY22"/>
+              </a:cxn>
+              <a:cxn ang="0">
+                <a:pos x="connsiteX23" y="connsiteY23"/>
+              </a:cxn>
+              <a:cxn ang="0">
+                <a:pos x="connsiteX24" y="connsiteY24"/>
+              </a:cxn>
+              <a:cxn ang="0">
+                <a:pos x="connsiteX25" y="connsiteY25"/>
+              </a:cxn>
+              <a:cxn ang="0">
+                <a:pos x="connsiteX26" y="connsiteY26"/>
+              </a:cxn>
+              <a:cxn ang="0">
+                <a:pos x="connsiteX27" y="connsiteY27"/>
+              </a:cxn>
+              <a:cxn ang="0">
+                <a:pos x="connsiteX28" y="connsiteY28"/>
+              </a:cxn>
+              <a:cxn ang="0">
+                <a:pos x="connsiteX29" y="connsiteY29"/>
+              </a:cxn>
+              <a:cxn ang="0">
+                <a:pos x="connsiteX30" y="connsiteY30"/>
+              </a:cxn>
+              <a:cxn ang="0">
+                <a:pos x="connsiteX31" y="connsiteY31"/>
+              </a:cxn>
+              <a:cxn ang="0">
+                <a:pos x="connsiteX32" y="connsiteY32"/>
+              </a:cxn>
+              <a:cxn ang="0">
+                <a:pos x="connsiteX33" y="connsiteY33"/>
+              </a:cxn>
+              <a:cxn ang="0">
+                <a:pos x="connsiteX34" y="connsiteY34"/>
+              </a:cxn>
+              <a:cxn ang="0">
+                <a:pos x="connsiteX35" y="connsiteY35"/>
+              </a:cxn>
+              <a:cxn ang="0">
+                <a:pos x="connsiteX36" y="connsiteY36"/>
+              </a:cxn>
+              <a:cxn ang="0">
+                <a:pos x="connsiteX37" y="connsiteY37"/>
+              </a:cxn>
+              <a:cxn ang="0">
+                <a:pos x="connsiteX38" y="connsiteY38"/>
+              </a:cxn>
+              <a:cxn ang="0">
+                <a:pos x="connsiteX39" y="connsiteY39"/>
+              </a:cxn>
+              <a:cxn ang="0">
+                <a:pos x="connsiteX40" y="connsiteY40"/>
+              </a:cxn>
+              <a:cxn ang="0">
+                <a:pos x="connsiteX41" y="connsiteY41"/>
+              </a:cxn>
+              <a:cxn ang="0">
+                <a:pos x="connsiteX42" y="connsiteY42"/>
+              </a:cxn>
+              <a:cxn ang="0">
+                <a:pos x="connsiteX43" y="connsiteY43"/>
+              </a:cxn>
+            </a:cxnLst>
+            <a:rect l="l" t="t" r="r" b="b"/>
+            <a:pathLst>
+              <a:path w="448276" h="589416">
+                <a:moveTo>
+                  <a:pt x="121724" y="391317"/>
+                </a:moveTo>
+                <a:lnTo>
+                  <a:pt x="317379" y="391317"/>
+                </a:lnTo>
+                <a:cubicBezTo>
+                  <a:pt x="327531" y="391317"/>
+                  <a:pt x="335837" y="399606"/>
+                  <a:pt x="335837" y="409737"/>
+                </a:cubicBezTo>
+                <a:cubicBezTo>
+                  <a:pt x="335837" y="419867"/>
+                  <a:pt x="327531" y="428156"/>
+                  <a:pt x="317379" y="428156"/>
+                </a:cubicBezTo>
+                <a:lnTo>
+                  <a:pt x="121724" y="428156"/>
+                </a:lnTo>
+                <a:cubicBezTo>
+                  <a:pt x="111572" y="428156"/>
+                  <a:pt x="103266" y="419867"/>
+                  <a:pt x="103266" y="409737"/>
+                </a:cubicBezTo>
+                <a:cubicBezTo>
+                  <a:pt x="103266" y="399606"/>
+                  <a:pt x="111572" y="391317"/>
+                  <a:pt x="121724" y="391317"/>
+                </a:cubicBezTo>
+                <a:close/>
+                <a:moveTo>
+                  <a:pt x="84879" y="303881"/>
+                </a:moveTo>
+                <a:lnTo>
+                  <a:pt x="353337" y="303881"/>
+                </a:lnTo>
+                <a:cubicBezTo>
+                  <a:pt x="363485" y="303881"/>
+                  <a:pt x="371788" y="311249"/>
+                  <a:pt x="371788" y="322301"/>
+                </a:cubicBezTo>
+                <a:cubicBezTo>
+                  <a:pt x="371788" y="332431"/>
+                  <a:pt x="363485" y="340720"/>
+                  <a:pt x="353337" y="340720"/>
+                </a:cubicBezTo>
+                <a:lnTo>
+                  <a:pt x="84879" y="340720"/>
+                </a:lnTo>
+                <a:cubicBezTo>
+                  <a:pt x="74731" y="340720"/>
+                  <a:pt x="66428" y="332431"/>
+                  <a:pt x="66428" y="322301"/>
+                </a:cubicBezTo>
+                <a:cubicBezTo>
+                  <a:pt x="66428" y="311249"/>
+                  <a:pt x="74731" y="303881"/>
+                  <a:pt x="84879" y="303881"/>
+                </a:cubicBezTo>
+                <a:close/>
+                <a:moveTo>
+                  <a:pt x="84879" y="215557"/>
+                </a:moveTo>
+                <a:lnTo>
+                  <a:pt x="353337" y="215557"/>
+                </a:lnTo>
+                <a:cubicBezTo>
+                  <a:pt x="363485" y="215557"/>
+                  <a:pt x="371788" y="223846"/>
+                  <a:pt x="371788" y="233977"/>
+                </a:cubicBezTo>
+                <a:cubicBezTo>
+                  <a:pt x="371788" y="244107"/>
+                  <a:pt x="363485" y="252396"/>
+                  <a:pt x="353337" y="252396"/>
+                </a:cubicBezTo>
+                <a:lnTo>
+                  <a:pt x="84879" y="252396"/>
+                </a:lnTo>
+                <a:cubicBezTo>
+                  <a:pt x="74731" y="252396"/>
+                  <a:pt x="66428" y="244107"/>
+                  <a:pt x="66428" y="233977"/>
+                </a:cubicBezTo>
+                <a:cubicBezTo>
+                  <a:pt x="66428" y="223846"/>
+                  <a:pt x="74731" y="215557"/>
+                  <a:pt x="84879" y="215557"/>
+                </a:cubicBezTo>
+                <a:close/>
+                <a:moveTo>
+                  <a:pt x="73790" y="46048"/>
+                </a:moveTo>
+                <a:cubicBezTo>
+                  <a:pt x="60877" y="46048"/>
+                  <a:pt x="49808" y="57100"/>
+                  <a:pt x="49808" y="70914"/>
+                </a:cubicBezTo>
+                <a:lnTo>
+                  <a:pt x="49808" y="504688"/>
+                </a:lnTo>
+                <a:cubicBezTo>
+                  <a:pt x="49808" y="518502"/>
+                  <a:pt x="60877" y="529554"/>
+                  <a:pt x="73790" y="529554"/>
+                </a:cubicBezTo>
+                <a:lnTo>
+                  <a:pt x="371719" y="529554"/>
+                </a:lnTo>
+                <a:cubicBezTo>
+                  <a:pt x="384632" y="529554"/>
+                  <a:pt x="395700" y="518502"/>
+                  <a:pt x="395700" y="504688"/>
+                </a:cubicBezTo>
+                <a:lnTo>
+                  <a:pt x="395700" y="161169"/>
+                </a:lnTo>
+                <a:cubicBezTo>
+                  <a:pt x="395700" y="147354"/>
+                  <a:pt x="384632" y="136303"/>
+                  <a:pt x="371719" y="136303"/>
+                </a:cubicBezTo>
+                <a:lnTo>
+                  <a:pt x="326522" y="136303"/>
+                </a:lnTo>
+                <a:cubicBezTo>
+                  <a:pt x="312686" y="136303"/>
+                  <a:pt x="301618" y="125251"/>
+                  <a:pt x="301618" y="111437"/>
+                </a:cubicBezTo>
+                <a:lnTo>
+                  <a:pt x="301618" y="70914"/>
+                </a:lnTo>
+                <a:cubicBezTo>
+                  <a:pt x="301618" y="57100"/>
+                  <a:pt x="290549" y="46048"/>
+                  <a:pt x="277636" y="46048"/>
+                </a:cubicBezTo>
+                <a:close/>
+                <a:moveTo>
+                  <a:pt x="24904" y="0"/>
+                </a:moveTo>
+                <a:lnTo>
+                  <a:pt x="294239" y="0"/>
+                </a:lnTo>
+                <a:cubicBezTo>
+                  <a:pt x="308074" y="0"/>
+                  <a:pt x="326522" y="7368"/>
+                  <a:pt x="336668" y="16578"/>
+                </a:cubicBezTo>
+                <a:lnTo>
+                  <a:pt x="430751" y="106832"/>
+                </a:lnTo>
+                <a:cubicBezTo>
+                  <a:pt x="439975" y="116042"/>
+                  <a:pt x="448276" y="134461"/>
+                  <a:pt x="448276" y="148275"/>
+                </a:cubicBezTo>
+                <a:lnTo>
+                  <a:pt x="448276" y="564550"/>
+                </a:lnTo>
+                <a:cubicBezTo>
+                  <a:pt x="448276" y="578365"/>
+                  <a:pt x="437207" y="589416"/>
+                  <a:pt x="423372" y="589416"/>
+                </a:cubicBezTo>
+                <a:lnTo>
+                  <a:pt x="24904" y="589416"/>
+                </a:lnTo>
+                <a:cubicBezTo>
+                  <a:pt x="11069" y="589416"/>
+                  <a:pt x="0" y="578365"/>
+                  <a:pt x="0" y="564550"/>
+                </a:cubicBezTo>
+                <a:lnTo>
+                  <a:pt x="0" y="24866"/>
+                </a:lnTo>
+                <a:cubicBezTo>
+                  <a:pt x="0" y="11052"/>
+                  <a:pt x="11069" y="0"/>
+                  <a:pt x="24904" y="0"/>
+                </a:cubicBezTo>
+                <a:close/>
+              </a:path>
+            </a:pathLst>
+          </a:custGeom>
+          <a:solidFill>
+            <a:schemeClr val="accent1"/>
+          </a:solidFill>
+          <a:ln>
+            <a:noFill/>
+          </a:ln>
+        </p:spPr>
+      </p:sp>
+      <p:sp>
+        <p:nvSpPr>
+          <p:cNvPr id="270" name="text-file_13566"/>
+          <p:cNvSpPr>
+            <a:spLocks noChangeAspect="1"/>
+          </p:cNvSpPr>
+          <p:nvPr/>
+        </p:nvSpPr>
+        <p:spPr bwMode="auto">
+          <a:xfrm>
+            <a:off x="2199005" y="4634230"/>
+            <a:ext cx="463550" cy="609600"/>
+          </a:xfrm>
+          <a:custGeom>
+            <a:avLst/>
+            <a:gdLst>
+              <a:gd name="connsiteX0" fmla="*/ 121724 w 448276"/>
+              <a:gd name="connsiteY0" fmla="*/ 391317 h 589416"/>
+              <a:gd name="connsiteX1" fmla="*/ 317379 w 448276"/>
+              <a:gd name="connsiteY1" fmla="*/ 391317 h 589416"/>
+              <a:gd name="connsiteX2" fmla="*/ 335837 w 448276"/>
+              <a:gd name="connsiteY2" fmla="*/ 409737 h 589416"/>
+              <a:gd name="connsiteX3" fmla="*/ 317379 w 448276"/>
+              <a:gd name="connsiteY3" fmla="*/ 428156 h 589416"/>
+              <a:gd name="connsiteX4" fmla="*/ 121724 w 448276"/>
+              <a:gd name="connsiteY4" fmla="*/ 428156 h 589416"/>
+              <a:gd name="connsiteX5" fmla="*/ 103266 w 448276"/>
+              <a:gd name="connsiteY5" fmla="*/ 409737 h 589416"/>
+              <a:gd name="connsiteX6" fmla="*/ 121724 w 448276"/>
+              <a:gd name="connsiteY6" fmla="*/ 391317 h 589416"/>
+              <a:gd name="connsiteX7" fmla="*/ 84879 w 448276"/>
+              <a:gd name="connsiteY7" fmla="*/ 303881 h 589416"/>
+              <a:gd name="connsiteX8" fmla="*/ 353337 w 448276"/>
+              <a:gd name="connsiteY8" fmla="*/ 303881 h 589416"/>
+              <a:gd name="connsiteX9" fmla="*/ 371788 w 448276"/>
+              <a:gd name="connsiteY9" fmla="*/ 322301 h 589416"/>
+              <a:gd name="connsiteX10" fmla="*/ 353337 w 448276"/>
+              <a:gd name="connsiteY10" fmla="*/ 340720 h 589416"/>
+              <a:gd name="connsiteX11" fmla="*/ 84879 w 448276"/>
+              <a:gd name="connsiteY11" fmla="*/ 340720 h 589416"/>
+              <a:gd name="connsiteX12" fmla="*/ 66428 w 448276"/>
+              <a:gd name="connsiteY12" fmla="*/ 322301 h 589416"/>
+              <a:gd name="connsiteX13" fmla="*/ 84879 w 448276"/>
+              <a:gd name="connsiteY13" fmla="*/ 303881 h 589416"/>
+              <a:gd name="connsiteX14" fmla="*/ 84879 w 448276"/>
+              <a:gd name="connsiteY14" fmla="*/ 215557 h 589416"/>
+              <a:gd name="connsiteX15" fmla="*/ 353337 w 448276"/>
+              <a:gd name="connsiteY15" fmla="*/ 215557 h 589416"/>
+              <a:gd name="connsiteX16" fmla="*/ 371788 w 448276"/>
+              <a:gd name="connsiteY16" fmla="*/ 233977 h 589416"/>
+              <a:gd name="connsiteX17" fmla="*/ 353337 w 448276"/>
+              <a:gd name="connsiteY17" fmla="*/ 252396 h 589416"/>
+              <a:gd name="connsiteX18" fmla="*/ 84879 w 448276"/>
+              <a:gd name="connsiteY18" fmla="*/ 252396 h 589416"/>
+              <a:gd name="connsiteX19" fmla="*/ 66428 w 448276"/>
+              <a:gd name="connsiteY19" fmla="*/ 233977 h 589416"/>
+              <a:gd name="connsiteX20" fmla="*/ 84879 w 448276"/>
+              <a:gd name="connsiteY20" fmla="*/ 215557 h 589416"/>
+              <a:gd name="connsiteX21" fmla="*/ 73790 w 448276"/>
+              <a:gd name="connsiteY21" fmla="*/ 46048 h 589416"/>
+              <a:gd name="connsiteX22" fmla="*/ 49808 w 448276"/>
+              <a:gd name="connsiteY22" fmla="*/ 70914 h 589416"/>
+              <a:gd name="connsiteX23" fmla="*/ 49808 w 448276"/>
+              <a:gd name="connsiteY23" fmla="*/ 504688 h 589416"/>
+              <a:gd name="connsiteX24" fmla="*/ 73790 w 448276"/>
+              <a:gd name="connsiteY24" fmla="*/ 529554 h 589416"/>
+              <a:gd name="connsiteX25" fmla="*/ 371719 w 448276"/>
+              <a:gd name="connsiteY25" fmla="*/ 529554 h 589416"/>
+              <a:gd name="connsiteX26" fmla="*/ 395700 w 448276"/>
+              <a:gd name="connsiteY26" fmla="*/ 504688 h 589416"/>
+              <a:gd name="connsiteX27" fmla="*/ 395700 w 448276"/>
+              <a:gd name="connsiteY27" fmla="*/ 161169 h 589416"/>
+              <a:gd name="connsiteX28" fmla="*/ 371719 w 448276"/>
+              <a:gd name="connsiteY28" fmla="*/ 136303 h 589416"/>
+              <a:gd name="connsiteX29" fmla="*/ 326522 w 448276"/>
+              <a:gd name="connsiteY29" fmla="*/ 136303 h 589416"/>
+              <a:gd name="connsiteX30" fmla="*/ 301618 w 448276"/>
+              <a:gd name="connsiteY30" fmla="*/ 111437 h 589416"/>
+              <a:gd name="connsiteX31" fmla="*/ 301618 w 448276"/>
+              <a:gd name="connsiteY31" fmla="*/ 70914 h 589416"/>
+              <a:gd name="connsiteX32" fmla="*/ 277636 w 448276"/>
+              <a:gd name="connsiteY32" fmla="*/ 46048 h 589416"/>
+              <a:gd name="connsiteX33" fmla="*/ 24904 w 448276"/>
+              <a:gd name="connsiteY33" fmla="*/ 0 h 589416"/>
+              <a:gd name="connsiteX34" fmla="*/ 294239 w 448276"/>
+              <a:gd name="connsiteY34" fmla="*/ 0 h 589416"/>
+              <a:gd name="connsiteX35" fmla="*/ 336668 w 448276"/>
+              <a:gd name="connsiteY35" fmla="*/ 16578 h 589416"/>
+              <a:gd name="connsiteX36" fmla="*/ 430751 w 448276"/>
+              <a:gd name="connsiteY36" fmla="*/ 106832 h 589416"/>
+              <a:gd name="connsiteX37" fmla="*/ 448276 w 448276"/>
+              <a:gd name="connsiteY37" fmla="*/ 148275 h 589416"/>
+              <a:gd name="connsiteX38" fmla="*/ 448276 w 448276"/>
+              <a:gd name="connsiteY38" fmla="*/ 564550 h 589416"/>
+              <a:gd name="connsiteX39" fmla="*/ 423372 w 448276"/>
+              <a:gd name="connsiteY39" fmla="*/ 589416 h 589416"/>
+              <a:gd name="connsiteX40" fmla="*/ 24904 w 448276"/>
+              <a:gd name="connsiteY40" fmla="*/ 589416 h 589416"/>
+              <a:gd name="connsiteX41" fmla="*/ 0 w 448276"/>
+              <a:gd name="connsiteY41" fmla="*/ 564550 h 589416"/>
+              <a:gd name="connsiteX42" fmla="*/ 0 w 448276"/>
+              <a:gd name="connsiteY42" fmla="*/ 24866 h 589416"/>
+              <a:gd name="connsiteX43" fmla="*/ 24904 w 448276"/>
+              <a:gd name="connsiteY43" fmla="*/ 0 h 589416"/>
+            </a:gdLst>
+            <a:ahLst/>
+            <a:cxnLst>
+              <a:cxn ang="0">
+                <a:pos x="connsiteX0" y="connsiteY0"/>
+              </a:cxn>
+              <a:cxn ang="0">
+                <a:pos x="connsiteX1" y="connsiteY1"/>
+              </a:cxn>
+              <a:cxn ang="0">
+                <a:pos x="connsiteX2" y="connsiteY2"/>
+              </a:cxn>
+              <a:cxn ang="0">
+                <a:pos x="connsiteX3" y="connsiteY3"/>
+              </a:cxn>
+              <a:cxn ang="0">
+                <a:pos x="connsiteX4" y="connsiteY4"/>
+              </a:cxn>
+              <a:cxn ang="0">
+                <a:pos x="connsiteX5" y="connsiteY5"/>
+              </a:cxn>
+              <a:cxn ang="0">
+                <a:pos x="connsiteX6" y="connsiteY6"/>
+              </a:cxn>
+              <a:cxn ang="0">
+                <a:pos x="connsiteX7" y="connsiteY7"/>
+              </a:cxn>
+              <a:cxn ang="0">
+                <a:pos x="connsiteX8" y="connsiteY8"/>
+              </a:cxn>
+              <a:cxn ang="0">
+                <a:pos x="connsiteX9" y="connsiteY9"/>
+              </a:cxn>
+              <a:cxn ang="0">
+                <a:pos x="connsiteX10" y="connsiteY10"/>
+              </a:cxn>
+              <a:cxn ang="0">
+                <a:pos x="connsiteX11" y="connsiteY11"/>
+              </a:cxn>
+              <a:cxn ang="0">
+                <a:pos x="connsiteX12" y="connsiteY12"/>
+              </a:cxn>
+              <a:cxn ang="0">
+                <a:pos x="connsiteX13" y="connsiteY13"/>
+              </a:cxn>
+              <a:cxn ang="0">
+                <a:pos x="connsiteX14" y="connsiteY14"/>
+              </a:cxn>
+              <a:cxn ang="0">
+                <a:pos x="connsiteX15" y="connsiteY15"/>
+              </a:cxn>
+              <a:cxn ang="0">
+                <a:pos x="connsiteX16" y="connsiteY16"/>
+              </a:cxn>
+              <a:cxn ang="0">
+                <a:pos x="connsiteX17" y="connsiteY17"/>
+              </a:cxn>
+              <a:cxn ang="0">
+                <a:pos x="connsiteX18" y="connsiteY18"/>
+              </a:cxn>
+              <a:cxn ang="0">
+                <a:pos x="connsiteX19" y="connsiteY19"/>
+              </a:cxn>
+              <a:cxn ang="0">
+                <a:pos x="connsiteX20" y="connsiteY20"/>
+              </a:cxn>
+              <a:cxn ang="0">
+                <a:pos x="connsiteX21" y="connsiteY21"/>
+              </a:cxn>
+              <a:cxn ang="0">
+                <a:pos x="connsiteX22" y="connsiteY22"/>
+              </a:cxn>
+              <a:cxn ang="0">
+                <a:pos x="connsiteX23" y="connsiteY23"/>
+              </a:cxn>
+              <a:cxn ang="0">
+                <a:pos x="connsiteX24" y="connsiteY24"/>
+              </a:cxn>
+              <a:cxn ang="0">
+                <a:pos x="connsiteX25" y="connsiteY25"/>
+              </a:cxn>
+              <a:cxn ang="0">
+                <a:pos x="connsiteX26" y="connsiteY26"/>
+              </a:cxn>
+              <a:cxn ang="0">
+                <a:pos x="connsiteX27" y="connsiteY27"/>
+              </a:cxn>
+              <a:cxn ang="0">
+                <a:pos x="connsiteX28" y="connsiteY28"/>
+              </a:cxn>
+              <a:cxn ang="0">
+                <a:pos x="connsiteX29" y="connsiteY29"/>
+              </a:cxn>
+              <a:cxn ang="0">
+                <a:pos x="connsiteX30" y="connsiteY30"/>
+              </a:cxn>
+              <a:cxn ang="0">
+                <a:pos x="connsiteX31" y="connsiteY31"/>
+              </a:cxn>
+              <a:cxn ang="0">
+                <a:pos x="connsiteX32" y="connsiteY32"/>
+              </a:cxn>
+              <a:cxn ang="0">
+                <a:pos x="connsiteX33" y="connsiteY33"/>
+              </a:cxn>
+              <a:cxn ang="0">
+                <a:pos x="connsiteX34" y="connsiteY34"/>
+              </a:cxn>
+              <a:cxn ang="0">
+                <a:pos x="connsiteX35" y="connsiteY35"/>
+              </a:cxn>
+              <a:cxn ang="0">
+                <a:pos x="connsiteX36" y="connsiteY36"/>
+              </a:cxn>
+              <a:cxn ang="0">
+                <a:pos x="connsiteX37" y="connsiteY37"/>
+              </a:cxn>
+              <a:cxn ang="0">
+                <a:pos x="connsiteX38" y="connsiteY38"/>
+              </a:cxn>
+              <a:cxn ang="0">
+                <a:pos x="connsiteX39" y="connsiteY39"/>
+              </a:cxn>
+              <a:cxn ang="0">
+                <a:pos x="connsiteX40" y="connsiteY40"/>
+              </a:cxn>
+              <a:cxn ang="0">
+                <a:pos x="connsiteX41" y="connsiteY41"/>
+              </a:cxn>
+              <a:cxn ang="0">
+                <a:pos x="connsiteX42" y="connsiteY42"/>
+              </a:cxn>
+              <a:cxn ang="0">
+                <a:pos x="connsiteX43" y="connsiteY43"/>
+              </a:cxn>
+            </a:cxnLst>
+            <a:rect l="l" t="t" r="r" b="b"/>
+            <a:pathLst>
+              <a:path w="448276" h="589416">
+                <a:moveTo>
+                  <a:pt x="121724" y="391317"/>
+                </a:moveTo>
+                <a:lnTo>
+                  <a:pt x="317379" y="391317"/>
+                </a:lnTo>
+                <a:cubicBezTo>
+                  <a:pt x="327531" y="391317"/>
+                  <a:pt x="335837" y="399606"/>
+                  <a:pt x="335837" y="409737"/>
+                </a:cubicBezTo>
+                <a:cubicBezTo>
+                  <a:pt x="335837" y="419867"/>
+                  <a:pt x="327531" y="428156"/>
+                  <a:pt x="317379" y="428156"/>
+                </a:cubicBezTo>
+                <a:lnTo>
+                  <a:pt x="121724" y="428156"/>
+                </a:lnTo>
+                <a:cubicBezTo>
+                  <a:pt x="111572" y="428156"/>
+                  <a:pt x="103266" y="419867"/>
+                  <a:pt x="103266" y="409737"/>
+                </a:cubicBezTo>
+                <a:cubicBezTo>
+                  <a:pt x="103266" y="399606"/>
+                  <a:pt x="111572" y="391317"/>
+                  <a:pt x="121724" y="391317"/>
+                </a:cubicBezTo>
+                <a:close/>
+                <a:moveTo>
+                  <a:pt x="84879" y="303881"/>
+                </a:moveTo>
+                <a:lnTo>
+                  <a:pt x="353337" y="303881"/>
+                </a:lnTo>
+                <a:cubicBezTo>
+                  <a:pt x="363485" y="303881"/>
+                  <a:pt x="371788" y="311249"/>
+                  <a:pt x="371788" y="322301"/>
+                </a:cubicBezTo>
+                <a:cubicBezTo>
+                  <a:pt x="371788" y="332431"/>
+                  <a:pt x="363485" y="340720"/>
+                  <a:pt x="353337" y="340720"/>
+                </a:cubicBezTo>
+                <a:lnTo>
+                  <a:pt x="84879" y="340720"/>
+                </a:lnTo>
+                <a:cubicBezTo>
+                  <a:pt x="74731" y="340720"/>
+                  <a:pt x="66428" y="332431"/>
+                  <a:pt x="66428" y="322301"/>
+                </a:cubicBezTo>
+                <a:cubicBezTo>
+                  <a:pt x="66428" y="311249"/>
+                  <a:pt x="74731" y="303881"/>
+                  <a:pt x="84879" y="303881"/>
+                </a:cubicBezTo>
+                <a:close/>
+                <a:moveTo>
+                  <a:pt x="84879" y="215557"/>
+                </a:moveTo>
+                <a:lnTo>
+                  <a:pt x="353337" y="215557"/>
+                </a:lnTo>
+                <a:cubicBezTo>
+                  <a:pt x="363485" y="215557"/>
+                  <a:pt x="371788" y="223846"/>
+                  <a:pt x="371788" y="233977"/>
+                </a:cubicBezTo>
+                <a:cubicBezTo>
+                  <a:pt x="371788" y="244107"/>
+                  <a:pt x="363485" y="252396"/>
+                  <a:pt x="353337" y="252396"/>
+                </a:cubicBezTo>
+                <a:lnTo>
+                  <a:pt x="84879" y="252396"/>
+                </a:lnTo>
+                <a:cubicBezTo>
+                  <a:pt x="74731" y="252396"/>
+                  <a:pt x="66428" y="244107"/>
+                  <a:pt x="66428" y="233977"/>
+                </a:cubicBezTo>
+                <a:cubicBezTo>
+                  <a:pt x="66428" y="223846"/>
+                  <a:pt x="74731" y="215557"/>
+                  <a:pt x="84879" y="215557"/>
+                </a:cubicBezTo>
+                <a:close/>
+                <a:moveTo>
+                  <a:pt x="73790" y="46048"/>
+                </a:moveTo>
+                <a:cubicBezTo>
+                  <a:pt x="60877" y="46048"/>
+                  <a:pt x="49808" y="57100"/>
+                  <a:pt x="49808" y="70914"/>
+                </a:cubicBezTo>
+                <a:lnTo>
+                  <a:pt x="49808" y="504688"/>
+                </a:lnTo>
+                <a:cubicBezTo>
+                  <a:pt x="49808" y="518502"/>
+                  <a:pt x="60877" y="529554"/>
+                  <a:pt x="73790" y="529554"/>
+                </a:cubicBezTo>
+                <a:lnTo>
+                  <a:pt x="371719" y="529554"/>
+                </a:lnTo>
+                <a:cubicBezTo>
+                  <a:pt x="384632" y="529554"/>
+                  <a:pt x="395700" y="518502"/>
+                  <a:pt x="395700" y="504688"/>
+                </a:cubicBezTo>
+                <a:lnTo>
+                  <a:pt x="395700" y="161169"/>
+                </a:lnTo>
+                <a:cubicBezTo>
+                  <a:pt x="395700" y="147354"/>
+                  <a:pt x="384632" y="136303"/>
+                  <a:pt x="371719" y="136303"/>
+                </a:cubicBezTo>
+                <a:lnTo>
+                  <a:pt x="326522" y="136303"/>
+                </a:lnTo>
+                <a:cubicBezTo>
+                  <a:pt x="312686" y="136303"/>
+                  <a:pt x="301618" y="125251"/>
+                  <a:pt x="301618" y="111437"/>
+                </a:cubicBezTo>
+                <a:lnTo>
+                  <a:pt x="301618" y="70914"/>
+                </a:lnTo>
+                <a:cubicBezTo>
+                  <a:pt x="301618" y="57100"/>
+                  <a:pt x="290549" y="46048"/>
+                  <a:pt x="277636" y="46048"/>
+                </a:cubicBezTo>
+                <a:close/>
+                <a:moveTo>
+                  <a:pt x="24904" y="0"/>
+                </a:moveTo>
+                <a:lnTo>
+                  <a:pt x="294239" y="0"/>
+                </a:lnTo>
+                <a:cubicBezTo>
+                  <a:pt x="308074" y="0"/>
+                  <a:pt x="326522" y="7368"/>
+                  <a:pt x="336668" y="16578"/>
+                </a:cubicBezTo>
+                <a:lnTo>
+                  <a:pt x="430751" y="106832"/>
+                </a:lnTo>
+                <a:cubicBezTo>
+                  <a:pt x="439975" y="116042"/>
+                  <a:pt x="448276" y="134461"/>
+                  <a:pt x="448276" y="148275"/>
+                </a:cubicBezTo>
+                <a:lnTo>
+                  <a:pt x="448276" y="564550"/>
+                </a:lnTo>
+                <a:cubicBezTo>
+                  <a:pt x="448276" y="578365"/>
+                  <a:pt x="437207" y="589416"/>
+                  <a:pt x="423372" y="589416"/>
+                </a:cubicBezTo>
+                <a:lnTo>
+                  <a:pt x="24904" y="589416"/>
+                </a:lnTo>
+                <a:cubicBezTo>
+                  <a:pt x="11069" y="589416"/>
+                  <a:pt x="0" y="578365"/>
+                  <a:pt x="0" y="564550"/>
+                </a:cubicBezTo>
+                <a:lnTo>
+                  <a:pt x="0" y="24866"/>
+                </a:lnTo>
+                <a:cubicBezTo>
+                  <a:pt x="0" y="11052"/>
+                  <a:pt x="11069" y="0"/>
+                  <a:pt x="24904" y="0"/>
+                </a:cubicBezTo>
+                <a:close/>
+              </a:path>
+            </a:pathLst>
+          </a:custGeom>
+          <a:solidFill>
+            <a:schemeClr val="accent1"/>
+          </a:solidFill>
+          <a:ln>
+            <a:noFill/>
+          </a:ln>
+        </p:spPr>
+      </p:sp>
+      <p:sp>
+        <p:nvSpPr>
+          <p:cNvPr id="272" name="文本框 271"/>
+          <p:cNvSpPr txBox="1"/>
+          <p:nvPr/>
+        </p:nvSpPr>
+        <p:spPr>
+          <a:xfrm>
+            <a:off x="1346835" y="2847340"/>
+            <a:ext cx="2249170" cy="829945"/>
+          </a:xfrm>
+          <a:prstGeom prst="rect">
+            <a:avLst/>
+          </a:prstGeom>
+          <a:noFill/>
+        </p:spPr>
+        <p:txBody>
+          <a:bodyPr wrap="square" rtlCol="0">
+            <a:spAutoFit/>
+          </a:bodyPr>
+          <a:p>
+            <a:r>
+              <a:rPr lang="en-US" altLang="zh-CN" sz="2400" b="1">
+                <a:solidFill>
+                  <a:schemeClr val="tx1"/>
+                </a:solidFill>
+                <a:effectLst/>
+              </a:rPr>
+              <a:t>Input:</a:t>
+            </a:r>
+            <a:endParaRPr lang="en-US" altLang="zh-CN" sz="2400" b="1">
+              <a:solidFill>
+                <a:schemeClr val="tx1"/>
+              </a:solidFill>
+              <a:effectLst/>
+            </a:endParaRPr>
+          </a:p>
+          <a:p>
+            <a:r>
+              <a:rPr lang="en-US" altLang="zh-CN" sz="2400" b="1">
+                <a:solidFill>
+                  <a:schemeClr val="tx1"/>
+                </a:solidFill>
+                <a:effectLst/>
+              </a:rPr>
+              <a:t>Contracts</a:t>
+            </a:r>
+            <a:r>
+              <a:rPr lang="en-US" altLang="zh-CN" sz="2400" b="1">
+                <a:effectLst/>
+              </a:rPr>
+              <a:t>  </a:t>
+            </a:r>
+            <a:endParaRPr lang="en-US" altLang="zh-CN" sz="2400" b="1">
+              <a:effectLst/>
+            </a:endParaRPr>
+          </a:p>
+        </p:txBody>
+      </p:sp>
+      <p:sp>
+        <p:nvSpPr>
+          <p:cNvPr id="273" name="右箭头 272"/>
+          <p:cNvSpPr/>
+          <p:nvPr/>
+        </p:nvSpPr>
+        <p:spPr>
+          <a:xfrm>
+            <a:off x="2950210" y="4081780"/>
+            <a:ext cx="502920" cy="663575"/>
+          </a:xfrm>
+          <a:prstGeom prst="rightArrow">
+            <a:avLst/>
+          </a:prstGeom>
+        </p:spPr>
+        <p:style>
+          <a:lnRef idx="2">
+            <a:schemeClr val="accent1">
+              <a:shade val="50000"/>
+            </a:schemeClr>
+          </a:lnRef>
+          <a:fillRef idx="1">
+            <a:schemeClr val="accent1"/>
+          </a:fillRef>
+          <a:effectRef idx="0">
+            <a:schemeClr val="accent1"/>
+          </a:effectRef>
+          <a:fontRef idx="minor">
+            <a:schemeClr val="lt1"/>
+          </a:fontRef>
+        </p:style>
+        <p:txBody>
+          <a:bodyPr rtlCol="0" anchor="ctr"/>
+          <a:p>
+            <a:pPr algn="ctr"/>
+            <a:endParaRPr lang="zh-CN" altLang="en-US"/>
+          </a:p>
+        </p:txBody>
+      </p:sp>
+      <p:sp>
+        <p:nvSpPr>
+          <p:cNvPr id="309" name="右箭头 308"/>
+          <p:cNvSpPr/>
+          <p:nvPr/>
+        </p:nvSpPr>
+        <p:spPr>
+          <a:xfrm>
+            <a:off x="24088960" y="3597398"/>
+            <a:ext cx="502930" cy="663588"/>
+          </a:xfrm>
+          <a:prstGeom prst="rightArrow">
+            <a:avLst/>
+          </a:prstGeom>
+        </p:spPr>
+        <p:style>
+          <a:lnRef idx="2">
+            <a:schemeClr val="accent1">
+              <a:shade val="50000"/>
+            </a:schemeClr>
+          </a:lnRef>
+          <a:fillRef idx="1">
+            <a:schemeClr val="accent1"/>
+          </a:fillRef>
+          <a:effectRef idx="0">
+            <a:schemeClr val="accent1"/>
+          </a:effectRef>
+          <a:fontRef idx="minor">
+            <a:schemeClr val="lt1"/>
+          </a:fontRef>
+        </p:style>
+        <p:txBody>
+          <a:bodyPr rtlCol="0" anchor="ctr"/>
+          <a:p>
+            <a:pPr algn="ctr"/>
+            <a:endParaRPr lang="zh-CN" altLang="en-US"/>
+          </a:p>
+        </p:txBody>
+      </p:sp>
+      <p:grpSp>
+        <p:nvGrpSpPr>
+          <p:cNvPr id="12" name="组合 11"/>
+          <p:cNvGrpSpPr/>
+          <p:nvPr/>
+        </p:nvGrpSpPr>
+        <p:grpSpPr>
+          <a:xfrm>
+            <a:off x="5336540" y="4686935"/>
+            <a:ext cx="909955" cy="504190"/>
+            <a:chOff x="8602" y="4970"/>
+            <a:chExt cx="3442" cy="794"/>
+          </a:xfrm>
+        </p:grpSpPr>
+        <p:sp>
+          <p:nvSpPr>
+            <p:cNvPr id="4" name="文本框 3"/>
+            <p:cNvSpPr txBox="1"/>
+            <p:nvPr/>
+          </p:nvSpPr>
+          <p:spPr>
+            <a:xfrm>
+              <a:off x="8602" y="5039"/>
+              <a:ext cx="3442" cy="652"/>
+            </a:xfrm>
+            <a:prstGeom prst="rect">
+              <a:avLst/>
+            </a:prstGeom>
+            <a:noFill/>
+          </p:spPr>
+          <p:txBody>
+            <a:bodyPr wrap="square" rtlCol="0">
+              <a:spAutoFit/>
+            </a:bodyPr>
+            <a:p>
+              <a:r>
+                <a:rPr lang="en-US" altLang="zh-CN"/>
+                <a:t>CFG</a:t>
+              </a:r>
+              <a:endParaRPr lang="en-US" altLang="zh-CN"/>
+            </a:p>
+          </p:txBody>
+        </p:sp>
+        <p:sp>
+          <p:nvSpPr>
+            <p:cNvPr id="8" name="矩形 7"/>
+            <p:cNvSpPr/>
+            <p:nvPr/>
+          </p:nvSpPr>
+          <p:spPr>
+            <a:xfrm>
+              <a:off x="8602" y="4970"/>
+              <a:ext cx="2948" cy="794"/>
+            </a:xfrm>
+            <a:prstGeom prst="rect">
+              <a:avLst/>
+            </a:prstGeom>
+            <a:noFill/>
+            <a:extLst>
+              <a:ext uri="{909E8E84-426E-40DD-AFC4-6F175D3DCCD1}">
+                <a14:hiddenFill xmlns:a14="http://schemas.microsoft.com/office/drawing/2010/main">
+                  <a:solidFill>
+                    <a:schemeClr val="accent1"/>
+                  </a:solidFill>
+                </a14:hiddenFill>
+              </a:ext>
+            </a:extLst>
+          </p:spPr>
+          <p:style>
+            <a:lnRef idx="2">
+              <a:schemeClr val="accent1">
+                <a:shade val="50000"/>
+              </a:schemeClr>
+            </a:lnRef>
+            <a:fillRef idx="1">
+              <a:schemeClr val="accent1"/>
+            </a:fillRef>
+            <a:effectRef idx="0">
+              <a:schemeClr val="accent1"/>
+            </a:effectRef>
+            <a:fontRef idx="minor">
+              <a:schemeClr val="lt1"/>
+            </a:fontRef>
+          </p:style>
+          <p:txBody>
+            <a:bodyPr rtlCol="0" anchor="ctr"/>
+            <a:p>
+              <a:pPr algn="ctr"/>
+              <a:endParaRPr lang="zh-CN" altLang="en-US"/>
+            </a:p>
+          </p:txBody>
+        </p:sp>
+      </p:grpSp>
+      <p:grpSp>
+        <p:nvGrpSpPr>
+          <p:cNvPr id="16" name="组合 15"/>
+          <p:cNvGrpSpPr/>
+          <p:nvPr/>
+        </p:nvGrpSpPr>
+        <p:grpSpPr>
+          <a:xfrm>
+            <a:off x="5336540" y="2994660"/>
+            <a:ext cx="2185670" cy="504190"/>
+            <a:chOff x="8602" y="4970"/>
+            <a:chExt cx="3442" cy="794"/>
+          </a:xfrm>
+        </p:grpSpPr>
+        <p:sp>
+          <p:nvSpPr>
+            <p:cNvPr id="17" name="文本框 16"/>
+            <p:cNvSpPr txBox="1"/>
+            <p:nvPr/>
+          </p:nvSpPr>
+          <p:spPr>
+            <a:xfrm>
+              <a:off x="8602" y="5039"/>
+              <a:ext cx="3442" cy="652"/>
+            </a:xfrm>
+            <a:prstGeom prst="rect">
+              <a:avLst/>
+            </a:prstGeom>
+            <a:noFill/>
+          </p:spPr>
+          <p:txBody>
+            <a:bodyPr wrap="square" rtlCol="0">
+              <a:spAutoFit/>
+            </a:bodyPr>
+            <a:p>
+              <a:r>
+                <a:rPr lang="en-US" altLang="zh-CN"/>
+                <a:t>source code</a:t>
+              </a:r>
+              <a:endParaRPr lang="en-US" altLang="zh-CN"/>
+            </a:p>
+          </p:txBody>
+        </p:sp>
+        <p:sp>
+          <p:nvSpPr>
+            <p:cNvPr id="22" name="矩形 21"/>
+            <p:cNvSpPr/>
+            <p:nvPr/>
+          </p:nvSpPr>
+          <p:spPr>
+            <a:xfrm>
+              <a:off x="8602" y="4970"/>
+              <a:ext cx="2948" cy="794"/>
+            </a:xfrm>
+            <a:prstGeom prst="rect">
+              <a:avLst/>
+            </a:prstGeom>
+            <a:noFill/>
+            <a:extLst>
+              <a:ext uri="{909E8E84-426E-40DD-AFC4-6F175D3DCCD1}">
+                <a14:hiddenFill xmlns:a14="http://schemas.microsoft.com/office/drawing/2010/main">
+                  <a:solidFill>
+                    <a:schemeClr val="accent1"/>
+                  </a:solidFill>
+                </a14:hiddenFill>
+              </a:ext>
+            </a:extLst>
+          </p:spPr>
+          <p:style>
+            <a:lnRef idx="2">
+              <a:schemeClr val="accent1">
+                <a:shade val="50000"/>
+              </a:schemeClr>
+            </a:lnRef>
+            <a:fillRef idx="1">
+              <a:schemeClr val="accent1"/>
+            </a:fillRef>
+            <a:effectRef idx="0">
+              <a:schemeClr val="accent1"/>
+            </a:effectRef>
+            <a:fontRef idx="minor">
+              <a:schemeClr val="lt1"/>
+            </a:fontRef>
+          </p:style>
+          <p:txBody>
+            <a:bodyPr rtlCol="0" anchor="ctr"/>
+            <a:p>
+              <a:pPr algn="ctr"/>
+              <a:endParaRPr lang="zh-CN" altLang="en-US"/>
+            </a:p>
+          </p:txBody>
+        </p:sp>
+      </p:grpSp>
+      <p:grpSp>
+        <p:nvGrpSpPr>
+          <p:cNvPr id="24" name="组合 23"/>
+          <p:cNvGrpSpPr/>
+          <p:nvPr/>
+        </p:nvGrpSpPr>
+        <p:grpSpPr>
+          <a:xfrm>
+            <a:off x="6246495" y="4672330"/>
+            <a:ext cx="2185670" cy="504190"/>
+            <a:chOff x="8602" y="4970"/>
+            <a:chExt cx="3442" cy="794"/>
+          </a:xfrm>
+        </p:grpSpPr>
+        <p:sp>
+          <p:nvSpPr>
+            <p:cNvPr id="32" name="文本框 31"/>
+            <p:cNvSpPr txBox="1"/>
+            <p:nvPr/>
+          </p:nvSpPr>
+          <p:spPr>
+            <a:xfrm>
+              <a:off x="8602" y="5039"/>
+              <a:ext cx="3442" cy="652"/>
+            </a:xfrm>
+            <a:prstGeom prst="rect">
+              <a:avLst/>
+            </a:prstGeom>
+            <a:noFill/>
+          </p:spPr>
+          <p:txBody>
+            <a:bodyPr wrap="square" rtlCol="0">
+              <a:spAutoFit/>
+            </a:bodyPr>
+            <a:p>
+              <a:r>
+                <a:rPr lang="en-US" altLang="zh-CN"/>
+                <a:t>call graph </a:t>
+              </a:r>
+              <a:endParaRPr lang="en-US" altLang="zh-CN"/>
+            </a:p>
+          </p:txBody>
+        </p:sp>
+        <p:sp>
+          <p:nvSpPr>
+            <p:cNvPr id="34" name="矩形 33"/>
+            <p:cNvSpPr/>
+            <p:nvPr/>
+          </p:nvSpPr>
+          <p:spPr>
+            <a:xfrm>
+              <a:off x="8602" y="4970"/>
+              <a:ext cx="2948" cy="794"/>
+            </a:xfrm>
+            <a:prstGeom prst="rect">
+              <a:avLst/>
+            </a:prstGeom>
+            <a:noFill/>
+            <a:extLst>
+              <a:ext uri="{909E8E84-426E-40DD-AFC4-6F175D3DCCD1}">
+                <a14:hiddenFill xmlns:a14="http://schemas.microsoft.com/office/drawing/2010/main">
+                  <a:solidFill>
+                    <a:schemeClr val="accent1"/>
+                  </a:solidFill>
+                </a14:hiddenFill>
+              </a:ext>
+            </a:extLst>
+          </p:spPr>
+          <p:style>
+            <a:lnRef idx="2">
+              <a:schemeClr val="accent1">
+                <a:shade val="50000"/>
+              </a:schemeClr>
+            </a:lnRef>
+            <a:fillRef idx="1">
+              <a:schemeClr val="accent1"/>
+            </a:fillRef>
+            <a:effectRef idx="0">
+              <a:schemeClr val="accent1"/>
+            </a:effectRef>
+            <a:fontRef idx="minor">
+              <a:schemeClr val="lt1"/>
+            </a:fontRef>
+          </p:style>
+          <p:txBody>
+            <a:bodyPr rtlCol="0" anchor="ctr"/>
+            <a:p>
+              <a:pPr algn="ctr"/>
+              <a:endParaRPr lang="zh-CN" altLang="en-US"/>
+            </a:p>
+          </p:txBody>
+        </p:sp>
+      </p:grpSp>
+      <p:grpSp>
+        <p:nvGrpSpPr>
+          <p:cNvPr id="38" name="组合 37"/>
+          <p:cNvGrpSpPr/>
+          <p:nvPr/>
+        </p:nvGrpSpPr>
+        <p:grpSpPr>
+          <a:xfrm>
+            <a:off x="5336540" y="3970020"/>
+            <a:ext cx="2185670" cy="504190"/>
+            <a:chOff x="8602" y="4970"/>
+            <a:chExt cx="3442" cy="794"/>
+          </a:xfrm>
+        </p:grpSpPr>
+        <p:sp>
+          <p:nvSpPr>
+            <p:cNvPr id="39" name="文本框 38"/>
+            <p:cNvSpPr txBox="1"/>
+            <p:nvPr/>
+          </p:nvSpPr>
+          <p:spPr>
+            <a:xfrm>
+              <a:off x="8602" y="5039"/>
+              <a:ext cx="3442" cy="652"/>
+            </a:xfrm>
+            <a:prstGeom prst="rect">
+              <a:avLst/>
+            </a:prstGeom>
+            <a:noFill/>
+          </p:spPr>
+          <p:txBody>
+            <a:bodyPr wrap="square" rtlCol="0">
+              <a:spAutoFit/>
+            </a:bodyPr>
+            <a:p>
+              <a:r>
+                <a:rPr lang="en-US" altLang="zh-CN"/>
+                <a:t>AST</a:t>
+              </a:r>
+              <a:endParaRPr lang="en-US" altLang="zh-CN"/>
+            </a:p>
+          </p:txBody>
+        </p:sp>
+        <p:sp>
+          <p:nvSpPr>
+            <p:cNvPr id="41" name="矩形 40"/>
+            <p:cNvSpPr/>
+            <p:nvPr/>
+          </p:nvSpPr>
+          <p:spPr>
+            <a:xfrm>
+              <a:off x="8602" y="4970"/>
+              <a:ext cx="2948" cy="794"/>
+            </a:xfrm>
+            <a:prstGeom prst="rect">
+              <a:avLst/>
+            </a:prstGeom>
+            <a:noFill/>
+            <a:extLst>
+              <a:ext uri="{909E8E84-426E-40DD-AFC4-6F175D3DCCD1}">
+                <a14:hiddenFill xmlns:a14="http://schemas.microsoft.com/office/drawing/2010/main">
+                  <a:solidFill>
+                    <a:schemeClr val="accent1"/>
+                  </a:solidFill>
+                </a14:hiddenFill>
+              </a:ext>
+            </a:extLst>
+          </p:spPr>
+          <p:style>
+            <a:lnRef idx="2">
+              <a:schemeClr val="accent1">
+                <a:shade val="50000"/>
+              </a:schemeClr>
+            </a:lnRef>
+            <a:fillRef idx="1">
+              <a:schemeClr val="accent1"/>
+            </a:fillRef>
+            <a:effectRef idx="0">
+              <a:schemeClr val="accent1"/>
+            </a:effectRef>
+            <a:fontRef idx="minor">
+              <a:schemeClr val="lt1"/>
+            </a:fontRef>
+          </p:style>
+          <p:txBody>
+            <a:bodyPr rtlCol="0" anchor="ctr"/>
+            <a:p>
+              <a:pPr algn="ctr"/>
+              <a:endParaRPr lang="zh-CN" altLang="en-US"/>
+            </a:p>
+          </p:txBody>
+        </p:sp>
+      </p:grpSp>
+      <p:sp>
+        <p:nvSpPr>
+          <p:cNvPr id="42" name="文本框 41"/>
+          <p:cNvSpPr txBox="1"/>
+          <p:nvPr/>
+        </p:nvSpPr>
+        <p:spPr>
+          <a:xfrm>
+            <a:off x="8756650" y="2429510"/>
+            <a:ext cx="2878455" cy="381635"/>
+          </a:xfrm>
+          <a:prstGeom prst="rect">
+            <a:avLst/>
+          </a:prstGeom>
+          <a:noFill/>
+        </p:spPr>
+        <p:txBody>
+          <a:bodyPr wrap="square" rtlCol="0">
+            <a:spAutoFit/>
+          </a:bodyPr>
+          <a:p>
+            <a:pPr marL="457200" indent="-457200">
+              <a:lnSpc>
+                <a:spcPct val="90000"/>
+              </a:lnSpc>
+              <a:buFont typeface="+mj-ea"/>
+              <a:buAutoNum type="circleNumDbPlain" startAt="2"/>
+            </a:pPr>
+            <a:r>
+              <a:rPr lang="en-US" altLang="zh-CN" b="1" i="1">
+                <a:solidFill>
+                  <a:schemeClr val="tx1"/>
+                </a:solidFill>
+                <a:effectLst/>
+              </a:rPr>
+              <a:t>abstract signature </a:t>
+            </a:r>
+            <a:endParaRPr lang="en-US" altLang="zh-CN" b="1" i="1">
+              <a:solidFill>
+                <a:schemeClr val="tx1"/>
+              </a:solidFill>
+              <a:effectLst/>
+            </a:endParaRPr>
+          </a:p>
+        </p:txBody>
+      </p:sp>
+      <p:grpSp>
+        <p:nvGrpSpPr>
+          <p:cNvPr id="126" name="组合 125"/>
+          <p:cNvGrpSpPr/>
+          <p:nvPr/>
+        </p:nvGrpSpPr>
+        <p:grpSpPr>
+          <a:xfrm>
+            <a:off x="9333230" y="3303905"/>
+            <a:ext cx="1206500" cy="1403350"/>
+            <a:chOff x="14811" y="4638"/>
+            <a:chExt cx="3249" cy="2716"/>
+          </a:xfrm>
+        </p:grpSpPr>
+        <p:sp>
+          <p:nvSpPr>
+            <p:cNvPr id="44" name="椭圆 43"/>
+            <p:cNvSpPr/>
+            <p:nvPr/>
+          </p:nvSpPr>
+          <p:spPr>
+            <a:xfrm>
+              <a:off x="15133" y="5601"/>
+              <a:ext cx="645" cy="595"/>
+            </a:xfrm>
+            <a:prstGeom prst="ellipse">
+              <a:avLst/>
+            </a:prstGeom>
+          </p:spPr>
+          <p:style>
+            <a:lnRef idx="2">
+              <a:schemeClr val="accent1">
+                <a:shade val="50000"/>
+              </a:schemeClr>
+            </a:lnRef>
+            <a:fillRef idx="1">
+              <a:schemeClr val="accent1"/>
+            </a:fillRef>
+            <a:effectRef idx="0">
+              <a:schemeClr val="accent1"/>
+            </a:effectRef>
+            <a:fontRef idx="minor">
+              <a:schemeClr val="lt1"/>
+            </a:fontRef>
+          </p:style>
+          <p:txBody>
+            <a:bodyPr rtlCol="0" anchor="ctr"/>
+            <a:p>
+              <a:pPr algn="ctr"/>
+              <a:endParaRPr lang="zh-CN" altLang="en-US"/>
+            </a:p>
+          </p:txBody>
+        </p:sp>
+        <p:sp>
+          <p:nvSpPr>
+            <p:cNvPr id="45" name="椭圆 44"/>
+            <p:cNvSpPr/>
+            <p:nvPr/>
+          </p:nvSpPr>
+          <p:spPr>
+            <a:xfrm>
+              <a:off x="15571" y="4638"/>
+              <a:ext cx="645" cy="595"/>
+            </a:xfrm>
+            <a:prstGeom prst="ellipse">
+              <a:avLst/>
+            </a:prstGeom>
+          </p:spPr>
+          <p:style>
+            <a:lnRef idx="2">
+              <a:schemeClr val="accent1">
+                <a:shade val="50000"/>
+              </a:schemeClr>
+            </a:lnRef>
+            <a:fillRef idx="1">
+              <a:schemeClr val="accent1"/>
+            </a:fillRef>
+            <a:effectRef idx="0">
+              <a:schemeClr val="accent1"/>
+            </a:effectRef>
+            <a:fontRef idx="minor">
+              <a:schemeClr val="lt1"/>
+            </a:fontRef>
+          </p:style>
+          <p:txBody>
+            <a:bodyPr rtlCol="0" anchor="ctr"/>
+            <a:p>
+              <a:pPr algn="ctr"/>
+              <a:endParaRPr lang="zh-CN" altLang="en-US"/>
+            </a:p>
+          </p:txBody>
+        </p:sp>
+        <p:sp>
+          <p:nvSpPr>
+            <p:cNvPr id="46" name="椭圆 45"/>
+            <p:cNvSpPr/>
+            <p:nvPr/>
+          </p:nvSpPr>
+          <p:spPr>
+            <a:xfrm>
+              <a:off x="16143" y="5547"/>
+              <a:ext cx="645" cy="595"/>
+            </a:xfrm>
+            <a:prstGeom prst="ellipse">
+              <a:avLst/>
+            </a:prstGeom>
+            <a:solidFill>
+              <a:schemeClr val="accent3"/>
+            </a:solidFill>
+          </p:spPr>
+          <p:style>
+            <a:lnRef idx="2">
+              <a:schemeClr val="accent1">
+                <a:shade val="50000"/>
+              </a:schemeClr>
+            </a:lnRef>
+            <a:fillRef idx="1">
+              <a:schemeClr val="accent1"/>
+            </a:fillRef>
+            <a:effectRef idx="0">
+              <a:schemeClr val="accent1"/>
+            </a:effectRef>
+            <a:fontRef idx="minor">
+              <a:schemeClr val="lt1"/>
+            </a:fontRef>
+          </p:style>
+          <p:txBody>
+            <a:bodyPr rtlCol="0" anchor="ctr"/>
+            <a:p>
+              <a:pPr algn="ctr"/>
+              <a:endParaRPr lang="zh-CN" altLang="en-US"/>
+            </a:p>
+          </p:txBody>
+        </p:sp>
+        <p:cxnSp>
+          <p:nvCxnSpPr>
+            <p:cNvPr id="47" name="直接连接符 46"/>
+            <p:cNvCxnSpPr>
+              <a:stCxn id="45" idx="4"/>
+              <a:endCxn id="44" idx="0"/>
+            </p:cNvCxnSpPr>
+            <p:nvPr/>
+          </p:nvCxnSpPr>
+          <p:spPr>
+            <a:xfrm flipH="1">
+              <a:off x="15456" y="5233"/>
+              <a:ext cx="438" cy="368"/>
+            </a:xfrm>
+            <a:prstGeom prst="line">
+              <a:avLst/>
+            </a:prstGeom>
+          </p:spPr>
+          <p:style>
+            <a:lnRef idx="1">
+              <a:schemeClr val="accent1"/>
+            </a:lnRef>
+            <a:fillRef idx="0">
+              <a:schemeClr val="accent1"/>
+            </a:fillRef>
+            <a:effectRef idx="0">
+              <a:schemeClr val="accent1"/>
+            </a:effectRef>
+            <a:fontRef idx="minor">
+              <a:schemeClr val="tx1"/>
+            </a:fontRef>
+          </p:style>
+        </p:cxnSp>
+        <p:cxnSp>
+          <p:nvCxnSpPr>
+            <p:cNvPr id="48" name="直接连接符 47"/>
+            <p:cNvCxnSpPr>
+              <a:endCxn id="46" idx="0"/>
+            </p:cNvCxnSpPr>
+            <p:nvPr/>
+          </p:nvCxnSpPr>
+          <p:spPr>
+            <a:xfrm>
+              <a:off x="15876" y="5259"/>
+              <a:ext cx="590" cy="288"/>
+            </a:xfrm>
+            <a:prstGeom prst="line">
+              <a:avLst/>
+            </a:prstGeom>
+          </p:spPr>
+          <p:style>
+            <a:lnRef idx="1">
+              <a:schemeClr val="accent1"/>
+            </a:lnRef>
+            <a:fillRef idx="0">
+              <a:schemeClr val="accent1"/>
+            </a:fillRef>
+            <a:effectRef idx="0">
+              <a:schemeClr val="accent1"/>
+            </a:effectRef>
+            <a:fontRef idx="minor">
+              <a:schemeClr val="tx1"/>
+            </a:fontRef>
+          </p:style>
+        </p:cxnSp>
+        <p:sp>
+          <p:nvSpPr>
+            <p:cNvPr id="49" name="椭圆 48"/>
+            <p:cNvSpPr/>
+            <p:nvPr/>
+          </p:nvSpPr>
+          <p:spPr>
+            <a:xfrm>
+              <a:off x="14811" y="6701"/>
+              <a:ext cx="645" cy="595"/>
+            </a:xfrm>
+            <a:prstGeom prst="ellipse">
+              <a:avLst/>
+            </a:prstGeom>
+          </p:spPr>
+          <p:style>
+            <a:lnRef idx="2">
+              <a:schemeClr val="accent1">
+                <a:shade val="50000"/>
+              </a:schemeClr>
+            </a:lnRef>
+            <a:fillRef idx="1">
+              <a:schemeClr val="accent1"/>
+            </a:fillRef>
+            <a:effectRef idx="0">
+              <a:schemeClr val="accent1"/>
+            </a:effectRef>
+            <a:fontRef idx="minor">
+              <a:schemeClr val="lt1"/>
+            </a:fontRef>
+          </p:style>
+          <p:txBody>
+            <a:bodyPr rtlCol="0" anchor="ctr"/>
+            <a:p>
+              <a:pPr algn="ctr"/>
+              <a:endParaRPr lang="zh-CN" altLang="en-US"/>
+            </a:p>
+          </p:txBody>
+        </p:sp>
+        <p:sp>
+          <p:nvSpPr>
+            <p:cNvPr id="50" name="椭圆 49"/>
+            <p:cNvSpPr/>
+            <p:nvPr/>
+          </p:nvSpPr>
+          <p:spPr>
+            <a:xfrm>
+              <a:off x="15571" y="6760"/>
+              <a:ext cx="645" cy="595"/>
+            </a:xfrm>
+            <a:prstGeom prst="ellipse">
+              <a:avLst/>
+            </a:prstGeom>
+          </p:spPr>
+          <p:style>
+            <a:lnRef idx="2">
+              <a:schemeClr val="accent1">
+                <a:shade val="50000"/>
+              </a:schemeClr>
+            </a:lnRef>
+            <a:fillRef idx="1">
+              <a:schemeClr val="accent1"/>
+            </a:fillRef>
+            <a:effectRef idx="0">
+              <a:schemeClr val="accent1"/>
+            </a:effectRef>
+            <a:fontRef idx="minor">
+              <a:schemeClr val="lt1"/>
+            </a:fontRef>
+          </p:style>
+          <p:txBody>
+            <a:bodyPr rtlCol="0" anchor="ctr"/>
+            <a:p>
+              <a:pPr algn="ctr"/>
+              <a:endParaRPr lang="zh-CN" altLang="en-US"/>
+            </a:p>
+          </p:txBody>
+        </p:sp>
+        <p:cxnSp>
+          <p:nvCxnSpPr>
+            <p:cNvPr id="51" name="直接连接符 50"/>
+            <p:cNvCxnSpPr>
+              <a:stCxn id="44" idx="4"/>
+              <a:endCxn id="49" idx="1"/>
+            </p:cNvCxnSpPr>
+            <p:nvPr/>
+          </p:nvCxnSpPr>
+          <p:spPr>
+            <a:xfrm flipH="1">
+              <a:off x="14905" y="6196"/>
+              <a:ext cx="551" cy="592"/>
+            </a:xfrm>
+            <a:prstGeom prst="line">
+              <a:avLst/>
+            </a:prstGeom>
+          </p:spPr>
+          <p:style>
+            <a:lnRef idx="1">
+              <a:schemeClr val="accent1"/>
+            </a:lnRef>
+            <a:fillRef idx="0">
+              <a:schemeClr val="accent1"/>
+            </a:fillRef>
+            <a:effectRef idx="0">
+              <a:schemeClr val="accent1"/>
+            </a:effectRef>
+            <a:fontRef idx="minor">
+              <a:schemeClr val="tx1"/>
+            </a:fontRef>
+          </p:style>
+        </p:cxnSp>
+        <p:cxnSp>
+          <p:nvCxnSpPr>
+            <p:cNvPr id="52" name="直接连接符 51"/>
+            <p:cNvCxnSpPr>
+              <a:stCxn id="44" idx="4"/>
+              <a:endCxn id="50" idx="0"/>
+            </p:cNvCxnSpPr>
+            <p:nvPr/>
+          </p:nvCxnSpPr>
+          <p:spPr>
+            <a:xfrm>
+              <a:off x="15456" y="6196"/>
+              <a:ext cx="438" cy="564"/>
+            </a:xfrm>
+            <a:prstGeom prst="line">
+              <a:avLst/>
+            </a:prstGeom>
+          </p:spPr>
+          <p:style>
+            <a:lnRef idx="1">
+              <a:schemeClr val="accent1"/>
+            </a:lnRef>
+            <a:fillRef idx="0">
+              <a:schemeClr val="accent1"/>
+            </a:fillRef>
+            <a:effectRef idx="0">
+              <a:schemeClr val="accent1"/>
+            </a:effectRef>
+            <a:fontRef idx="minor">
+              <a:schemeClr val="tx1"/>
+            </a:fontRef>
+          </p:style>
+        </p:cxnSp>
+        <p:sp>
+          <p:nvSpPr>
+            <p:cNvPr id="53" name="椭圆 52"/>
+            <p:cNvSpPr/>
+            <p:nvPr/>
+          </p:nvSpPr>
+          <p:spPr>
+            <a:xfrm>
+              <a:off x="16466" y="6697"/>
+              <a:ext cx="645" cy="595"/>
+            </a:xfrm>
+            <a:prstGeom prst="ellipse">
+              <a:avLst/>
+            </a:prstGeom>
+          </p:spPr>
+          <p:style>
+            <a:lnRef idx="2">
+              <a:schemeClr val="accent1">
+                <a:shade val="50000"/>
+              </a:schemeClr>
+            </a:lnRef>
+            <a:fillRef idx="1">
+              <a:schemeClr val="accent1"/>
+            </a:fillRef>
+            <a:effectRef idx="0">
+              <a:schemeClr val="accent1"/>
+            </a:effectRef>
+            <a:fontRef idx="minor">
+              <a:schemeClr val="lt1"/>
+            </a:fontRef>
+          </p:style>
+          <p:txBody>
+            <a:bodyPr rtlCol="0" anchor="ctr"/>
+            <a:p>
+              <a:pPr algn="ctr"/>
+              <a:endParaRPr lang="zh-CN" altLang="en-US"/>
+            </a:p>
+          </p:txBody>
+        </p:sp>
+        <p:sp>
+          <p:nvSpPr>
+            <p:cNvPr id="54" name="椭圆 53"/>
+            <p:cNvSpPr/>
+            <p:nvPr/>
+          </p:nvSpPr>
+          <p:spPr>
+            <a:xfrm>
+              <a:off x="17416" y="6741"/>
+              <a:ext cx="645" cy="595"/>
+            </a:xfrm>
+            <a:prstGeom prst="ellipse">
+              <a:avLst/>
+            </a:prstGeom>
+            <a:solidFill>
+              <a:srgbClr val="FF0000"/>
+            </a:solidFill>
+          </p:spPr>
+          <p:style>
+            <a:lnRef idx="2">
+              <a:schemeClr val="accent1">
+                <a:shade val="50000"/>
+              </a:schemeClr>
+            </a:lnRef>
+            <a:fillRef idx="1">
+              <a:schemeClr val="accent1"/>
+            </a:fillRef>
+            <a:effectRef idx="0">
+              <a:schemeClr val="accent1"/>
+            </a:effectRef>
+            <a:fontRef idx="minor">
+              <a:schemeClr val="lt1"/>
+            </a:fontRef>
+          </p:style>
+          <p:txBody>
+            <a:bodyPr rtlCol="0" anchor="ctr"/>
+            <a:p>
+              <a:pPr algn="ctr"/>
+              <a:endParaRPr lang="zh-CN" altLang="en-US"/>
+            </a:p>
+          </p:txBody>
+        </p:sp>
+        <p:cxnSp>
+          <p:nvCxnSpPr>
+            <p:cNvPr id="55" name="直接连接符 54"/>
+            <p:cNvCxnSpPr>
+              <a:stCxn id="46" idx="4"/>
+              <a:endCxn id="53" idx="0"/>
+            </p:cNvCxnSpPr>
+            <p:nvPr/>
+          </p:nvCxnSpPr>
+          <p:spPr>
+            <a:xfrm>
+              <a:off x="16466" y="6142"/>
+              <a:ext cx="323" cy="555"/>
+            </a:xfrm>
+            <a:prstGeom prst="line">
+              <a:avLst/>
+            </a:prstGeom>
+          </p:spPr>
+          <p:style>
+            <a:lnRef idx="1">
+              <a:schemeClr val="accent1"/>
+            </a:lnRef>
+            <a:fillRef idx="0">
+              <a:schemeClr val="accent1"/>
+            </a:fillRef>
+            <a:effectRef idx="0">
+              <a:schemeClr val="accent1"/>
+            </a:effectRef>
+            <a:fontRef idx="minor">
+              <a:schemeClr val="tx1"/>
+            </a:fontRef>
+          </p:style>
+        </p:cxnSp>
+        <p:cxnSp>
+          <p:nvCxnSpPr>
+            <p:cNvPr id="56" name="直接连接符 55"/>
+            <p:cNvCxnSpPr>
+              <a:stCxn id="46" idx="4"/>
+              <a:endCxn id="54" idx="0"/>
+            </p:cNvCxnSpPr>
+            <p:nvPr/>
+          </p:nvCxnSpPr>
+          <p:spPr>
+            <a:xfrm>
+              <a:off x="16466" y="6142"/>
+              <a:ext cx="1273" cy="599"/>
+            </a:xfrm>
+            <a:prstGeom prst="line">
+              <a:avLst/>
+            </a:prstGeom>
+          </p:spPr>
+          <p:style>
+            <a:lnRef idx="1">
+              <a:schemeClr val="accent1"/>
+            </a:lnRef>
+            <a:fillRef idx="0">
+              <a:schemeClr val="accent1"/>
+            </a:fillRef>
+            <a:effectRef idx="0">
+              <a:schemeClr val="accent1"/>
+            </a:effectRef>
+            <a:fontRef idx="minor">
+              <a:schemeClr val="tx1"/>
+            </a:fontRef>
+          </p:style>
+        </p:cxnSp>
+      </p:grpSp>
+      <p:sp>
+        <p:nvSpPr>
+          <p:cNvPr id="60" name="文本框 59"/>
+          <p:cNvSpPr txBox="1"/>
+          <p:nvPr/>
+        </p:nvSpPr>
+        <p:spPr>
+          <a:xfrm>
+            <a:off x="11951335" y="3039745"/>
+            <a:ext cx="1406525" cy="414020"/>
+          </a:xfrm>
+          <a:prstGeom prst="rect">
+            <a:avLst/>
+          </a:prstGeom>
+          <a:noFill/>
+          <a:ln w="12700" cmpd="sng">
+            <a:solidFill>
+              <a:schemeClr val="accent1">
+                <a:shade val="50000"/>
+              </a:schemeClr>
+            </a:solidFill>
+            <a:prstDash val="solid"/>
+          </a:ln>
+        </p:spPr>
+        <p:txBody>
+          <a:bodyPr wrap="square" rtlCol="0">
+            <a:spAutoFit/>
+          </a:bodyPr>
+          <a:p>
+            <a:r>
+              <a:rPr lang="en-US" altLang="zh-CN"/>
+              <a:t>reentrancy</a:t>
+            </a:r>
+            <a:endParaRPr lang="en-US" altLang="zh-CN"/>
+          </a:p>
+        </p:txBody>
+      </p:sp>
+      <p:sp>
+        <p:nvSpPr>
+          <p:cNvPr id="61" name="文本框 60"/>
+          <p:cNvSpPr txBox="1"/>
+          <p:nvPr/>
+        </p:nvSpPr>
+        <p:spPr>
+          <a:xfrm>
+            <a:off x="11934825" y="3597275"/>
+            <a:ext cx="1672590" cy="414020"/>
+          </a:xfrm>
+          <a:prstGeom prst="rect">
+            <a:avLst/>
+          </a:prstGeom>
+          <a:noFill/>
+          <a:ln w="12700" cmpd="sng">
+            <a:solidFill>
+              <a:schemeClr val="accent1">
+                <a:shade val="50000"/>
+              </a:schemeClr>
+            </a:solidFill>
+            <a:prstDash val="solid"/>
+          </a:ln>
+        </p:spPr>
+        <p:txBody>
+          <a:bodyPr wrap="square" rtlCol="0">
+            <a:spAutoFit/>
+          </a:bodyPr>
+          <a:p>
+            <a:r>
+              <a:rPr lang="en-US" altLang="zh-CN"/>
+              <a:t>selfdestruct</a:t>
+            </a:r>
+            <a:endParaRPr lang="en-US" altLang="zh-CN"/>
+          </a:p>
+        </p:txBody>
+      </p:sp>
+      <p:sp>
+        <p:nvSpPr>
+          <p:cNvPr id="62" name="文本框 61"/>
+          <p:cNvSpPr txBox="1"/>
+          <p:nvPr/>
+        </p:nvSpPr>
+        <p:spPr>
+          <a:xfrm>
+            <a:off x="11918315" y="4154805"/>
+            <a:ext cx="1196975" cy="414020"/>
+          </a:xfrm>
+          <a:prstGeom prst="rect">
+            <a:avLst/>
+          </a:prstGeom>
+          <a:noFill/>
+          <a:ln w="12700" cmpd="sng">
+            <a:solidFill>
+              <a:schemeClr val="accent1">
+                <a:shade val="50000"/>
+              </a:schemeClr>
+            </a:solidFill>
+            <a:prstDash val="solid"/>
+          </a:ln>
+        </p:spPr>
+        <p:txBody>
+          <a:bodyPr wrap="square" rtlCol="0">
+            <a:spAutoFit/>
+          </a:bodyPr>
+          <a:p>
+            <a:r>
+              <a:rPr lang="en-US" altLang="zh-CN"/>
+              <a:t>tx.origin</a:t>
+            </a:r>
+            <a:endParaRPr lang="en-US" altLang="zh-CN"/>
+          </a:p>
+        </p:txBody>
+      </p:sp>
+      <p:sp>
+        <p:nvSpPr>
+          <p:cNvPr id="63" name="文本框 62"/>
+          <p:cNvSpPr txBox="1"/>
+          <p:nvPr/>
+        </p:nvSpPr>
+        <p:spPr>
+          <a:xfrm>
+            <a:off x="11901805" y="4712335"/>
+            <a:ext cx="2739390" cy="414020"/>
+          </a:xfrm>
+          <a:prstGeom prst="rect">
+            <a:avLst/>
+          </a:prstGeom>
+          <a:noFill/>
+          <a:ln w="12700" cmpd="sng">
+            <a:solidFill>
+              <a:schemeClr val="accent1">
+                <a:shade val="50000"/>
+              </a:schemeClr>
+            </a:solidFill>
+            <a:prstDash val="solid"/>
+          </a:ln>
+        </p:spPr>
+        <p:txBody>
+          <a:bodyPr wrap="square" rtlCol="0">
+            <a:spAutoFit/>
+          </a:bodyPr>
+          <a:p>
+            <a:r>
+              <a:rPr lang="en-US" altLang="zh-CN"/>
+              <a:t>unchecked lowlevelcall</a:t>
+            </a:r>
+            <a:endParaRPr lang="en-US" altLang="zh-CN"/>
+          </a:p>
+        </p:txBody>
+      </p:sp>
+      <p:sp>
+        <p:nvSpPr>
+          <p:cNvPr id="64" name="文本框 63"/>
+          <p:cNvSpPr txBox="1"/>
+          <p:nvPr/>
+        </p:nvSpPr>
+        <p:spPr>
+          <a:xfrm>
+            <a:off x="15774670" y="3519805"/>
+            <a:ext cx="2540000" cy="414020"/>
+          </a:xfrm>
+          <a:prstGeom prst="rect">
+            <a:avLst/>
+          </a:prstGeom>
+          <a:noFill/>
+        </p:spPr>
+        <p:txBody>
+          <a:bodyPr wrap="square" rtlCol="0" anchor="t">
+            <a:spAutoFit/>
+          </a:bodyPr>
+          <a:p>
+            <a:r>
+              <a:rPr lang="zh-CN" altLang="en-US"/>
+              <a:t>LVALUE := RVALUE</a:t>
+            </a:r>
+            <a:endParaRPr lang="zh-CN" altLang="en-US"/>
+          </a:p>
+        </p:txBody>
+      </p:sp>
+      <p:sp>
+        <p:nvSpPr>
+          <p:cNvPr id="65" name="文本框 64"/>
+          <p:cNvSpPr txBox="1"/>
+          <p:nvPr/>
+        </p:nvSpPr>
+        <p:spPr>
+          <a:xfrm>
+            <a:off x="15774670" y="3103880"/>
+            <a:ext cx="1854200" cy="414020"/>
+          </a:xfrm>
+          <a:prstGeom prst="rect">
+            <a:avLst/>
+          </a:prstGeom>
+          <a:noFill/>
+        </p:spPr>
+        <p:txBody>
+          <a:bodyPr wrap="square" rtlCol="0" anchor="t">
+            <a:spAutoFit/>
+          </a:bodyPr>
+          <a:p>
+            <a:r>
+              <a:rPr lang="zh-CN" altLang="en-US" b="1"/>
+              <a:t>Assignment</a:t>
+            </a:r>
+            <a:endParaRPr lang="zh-CN" altLang="en-US" b="1"/>
+          </a:p>
+        </p:txBody>
+      </p:sp>
+      <p:sp>
+        <p:nvSpPr>
+          <p:cNvPr id="66" name="文本框 65"/>
+          <p:cNvSpPr txBox="1"/>
+          <p:nvPr/>
+        </p:nvSpPr>
+        <p:spPr>
+          <a:xfrm>
+            <a:off x="15774670" y="4232275"/>
+            <a:ext cx="2540000" cy="414020"/>
+          </a:xfrm>
+          <a:prstGeom prst="rect">
+            <a:avLst/>
+          </a:prstGeom>
+          <a:noFill/>
+        </p:spPr>
+        <p:txBody>
+          <a:bodyPr wrap="square" rtlCol="0" anchor="t">
+            <a:spAutoFit/>
+          </a:bodyPr>
+          <a:p>
+            <a:r>
+              <a:rPr lang="zh-CN" altLang="en-US" b="1"/>
+              <a:t>Conversion</a:t>
+            </a:r>
+            <a:endParaRPr lang="zh-CN" altLang="en-US" b="1"/>
+          </a:p>
+        </p:txBody>
+      </p:sp>
+      <p:sp>
+        <p:nvSpPr>
+          <p:cNvPr id="67" name="文本框 66"/>
+          <p:cNvSpPr txBox="1"/>
+          <p:nvPr/>
+        </p:nvSpPr>
+        <p:spPr>
+          <a:xfrm>
+            <a:off x="15774670" y="4606925"/>
+            <a:ext cx="3877310" cy="398780"/>
+          </a:xfrm>
+          <a:prstGeom prst="rect">
+            <a:avLst/>
+          </a:prstGeom>
+          <a:noFill/>
+        </p:spPr>
+        <p:txBody>
+          <a:bodyPr wrap="square" rtlCol="0" anchor="t">
+            <a:spAutoFit/>
+          </a:bodyPr>
+          <a:p>
+            <a:r>
+              <a:rPr lang="zh-CN" altLang="en-US" sz="2000"/>
+              <a:t>CONVERT LVALUE RVALUE TYPE</a:t>
+            </a:r>
+            <a:endParaRPr lang="zh-CN" altLang="en-US" sz="2000"/>
+          </a:p>
+        </p:txBody>
+      </p:sp>
+      <p:grpSp>
+        <p:nvGrpSpPr>
+          <p:cNvPr id="77" name="组合 76"/>
+          <p:cNvGrpSpPr/>
+          <p:nvPr/>
+        </p:nvGrpSpPr>
+        <p:grpSpPr>
+          <a:xfrm>
+            <a:off x="19865340" y="3955415"/>
+            <a:ext cx="832485" cy="988060"/>
+            <a:chOff x="29139" y="7746"/>
+            <a:chExt cx="3290" cy="4102"/>
+          </a:xfrm>
+        </p:grpSpPr>
+        <p:sp>
+          <p:nvSpPr>
+            <p:cNvPr id="68" name="text-file_13566"/>
+            <p:cNvSpPr>
+              <a:spLocks noChangeAspect="1"/>
+            </p:cNvSpPr>
+            <p:nvPr/>
+          </p:nvSpPr>
+          <p:spPr bwMode="auto">
+            <a:xfrm>
+              <a:off x="29139" y="7746"/>
+              <a:ext cx="3291" cy="4103"/>
+            </a:xfrm>
+            <a:custGeom>
+              <a:avLst/>
+              <a:gdLst>
+                <a:gd name="T0" fmla="*/ 3035 w 3170"/>
+                <a:gd name="T1" fmla="*/ 0 h 3960"/>
+                <a:gd name="T2" fmla="*/ 1019 w 3170"/>
+                <a:gd name="T3" fmla="*/ 0 h 3960"/>
+                <a:gd name="T4" fmla="*/ 924 w 3170"/>
+                <a:gd name="T5" fmla="*/ 39 h 3960"/>
+                <a:gd name="T6" fmla="*/ 40 w 3170"/>
+                <a:gd name="T7" fmla="*/ 923 h 3960"/>
+                <a:gd name="T8" fmla="*/ 0 w 3170"/>
+                <a:gd name="T9" fmla="*/ 1019 h 3960"/>
+                <a:gd name="T10" fmla="*/ 0 w 3170"/>
+                <a:gd name="T11" fmla="*/ 3825 h 3960"/>
+                <a:gd name="T12" fmla="*/ 135 w 3170"/>
+                <a:gd name="T13" fmla="*/ 3960 h 3960"/>
+                <a:gd name="T14" fmla="*/ 3035 w 3170"/>
+                <a:gd name="T15" fmla="*/ 3960 h 3960"/>
+                <a:gd name="T16" fmla="*/ 3170 w 3170"/>
+                <a:gd name="T17" fmla="*/ 3825 h 3960"/>
+                <a:gd name="T18" fmla="*/ 3170 w 3170"/>
+                <a:gd name="T19" fmla="*/ 135 h 3960"/>
+                <a:gd name="T20" fmla="*/ 3035 w 3170"/>
+                <a:gd name="T21" fmla="*/ 0 h 3960"/>
+                <a:gd name="T22" fmla="*/ 884 w 3170"/>
+                <a:gd name="T23" fmla="*/ 460 h 3960"/>
+                <a:gd name="T24" fmla="*/ 884 w 3170"/>
+                <a:gd name="T25" fmla="*/ 884 h 3960"/>
+                <a:gd name="T26" fmla="*/ 461 w 3170"/>
+                <a:gd name="T27" fmla="*/ 884 h 3960"/>
+                <a:gd name="T28" fmla="*/ 884 w 3170"/>
+                <a:gd name="T29" fmla="*/ 460 h 3960"/>
+                <a:gd name="T30" fmla="*/ 2900 w 3170"/>
+                <a:gd name="T31" fmla="*/ 3690 h 3960"/>
+                <a:gd name="T32" fmla="*/ 270 w 3170"/>
+                <a:gd name="T33" fmla="*/ 3690 h 3960"/>
+                <a:gd name="T34" fmla="*/ 270 w 3170"/>
+                <a:gd name="T35" fmla="*/ 1154 h 3960"/>
+                <a:gd name="T36" fmla="*/ 1019 w 3170"/>
+                <a:gd name="T37" fmla="*/ 1154 h 3960"/>
+                <a:gd name="T38" fmla="*/ 1154 w 3170"/>
+                <a:gd name="T39" fmla="*/ 1019 h 3960"/>
+                <a:gd name="T40" fmla="*/ 1154 w 3170"/>
+                <a:gd name="T41" fmla="*/ 270 h 3960"/>
+                <a:gd name="T42" fmla="*/ 2900 w 3170"/>
+                <a:gd name="T43" fmla="*/ 270 h 3960"/>
+                <a:gd name="T44" fmla="*/ 2900 w 3170"/>
+                <a:gd name="T45" fmla="*/ 3690 h 3960"/>
+              </a:gdLst>
+              <a:ahLst/>
+              <a:cxnLst>
+                <a:cxn ang="0">
+                  <a:pos x="T0" y="T1"/>
+                </a:cxn>
+                <a:cxn ang="0">
+                  <a:pos x="T2" y="T3"/>
+                </a:cxn>
+                <a:cxn ang="0">
+                  <a:pos x="T4" y="T5"/>
+                </a:cxn>
+                <a:cxn ang="0">
+                  <a:pos x="T6" y="T7"/>
+                </a:cxn>
+                <a:cxn ang="0">
+                  <a:pos x="T8" y="T9"/>
+                </a:cxn>
+                <a:cxn ang="0">
+                  <a:pos x="T10" y="T11"/>
+                </a:cxn>
+                <a:cxn ang="0">
+                  <a:pos x="T12" y="T13"/>
+                </a:cxn>
+                <a:cxn ang="0">
+                  <a:pos x="T14" y="T15"/>
+                </a:cxn>
+                <a:cxn ang="0">
+                  <a:pos x="T16" y="T17"/>
+                </a:cxn>
+                <a:cxn ang="0">
+                  <a:pos x="T18" y="T19"/>
+                </a:cxn>
+                <a:cxn ang="0">
+                  <a:pos x="T20" y="T21"/>
+                </a:cxn>
+                <a:cxn ang="0">
+                  <a:pos x="T22" y="T23"/>
+                </a:cxn>
+                <a:cxn ang="0">
+                  <a:pos x="T24" y="T25"/>
+                </a:cxn>
+                <a:cxn ang="0">
+                  <a:pos x="T26" y="T27"/>
+                </a:cxn>
+                <a:cxn ang="0">
+                  <a:pos x="T28" y="T29"/>
+                </a:cxn>
+                <a:cxn ang="0">
+                  <a:pos x="T30" y="T31"/>
+                </a:cxn>
+                <a:cxn ang="0">
+                  <a:pos x="T32" y="T33"/>
+                </a:cxn>
+                <a:cxn ang="0">
+                  <a:pos x="T34" y="T35"/>
+                </a:cxn>
+                <a:cxn ang="0">
+                  <a:pos x="T36" y="T37"/>
+                </a:cxn>
+                <a:cxn ang="0">
+                  <a:pos x="T38" y="T39"/>
+                </a:cxn>
+                <a:cxn ang="0">
+                  <a:pos x="T40" y="T41"/>
+                </a:cxn>
+                <a:cxn ang="0">
+                  <a:pos x="T42" y="T43"/>
+                </a:cxn>
+                <a:cxn ang="0">
+                  <a:pos x="T44" y="T45"/>
+                </a:cxn>
+              </a:cxnLst>
+              <a:rect l="0" t="0" r="r" b="b"/>
+              <a:pathLst>
+                <a:path w="3170" h="3960">
+                  <a:moveTo>
+                    <a:pt x="3035" y="0"/>
+                  </a:moveTo>
+                  <a:lnTo>
+                    <a:pt x="1019" y="0"/>
+                  </a:lnTo>
+                  <a:cubicBezTo>
+                    <a:pt x="983" y="0"/>
+                    <a:pt x="949" y="14"/>
+                    <a:pt x="924" y="39"/>
+                  </a:cubicBezTo>
+                  <a:lnTo>
+                    <a:pt x="40" y="923"/>
+                  </a:lnTo>
+                  <a:cubicBezTo>
+                    <a:pt x="15" y="949"/>
+                    <a:pt x="0" y="983"/>
+                    <a:pt x="0" y="1019"/>
+                  </a:cubicBezTo>
+                  <a:lnTo>
+                    <a:pt x="0" y="3825"/>
+                  </a:lnTo>
+                  <a:cubicBezTo>
+                    <a:pt x="0" y="3900"/>
+                    <a:pt x="61" y="3960"/>
+                    <a:pt x="135" y="3960"/>
+                  </a:cubicBezTo>
+                  <a:lnTo>
+                    <a:pt x="3035" y="3960"/>
+                  </a:lnTo>
+                  <a:cubicBezTo>
+                    <a:pt x="3109" y="3960"/>
+                    <a:pt x="3170" y="3900"/>
+                    <a:pt x="3170" y="3825"/>
+                  </a:cubicBezTo>
+                  <a:lnTo>
+                    <a:pt x="3170" y="135"/>
+                  </a:lnTo>
+                  <a:cubicBezTo>
+                    <a:pt x="3170" y="60"/>
+                    <a:pt x="3109" y="0"/>
+                    <a:pt x="3035" y="0"/>
+                  </a:cubicBezTo>
+                  <a:close/>
+                  <a:moveTo>
+                    <a:pt x="884" y="460"/>
+                  </a:moveTo>
+                  <a:lnTo>
+                    <a:pt x="884" y="884"/>
+                  </a:lnTo>
+                  <a:lnTo>
+                    <a:pt x="461" y="884"/>
+                  </a:lnTo>
+                  <a:lnTo>
+                    <a:pt x="884" y="460"/>
+                  </a:lnTo>
+                  <a:close/>
+                  <a:moveTo>
+                    <a:pt x="2900" y="3690"/>
+                  </a:moveTo>
+                  <a:lnTo>
+                    <a:pt x="270" y="3690"/>
+                  </a:lnTo>
+                  <a:lnTo>
+                    <a:pt x="270" y="1154"/>
+                  </a:lnTo>
+                  <a:lnTo>
+                    <a:pt x="1019" y="1154"/>
+                  </a:lnTo>
+                  <a:cubicBezTo>
+                    <a:pt x="1094" y="1154"/>
+                    <a:pt x="1154" y="1093"/>
+                    <a:pt x="1154" y="1019"/>
+                  </a:cubicBezTo>
+                  <a:lnTo>
+                    <a:pt x="1154" y="270"/>
+                  </a:lnTo>
+                  <a:lnTo>
+                    <a:pt x="2900" y="270"/>
+                  </a:lnTo>
+                  <a:lnTo>
+                    <a:pt x="2900" y="3690"/>
+                  </a:lnTo>
+                  <a:close/>
+                </a:path>
+              </a:pathLst>
+            </a:custGeom>
+            <a:solidFill>
+              <a:schemeClr val="accent1"/>
+            </a:solidFill>
+            <a:ln>
+              <a:noFill/>
+            </a:ln>
+          </p:spPr>
+        </p:sp>
+        <p:cxnSp>
+          <p:nvCxnSpPr>
+            <p:cNvPr id="70" name="直接连接符 69"/>
+            <p:cNvCxnSpPr/>
+            <p:nvPr/>
+          </p:nvCxnSpPr>
+          <p:spPr>
+            <a:xfrm flipV="1">
+              <a:off x="29849" y="9682"/>
+              <a:ext cx="1789" cy="25"/>
+            </a:xfrm>
+            <a:prstGeom prst="line">
+              <a:avLst/>
+            </a:prstGeom>
+            <a:ln w="85725"/>
+          </p:spPr>
+          <p:style>
+            <a:lnRef idx="1">
+              <a:schemeClr val="accent1"/>
+            </a:lnRef>
+            <a:fillRef idx="0">
+              <a:schemeClr val="accent1"/>
+            </a:fillRef>
+            <a:effectRef idx="0">
+              <a:schemeClr val="accent1"/>
+            </a:effectRef>
+            <a:fontRef idx="minor">
+              <a:schemeClr val="tx1"/>
+            </a:fontRef>
+          </p:style>
+        </p:cxnSp>
+        <p:cxnSp>
+          <p:nvCxnSpPr>
+            <p:cNvPr id="71" name="直接连接符 70"/>
+            <p:cNvCxnSpPr/>
+            <p:nvPr/>
+          </p:nvCxnSpPr>
+          <p:spPr>
+            <a:xfrm>
+              <a:off x="29789" y="10457"/>
+              <a:ext cx="1736" cy="18"/>
+            </a:xfrm>
+            <a:prstGeom prst="line">
+              <a:avLst/>
+            </a:prstGeom>
+            <a:ln w="85725"/>
+          </p:spPr>
+          <p:style>
+            <a:lnRef idx="1">
+              <a:schemeClr val="accent2"/>
+            </a:lnRef>
+            <a:fillRef idx="0">
+              <a:schemeClr val="accent2"/>
+            </a:fillRef>
+            <a:effectRef idx="0">
+              <a:schemeClr val="accent2"/>
+            </a:effectRef>
+            <a:fontRef idx="minor">
+              <a:schemeClr val="tx1"/>
+            </a:fontRef>
+          </p:style>
+        </p:cxnSp>
+        <p:cxnSp>
+          <p:nvCxnSpPr>
+            <p:cNvPr id="72" name="直接连接符 71"/>
+            <p:cNvCxnSpPr/>
+            <p:nvPr/>
+          </p:nvCxnSpPr>
+          <p:spPr>
+            <a:xfrm>
+              <a:off x="29789" y="11137"/>
+              <a:ext cx="1736" cy="18"/>
+            </a:xfrm>
+            <a:prstGeom prst="line">
+              <a:avLst/>
+            </a:prstGeom>
+            <a:ln w="85725">
+              <a:solidFill>
+                <a:srgbClr val="FFC000"/>
+              </a:solidFill>
+            </a:ln>
+          </p:spPr>
+          <p:style>
+            <a:lnRef idx="1">
+              <a:schemeClr val="accent2"/>
+            </a:lnRef>
+            <a:fillRef idx="0">
+              <a:schemeClr val="accent2"/>
+            </a:fillRef>
+            <a:effectRef idx="0">
+              <a:schemeClr val="accent2"/>
+            </a:effectRef>
+            <a:fontRef idx="minor">
+              <a:schemeClr val="tx1"/>
+            </a:fontRef>
+          </p:style>
+        </p:cxnSp>
+      </p:grpSp>
+      <p:grpSp>
+        <p:nvGrpSpPr>
+          <p:cNvPr id="78" name="组合 77"/>
+          <p:cNvGrpSpPr/>
+          <p:nvPr/>
+        </p:nvGrpSpPr>
+        <p:grpSpPr>
+          <a:xfrm>
+            <a:off x="21674455" y="3568700"/>
+            <a:ext cx="711200" cy="905510"/>
+            <a:chOff x="29139" y="7746"/>
+            <a:chExt cx="3290" cy="4102"/>
+          </a:xfrm>
+        </p:grpSpPr>
+        <p:sp>
+          <p:nvSpPr>
+            <p:cNvPr id="79" name="text-file_13566"/>
+            <p:cNvSpPr>
+              <a:spLocks noChangeAspect="1"/>
+            </p:cNvSpPr>
+            <p:nvPr/>
+          </p:nvSpPr>
+          <p:spPr bwMode="auto">
+            <a:xfrm>
+              <a:off x="29139" y="7746"/>
+              <a:ext cx="3291" cy="4103"/>
+            </a:xfrm>
+            <a:custGeom>
+              <a:avLst/>
+              <a:gdLst>
+                <a:gd name="T0" fmla="*/ 3035 w 3170"/>
+                <a:gd name="T1" fmla="*/ 0 h 3960"/>
+                <a:gd name="T2" fmla="*/ 1019 w 3170"/>
+                <a:gd name="T3" fmla="*/ 0 h 3960"/>
+                <a:gd name="T4" fmla="*/ 924 w 3170"/>
+                <a:gd name="T5" fmla="*/ 39 h 3960"/>
+                <a:gd name="T6" fmla="*/ 40 w 3170"/>
+                <a:gd name="T7" fmla="*/ 923 h 3960"/>
+                <a:gd name="T8" fmla="*/ 0 w 3170"/>
+                <a:gd name="T9" fmla="*/ 1019 h 3960"/>
+                <a:gd name="T10" fmla="*/ 0 w 3170"/>
+                <a:gd name="T11" fmla="*/ 3825 h 3960"/>
+                <a:gd name="T12" fmla="*/ 135 w 3170"/>
+                <a:gd name="T13" fmla="*/ 3960 h 3960"/>
+                <a:gd name="T14" fmla="*/ 3035 w 3170"/>
+                <a:gd name="T15" fmla="*/ 3960 h 3960"/>
+                <a:gd name="T16" fmla="*/ 3170 w 3170"/>
+                <a:gd name="T17" fmla="*/ 3825 h 3960"/>
+                <a:gd name="T18" fmla="*/ 3170 w 3170"/>
+                <a:gd name="T19" fmla="*/ 135 h 3960"/>
+                <a:gd name="T20" fmla="*/ 3035 w 3170"/>
+                <a:gd name="T21" fmla="*/ 0 h 3960"/>
+                <a:gd name="T22" fmla="*/ 884 w 3170"/>
+                <a:gd name="T23" fmla="*/ 460 h 3960"/>
+                <a:gd name="T24" fmla="*/ 884 w 3170"/>
+                <a:gd name="T25" fmla="*/ 884 h 3960"/>
+                <a:gd name="T26" fmla="*/ 461 w 3170"/>
+                <a:gd name="T27" fmla="*/ 884 h 3960"/>
+                <a:gd name="T28" fmla="*/ 884 w 3170"/>
+                <a:gd name="T29" fmla="*/ 460 h 3960"/>
+                <a:gd name="T30" fmla="*/ 2900 w 3170"/>
+                <a:gd name="T31" fmla="*/ 3690 h 3960"/>
+                <a:gd name="T32" fmla="*/ 270 w 3170"/>
+                <a:gd name="T33" fmla="*/ 3690 h 3960"/>
+                <a:gd name="T34" fmla="*/ 270 w 3170"/>
+                <a:gd name="T35" fmla="*/ 1154 h 3960"/>
+                <a:gd name="T36" fmla="*/ 1019 w 3170"/>
+                <a:gd name="T37" fmla="*/ 1154 h 3960"/>
+                <a:gd name="T38" fmla="*/ 1154 w 3170"/>
+                <a:gd name="T39" fmla="*/ 1019 h 3960"/>
+                <a:gd name="T40" fmla="*/ 1154 w 3170"/>
+                <a:gd name="T41" fmla="*/ 270 h 3960"/>
+                <a:gd name="T42" fmla="*/ 2900 w 3170"/>
+                <a:gd name="T43" fmla="*/ 270 h 3960"/>
+                <a:gd name="T44" fmla="*/ 2900 w 3170"/>
+                <a:gd name="T45" fmla="*/ 3690 h 3960"/>
+              </a:gdLst>
+              <a:ahLst/>
+              <a:cxnLst>
+                <a:cxn ang="0">
+                  <a:pos x="T0" y="T1"/>
+                </a:cxn>
+                <a:cxn ang="0">
+                  <a:pos x="T2" y="T3"/>
+                </a:cxn>
+                <a:cxn ang="0">
+                  <a:pos x="T4" y="T5"/>
+                </a:cxn>
+                <a:cxn ang="0">
+                  <a:pos x="T6" y="T7"/>
+                </a:cxn>
+                <a:cxn ang="0">
+                  <a:pos x="T8" y="T9"/>
+                </a:cxn>
+                <a:cxn ang="0">
+                  <a:pos x="T10" y="T11"/>
+                </a:cxn>
+                <a:cxn ang="0">
+                  <a:pos x="T12" y="T13"/>
+                </a:cxn>
+                <a:cxn ang="0">
+                  <a:pos x="T14" y="T15"/>
+                </a:cxn>
+                <a:cxn ang="0">
+                  <a:pos x="T16" y="T17"/>
+                </a:cxn>
+                <a:cxn ang="0">
+                  <a:pos x="T18" y="T19"/>
+                </a:cxn>
+                <a:cxn ang="0">
+                  <a:pos x="T20" y="T21"/>
+                </a:cxn>
+                <a:cxn ang="0">
+                  <a:pos x="T22" y="T23"/>
+                </a:cxn>
+                <a:cxn ang="0">
+                  <a:pos x="T24" y="T25"/>
+                </a:cxn>
+                <a:cxn ang="0">
+                  <a:pos x="T26" y="T27"/>
+                </a:cxn>
+                <a:cxn ang="0">
+                  <a:pos x="T28" y="T29"/>
+                </a:cxn>
+                <a:cxn ang="0">
+                  <a:pos x="T30" y="T31"/>
+                </a:cxn>
+                <a:cxn ang="0">
+                  <a:pos x="T32" y="T33"/>
+                </a:cxn>
+                <a:cxn ang="0">
+                  <a:pos x="T34" y="T35"/>
+                </a:cxn>
+                <a:cxn ang="0">
+                  <a:pos x="T36" y="T37"/>
+                </a:cxn>
+                <a:cxn ang="0">
+                  <a:pos x="T38" y="T39"/>
+                </a:cxn>
+                <a:cxn ang="0">
+                  <a:pos x="T40" y="T41"/>
+                </a:cxn>
+                <a:cxn ang="0">
+                  <a:pos x="T42" y="T43"/>
+                </a:cxn>
+                <a:cxn ang="0">
+                  <a:pos x="T44" y="T45"/>
+                </a:cxn>
+              </a:cxnLst>
+              <a:rect l="0" t="0" r="r" b="b"/>
+              <a:pathLst>
+                <a:path w="3170" h="3960">
+                  <a:moveTo>
+                    <a:pt x="3035" y="0"/>
+                  </a:moveTo>
+                  <a:lnTo>
+                    <a:pt x="1019" y="0"/>
+                  </a:lnTo>
+                  <a:cubicBezTo>
+                    <a:pt x="983" y="0"/>
+                    <a:pt x="949" y="14"/>
+                    <a:pt x="924" y="39"/>
+                  </a:cubicBezTo>
+                  <a:lnTo>
+                    <a:pt x="40" y="923"/>
+                  </a:lnTo>
+                  <a:cubicBezTo>
+                    <a:pt x="15" y="949"/>
+                    <a:pt x="0" y="983"/>
+                    <a:pt x="0" y="1019"/>
+                  </a:cubicBezTo>
+                  <a:lnTo>
+                    <a:pt x="0" y="3825"/>
+                  </a:lnTo>
+                  <a:cubicBezTo>
+                    <a:pt x="0" y="3900"/>
+                    <a:pt x="61" y="3960"/>
+                    <a:pt x="135" y="3960"/>
+                  </a:cubicBezTo>
+                  <a:lnTo>
+                    <a:pt x="3035" y="3960"/>
+                  </a:lnTo>
+                  <a:cubicBezTo>
+                    <a:pt x="3109" y="3960"/>
+                    <a:pt x="3170" y="3900"/>
+                    <a:pt x="3170" y="3825"/>
+                  </a:cubicBezTo>
+                  <a:lnTo>
+                    <a:pt x="3170" y="135"/>
+                  </a:lnTo>
+                  <a:cubicBezTo>
+                    <a:pt x="3170" y="60"/>
+                    <a:pt x="3109" y="0"/>
+                    <a:pt x="3035" y="0"/>
+                  </a:cubicBezTo>
+                  <a:close/>
+                  <a:moveTo>
+                    <a:pt x="884" y="460"/>
+                  </a:moveTo>
+                  <a:lnTo>
+                    <a:pt x="884" y="884"/>
+                  </a:lnTo>
+                  <a:lnTo>
+                    <a:pt x="461" y="884"/>
+                  </a:lnTo>
+                  <a:lnTo>
+                    <a:pt x="884" y="460"/>
+                  </a:lnTo>
+                  <a:close/>
+                  <a:moveTo>
+                    <a:pt x="2900" y="3690"/>
+                  </a:moveTo>
+                  <a:lnTo>
+                    <a:pt x="270" y="3690"/>
+                  </a:lnTo>
+                  <a:lnTo>
+                    <a:pt x="270" y="1154"/>
+                  </a:lnTo>
+                  <a:lnTo>
+                    <a:pt x="1019" y="1154"/>
+                  </a:lnTo>
+                  <a:cubicBezTo>
+                    <a:pt x="1094" y="1154"/>
+                    <a:pt x="1154" y="1093"/>
+                    <a:pt x="1154" y="1019"/>
+                  </a:cubicBezTo>
+                  <a:lnTo>
+                    <a:pt x="1154" y="270"/>
+                  </a:lnTo>
+                  <a:lnTo>
+                    <a:pt x="2900" y="270"/>
+                  </a:lnTo>
+                  <a:lnTo>
+                    <a:pt x="2900" y="3690"/>
+                  </a:lnTo>
+                  <a:close/>
+                </a:path>
+              </a:pathLst>
+            </a:custGeom>
+            <a:solidFill>
+              <a:schemeClr val="accent1"/>
+            </a:solidFill>
+            <a:ln>
+              <a:noFill/>
+            </a:ln>
+          </p:spPr>
+        </p:sp>
+        <p:cxnSp>
+          <p:nvCxnSpPr>
+            <p:cNvPr id="80" name="直接连接符 79"/>
+            <p:cNvCxnSpPr/>
+            <p:nvPr/>
+          </p:nvCxnSpPr>
+          <p:spPr>
+            <a:xfrm flipV="1">
+              <a:off x="29849" y="9682"/>
+              <a:ext cx="1789" cy="25"/>
+            </a:xfrm>
+            <a:prstGeom prst="line">
+              <a:avLst/>
+            </a:prstGeom>
+            <a:ln w="85725"/>
+          </p:spPr>
+          <p:style>
+            <a:lnRef idx="1">
+              <a:schemeClr val="accent1"/>
+            </a:lnRef>
+            <a:fillRef idx="0">
+              <a:schemeClr val="accent1"/>
+            </a:fillRef>
+            <a:effectRef idx="0">
+              <a:schemeClr val="accent1"/>
+            </a:effectRef>
+            <a:fontRef idx="minor">
+              <a:schemeClr val="tx1"/>
+            </a:fontRef>
+          </p:style>
+        </p:cxnSp>
+        <p:cxnSp>
+          <p:nvCxnSpPr>
+            <p:cNvPr id="81" name="直接连接符 80"/>
+            <p:cNvCxnSpPr/>
+            <p:nvPr/>
+          </p:nvCxnSpPr>
+          <p:spPr>
+            <a:xfrm>
+              <a:off x="29789" y="10457"/>
+              <a:ext cx="1736" cy="18"/>
+            </a:xfrm>
+            <a:prstGeom prst="line">
+              <a:avLst/>
+            </a:prstGeom>
+            <a:ln w="85725"/>
+          </p:spPr>
+          <p:style>
+            <a:lnRef idx="1">
+              <a:schemeClr val="accent2"/>
+            </a:lnRef>
+            <a:fillRef idx="0">
+              <a:schemeClr val="accent2"/>
+            </a:fillRef>
+            <a:effectRef idx="0">
+              <a:schemeClr val="accent2"/>
+            </a:effectRef>
+            <a:fontRef idx="minor">
+              <a:schemeClr val="tx1"/>
+            </a:fontRef>
+          </p:style>
+        </p:cxnSp>
+        <p:cxnSp>
+          <p:nvCxnSpPr>
+            <p:cNvPr id="82" name="直接连接符 81"/>
+            <p:cNvCxnSpPr/>
+            <p:nvPr/>
+          </p:nvCxnSpPr>
+          <p:spPr>
+            <a:xfrm>
+              <a:off x="29789" y="11137"/>
+              <a:ext cx="1736" cy="18"/>
+            </a:xfrm>
+            <a:prstGeom prst="line">
+              <a:avLst/>
+            </a:prstGeom>
+            <a:ln w="85725">
+              <a:solidFill>
+                <a:srgbClr val="FFC000"/>
+              </a:solidFill>
+            </a:ln>
+          </p:spPr>
+          <p:style>
+            <a:lnRef idx="1">
+              <a:schemeClr val="accent2"/>
+            </a:lnRef>
+            <a:fillRef idx="0">
+              <a:schemeClr val="accent2"/>
+            </a:fillRef>
+            <a:effectRef idx="0">
+              <a:schemeClr val="accent2"/>
+            </a:effectRef>
+            <a:fontRef idx="minor">
+              <a:schemeClr val="tx1"/>
+            </a:fontRef>
+          </p:style>
+        </p:cxnSp>
+      </p:grpSp>
+      <p:grpSp>
+        <p:nvGrpSpPr>
+          <p:cNvPr id="93" name="组合 92"/>
+          <p:cNvGrpSpPr/>
+          <p:nvPr/>
+        </p:nvGrpSpPr>
+        <p:grpSpPr>
+          <a:xfrm>
+            <a:off x="21814155" y="4647565"/>
+            <a:ext cx="711200" cy="782320"/>
+            <a:chOff x="10233" y="9769"/>
+            <a:chExt cx="2648" cy="3302"/>
+          </a:xfrm>
+        </p:grpSpPr>
+        <p:sp>
+          <p:nvSpPr>
+            <p:cNvPr id="69" name="text-file_13566"/>
+            <p:cNvSpPr>
+              <a:spLocks noChangeAspect="1"/>
+            </p:cNvSpPr>
+            <p:nvPr/>
+          </p:nvSpPr>
+          <p:spPr bwMode="auto">
+            <a:xfrm>
+              <a:off x="10233" y="9769"/>
+              <a:ext cx="2649" cy="3303"/>
+            </a:xfrm>
+            <a:custGeom>
+              <a:avLst/>
+              <a:gdLst>
+                <a:gd name="T0" fmla="*/ 3035 w 3170"/>
+                <a:gd name="T1" fmla="*/ 0 h 3960"/>
+                <a:gd name="T2" fmla="*/ 1019 w 3170"/>
+                <a:gd name="T3" fmla="*/ 0 h 3960"/>
+                <a:gd name="T4" fmla="*/ 924 w 3170"/>
+                <a:gd name="T5" fmla="*/ 39 h 3960"/>
+                <a:gd name="T6" fmla="*/ 40 w 3170"/>
+                <a:gd name="T7" fmla="*/ 923 h 3960"/>
+                <a:gd name="T8" fmla="*/ 0 w 3170"/>
+                <a:gd name="T9" fmla="*/ 1019 h 3960"/>
+                <a:gd name="T10" fmla="*/ 0 w 3170"/>
+                <a:gd name="T11" fmla="*/ 3825 h 3960"/>
+                <a:gd name="T12" fmla="*/ 135 w 3170"/>
+                <a:gd name="T13" fmla="*/ 3960 h 3960"/>
+                <a:gd name="T14" fmla="*/ 3035 w 3170"/>
+                <a:gd name="T15" fmla="*/ 3960 h 3960"/>
+                <a:gd name="T16" fmla="*/ 3170 w 3170"/>
+                <a:gd name="T17" fmla="*/ 3825 h 3960"/>
+                <a:gd name="T18" fmla="*/ 3170 w 3170"/>
+                <a:gd name="T19" fmla="*/ 135 h 3960"/>
+                <a:gd name="T20" fmla="*/ 3035 w 3170"/>
+                <a:gd name="T21" fmla="*/ 0 h 3960"/>
+                <a:gd name="T22" fmla="*/ 884 w 3170"/>
+                <a:gd name="T23" fmla="*/ 460 h 3960"/>
+                <a:gd name="T24" fmla="*/ 884 w 3170"/>
+                <a:gd name="T25" fmla="*/ 884 h 3960"/>
+                <a:gd name="T26" fmla="*/ 461 w 3170"/>
+                <a:gd name="T27" fmla="*/ 884 h 3960"/>
+                <a:gd name="T28" fmla="*/ 884 w 3170"/>
+                <a:gd name="T29" fmla="*/ 460 h 3960"/>
+                <a:gd name="T30" fmla="*/ 2900 w 3170"/>
+                <a:gd name="T31" fmla="*/ 3690 h 3960"/>
+                <a:gd name="T32" fmla="*/ 270 w 3170"/>
+                <a:gd name="T33" fmla="*/ 3690 h 3960"/>
+                <a:gd name="T34" fmla="*/ 270 w 3170"/>
+                <a:gd name="T35" fmla="*/ 1154 h 3960"/>
+                <a:gd name="T36" fmla="*/ 1019 w 3170"/>
+                <a:gd name="T37" fmla="*/ 1154 h 3960"/>
+                <a:gd name="T38" fmla="*/ 1154 w 3170"/>
+                <a:gd name="T39" fmla="*/ 1019 h 3960"/>
+                <a:gd name="T40" fmla="*/ 1154 w 3170"/>
+                <a:gd name="T41" fmla="*/ 270 h 3960"/>
+                <a:gd name="T42" fmla="*/ 2900 w 3170"/>
+                <a:gd name="T43" fmla="*/ 270 h 3960"/>
+                <a:gd name="T44" fmla="*/ 2900 w 3170"/>
+                <a:gd name="T45" fmla="*/ 3690 h 3960"/>
+              </a:gdLst>
+              <a:ahLst/>
+              <a:cxnLst>
+                <a:cxn ang="0">
+                  <a:pos x="T0" y="T1"/>
+                </a:cxn>
+                <a:cxn ang="0">
+                  <a:pos x="T2" y="T3"/>
+                </a:cxn>
+                <a:cxn ang="0">
+                  <a:pos x="T4" y="T5"/>
+                </a:cxn>
+                <a:cxn ang="0">
+                  <a:pos x="T6" y="T7"/>
+                </a:cxn>
+                <a:cxn ang="0">
+                  <a:pos x="T8" y="T9"/>
+                </a:cxn>
+                <a:cxn ang="0">
+                  <a:pos x="T10" y="T11"/>
+                </a:cxn>
+                <a:cxn ang="0">
+                  <a:pos x="T12" y="T13"/>
+                </a:cxn>
+                <a:cxn ang="0">
+                  <a:pos x="T14" y="T15"/>
+                </a:cxn>
+                <a:cxn ang="0">
+                  <a:pos x="T16" y="T17"/>
+                </a:cxn>
+                <a:cxn ang="0">
+                  <a:pos x="T18" y="T19"/>
+                </a:cxn>
+                <a:cxn ang="0">
+                  <a:pos x="T20" y="T21"/>
+                </a:cxn>
+                <a:cxn ang="0">
+                  <a:pos x="T22" y="T23"/>
+                </a:cxn>
+                <a:cxn ang="0">
+                  <a:pos x="T24" y="T25"/>
+                </a:cxn>
+                <a:cxn ang="0">
+                  <a:pos x="T26" y="T27"/>
+                </a:cxn>
+                <a:cxn ang="0">
+                  <a:pos x="T28" y="T29"/>
+                </a:cxn>
+                <a:cxn ang="0">
+                  <a:pos x="T30" y="T31"/>
+                </a:cxn>
+                <a:cxn ang="0">
+                  <a:pos x="T32" y="T33"/>
+                </a:cxn>
+                <a:cxn ang="0">
+                  <a:pos x="T34" y="T35"/>
+                </a:cxn>
+                <a:cxn ang="0">
+                  <a:pos x="T36" y="T37"/>
+                </a:cxn>
+                <a:cxn ang="0">
+                  <a:pos x="T38" y="T39"/>
+                </a:cxn>
+                <a:cxn ang="0">
+                  <a:pos x="T40" y="T41"/>
+                </a:cxn>
+                <a:cxn ang="0">
+                  <a:pos x="T42" y="T43"/>
+                </a:cxn>
+                <a:cxn ang="0">
+                  <a:pos x="T44" y="T45"/>
+                </a:cxn>
+              </a:cxnLst>
+              <a:rect l="0" t="0" r="r" b="b"/>
+              <a:pathLst>
+                <a:path w="3170" h="3960">
+                  <a:moveTo>
+                    <a:pt x="3035" y="0"/>
+                  </a:moveTo>
+                  <a:lnTo>
+                    <a:pt x="1019" y="0"/>
+                  </a:lnTo>
+                  <a:cubicBezTo>
+                    <a:pt x="983" y="0"/>
+                    <a:pt x="949" y="14"/>
+                    <a:pt x="924" y="39"/>
+                  </a:cubicBezTo>
+                  <a:lnTo>
+                    <a:pt x="40" y="923"/>
+                  </a:lnTo>
+                  <a:cubicBezTo>
+                    <a:pt x="15" y="949"/>
+                    <a:pt x="0" y="983"/>
+                    <a:pt x="0" y="1019"/>
+                  </a:cubicBezTo>
+                  <a:lnTo>
+                    <a:pt x="0" y="3825"/>
+                  </a:lnTo>
+                  <a:cubicBezTo>
+                    <a:pt x="0" y="3900"/>
+                    <a:pt x="61" y="3960"/>
+                    <a:pt x="135" y="3960"/>
+                  </a:cubicBezTo>
+                  <a:lnTo>
+                    <a:pt x="3035" y="3960"/>
+                  </a:lnTo>
+                  <a:cubicBezTo>
+                    <a:pt x="3109" y="3960"/>
+                    <a:pt x="3170" y="3900"/>
+                    <a:pt x="3170" y="3825"/>
+                  </a:cubicBezTo>
+                  <a:lnTo>
+                    <a:pt x="3170" y="135"/>
+                  </a:lnTo>
+                  <a:cubicBezTo>
+                    <a:pt x="3170" y="60"/>
+                    <a:pt x="3109" y="0"/>
+                    <a:pt x="3035" y="0"/>
+                  </a:cubicBezTo>
+                  <a:close/>
+                  <a:moveTo>
+                    <a:pt x="884" y="460"/>
+                  </a:moveTo>
+                  <a:lnTo>
+                    <a:pt x="884" y="884"/>
+                  </a:lnTo>
+                  <a:lnTo>
+                    <a:pt x="461" y="884"/>
+                  </a:lnTo>
+                  <a:lnTo>
+                    <a:pt x="884" y="460"/>
+                  </a:lnTo>
+                  <a:close/>
+                  <a:moveTo>
+                    <a:pt x="2900" y="3690"/>
+                  </a:moveTo>
+                  <a:lnTo>
+                    <a:pt x="270" y="3690"/>
+                  </a:lnTo>
+                  <a:lnTo>
+                    <a:pt x="270" y="1154"/>
+                  </a:lnTo>
+                  <a:lnTo>
+                    <a:pt x="1019" y="1154"/>
+                  </a:lnTo>
+                  <a:cubicBezTo>
+                    <a:pt x="1094" y="1154"/>
+                    <a:pt x="1154" y="1093"/>
+                    <a:pt x="1154" y="1019"/>
+                  </a:cubicBezTo>
+                  <a:lnTo>
+                    <a:pt x="1154" y="270"/>
+                  </a:lnTo>
+                  <a:lnTo>
+                    <a:pt x="2900" y="270"/>
+                  </a:lnTo>
+                  <a:lnTo>
+                    <a:pt x="2900" y="3690"/>
+                  </a:lnTo>
+                  <a:close/>
+                </a:path>
+              </a:pathLst>
+            </a:custGeom>
+            <a:solidFill>
+              <a:schemeClr val="accent1"/>
+            </a:solidFill>
+            <a:ln>
+              <a:noFill/>
+            </a:ln>
+          </p:spPr>
+        </p:sp>
+        <p:cxnSp>
+          <p:nvCxnSpPr>
+            <p:cNvPr id="84" name="直接连接符 83"/>
+            <p:cNvCxnSpPr/>
+            <p:nvPr/>
+          </p:nvCxnSpPr>
+          <p:spPr>
+            <a:xfrm flipV="1">
+              <a:off x="10770" y="11382"/>
+              <a:ext cx="1591" cy="29"/>
+            </a:xfrm>
+            <a:prstGeom prst="line">
+              <a:avLst/>
+            </a:prstGeom>
+            <a:ln w="57150">
+              <a:solidFill>
+                <a:schemeClr val="tx1"/>
+              </a:solidFill>
+            </a:ln>
+          </p:spPr>
+          <p:style>
+            <a:lnRef idx="1">
+              <a:schemeClr val="accent1"/>
+            </a:lnRef>
+            <a:fillRef idx="0">
+              <a:schemeClr val="accent1"/>
+            </a:fillRef>
+            <a:effectRef idx="0">
+              <a:schemeClr val="accent1"/>
+            </a:effectRef>
+            <a:fontRef idx="minor">
+              <a:schemeClr val="tx1"/>
+            </a:fontRef>
+          </p:style>
+        </p:cxnSp>
+        <p:cxnSp>
+          <p:nvCxnSpPr>
+            <p:cNvPr id="88" name="直接连接符 87"/>
+            <p:cNvCxnSpPr/>
+            <p:nvPr/>
+          </p:nvCxnSpPr>
+          <p:spPr>
+            <a:xfrm flipV="1">
+              <a:off x="10770" y="11852"/>
+              <a:ext cx="1591" cy="29"/>
+            </a:xfrm>
+            <a:prstGeom prst="line">
+              <a:avLst/>
+            </a:prstGeom>
+            <a:ln w="57150">
+              <a:solidFill>
+                <a:schemeClr val="tx1"/>
+              </a:solidFill>
+            </a:ln>
+          </p:spPr>
+          <p:style>
+            <a:lnRef idx="1">
+              <a:schemeClr val="accent1"/>
+            </a:lnRef>
+            <a:fillRef idx="0">
+              <a:schemeClr val="accent1"/>
+            </a:fillRef>
+            <a:effectRef idx="0">
+              <a:schemeClr val="accent1"/>
+            </a:effectRef>
+            <a:fontRef idx="minor">
+              <a:schemeClr val="tx1"/>
+            </a:fontRef>
+          </p:style>
+        </p:cxnSp>
+        <p:cxnSp>
+          <p:nvCxnSpPr>
+            <p:cNvPr id="90" name="直接连接符 89"/>
+            <p:cNvCxnSpPr/>
+            <p:nvPr/>
+          </p:nvCxnSpPr>
+          <p:spPr>
+            <a:xfrm flipV="1">
+              <a:off x="10762" y="12292"/>
+              <a:ext cx="1591" cy="29"/>
+            </a:xfrm>
+            <a:prstGeom prst="line">
+              <a:avLst/>
+            </a:prstGeom>
+            <a:ln w="57150">
+              <a:solidFill>
+                <a:schemeClr val="tx1"/>
+              </a:solidFill>
+            </a:ln>
+          </p:spPr>
+          <p:style>
+            <a:lnRef idx="1">
+              <a:schemeClr val="accent1"/>
+            </a:lnRef>
+            <a:fillRef idx="0">
+              <a:schemeClr val="accent1"/>
+            </a:fillRef>
+            <a:effectRef idx="0">
+              <a:schemeClr val="accent1"/>
+            </a:effectRef>
+            <a:fontRef idx="minor">
+              <a:schemeClr val="tx1"/>
+            </a:fontRef>
+          </p:style>
+        </p:cxnSp>
+      </p:grpSp>
+      <p:grpSp>
+        <p:nvGrpSpPr>
+          <p:cNvPr id="130" name="fS5dxuM9YYkAy5b组合 88"/>
+          <p:cNvGrpSpPr/>
+          <p:nvPr/>
+        </p:nvGrpSpPr>
+        <p:grpSpPr>
+          <a:xfrm rot="0">
+            <a:off x="4069715" y="2155190"/>
+            <a:ext cx="19596735" cy="3548380"/>
+            <a:chOff x="-2445" y="3234"/>
+            <a:chExt cx="29936" cy="5589"/>
+          </a:xfrm>
+        </p:grpSpPr>
+        <p:sp>
+          <p:nvSpPr>
+            <p:cNvPr id="131" name="对角圆角矩形 6"/>
+            <p:cNvSpPr/>
+            <p:nvPr/>
+          </p:nvSpPr>
+          <p:spPr>
+            <a:xfrm>
+              <a:off x="-2445" y="-3810"/>
+              <a:ext cx="29936" cy="19677"/>
+            </a:xfrm>
+            <a:custGeom>
+              <a:avLst/>
+              <a:gdLst>
+                <a:gd name="connsiteX0" fmla="*/ 373273 h 605239"/>
+                <a:gd name="connsiteY0" fmla="*/ 373273 h 605239"/>
+                <a:gd name="connsiteX1" fmla="*/ 373273 h 605239"/>
+                <a:gd name="connsiteY1" fmla="*/ 373273 h 605239"/>
+                <a:gd name="connsiteX2" fmla="*/ 373273 h 605239"/>
+                <a:gd name="connsiteY2" fmla="*/ 373273 h 605239"/>
+                <a:gd name="connsiteX3" fmla="*/ 373273 h 605239"/>
+                <a:gd name="connsiteY3" fmla="*/ 373273 h 605239"/>
+                <a:gd name="connsiteX4" fmla="*/ 373273 h 605239"/>
+                <a:gd name="connsiteY4" fmla="*/ 373273 h 605239"/>
+                <a:gd name="connsiteX5" fmla="*/ 373273 h 605239"/>
+                <a:gd name="connsiteY5" fmla="*/ 373273 h 605239"/>
+                <a:gd name="connsiteX6" fmla="*/ 373273 h 605239"/>
+                <a:gd name="connsiteY6" fmla="*/ 373273 h 605239"/>
+                <a:gd name="connsiteX7" fmla="*/ 373273 h 605239"/>
+                <a:gd name="connsiteY7" fmla="*/ 373273 h 605239"/>
+                <a:gd name="connsiteX8" fmla="*/ 373273 h 605239"/>
+                <a:gd name="connsiteY8" fmla="*/ 373273 h 605239"/>
+                <a:gd name="connsiteX9" fmla="*/ 373273 h 605239"/>
+                <a:gd name="connsiteY9" fmla="*/ 373273 h 605239"/>
+                <a:gd name="connsiteX10" fmla="*/ 373273 h 605239"/>
+                <a:gd name="connsiteY10" fmla="*/ 373273 h 605239"/>
+                <a:gd name="connsiteX11" fmla="*/ 373273 h 605239"/>
+                <a:gd name="connsiteY11" fmla="*/ 373273 h 605239"/>
+                <a:gd name="connsiteX12" fmla="*/ 373273 h 605239"/>
+                <a:gd name="connsiteY12" fmla="*/ 373273 h 605239"/>
+                <a:gd name="connsiteX13" fmla="*/ 373273 h 605239"/>
+                <a:gd name="connsiteY13" fmla="*/ 373273 h 605239"/>
+                <a:gd name="connsiteX14" fmla="*/ 373273 h 605239"/>
+                <a:gd name="connsiteY14" fmla="*/ 373273 h 605239"/>
+                <a:gd name="connsiteX15" fmla="*/ 373273 h 605239"/>
+                <a:gd name="connsiteY15" fmla="*/ 373273 h 605239"/>
+                <a:gd name="connsiteX16" fmla="*/ 373273 h 605239"/>
+                <a:gd name="connsiteY16" fmla="*/ 373273 h 605239"/>
+                <a:gd name="connsiteX17" fmla="*/ 373273 h 605239"/>
+                <a:gd name="connsiteY17" fmla="*/ 373273 h 605239"/>
+                <a:gd name="connsiteX18" fmla="*/ 373273 h 605239"/>
+                <a:gd name="connsiteY18" fmla="*/ 373273 h 605239"/>
+                <a:gd name="connsiteX19" fmla="*/ 373273 h 605239"/>
+                <a:gd name="connsiteY19" fmla="*/ 373273 h 605239"/>
+                <a:gd name="connsiteX20" fmla="*/ 373273 h 605239"/>
+                <a:gd name="connsiteY20" fmla="*/ 373273 h 605239"/>
+                <a:gd name="connsiteX21" fmla="*/ 373273 h 605239"/>
+                <a:gd name="connsiteY21" fmla="*/ 373273 h 605239"/>
+                <a:gd name="connsiteX22" fmla="*/ 373273 h 605239"/>
+                <a:gd name="connsiteY22" fmla="*/ 373273 h 605239"/>
+                <a:gd name="connsiteX23" fmla="*/ 373273 h 605239"/>
+                <a:gd name="connsiteY23" fmla="*/ 373273 h 605239"/>
+                <a:gd name="connsiteX24" fmla="*/ 373273 h 605239"/>
+                <a:gd name="connsiteY24" fmla="*/ 373273 h 605239"/>
+                <a:gd name="connsiteX25" fmla="*/ 373273 h 605239"/>
+                <a:gd name="connsiteY25" fmla="*/ 373273 h 605239"/>
+                <a:gd name="connsiteX26" fmla="*/ 373273 h 605239"/>
+                <a:gd name="connsiteY26" fmla="*/ 373273 h 605239"/>
+                <a:gd name="connsiteX27" fmla="*/ 373273 h 605239"/>
+                <a:gd name="connsiteY27" fmla="*/ 373273 h 605239"/>
+                <a:gd name="connsiteX28" fmla="*/ 373273 h 605239"/>
+                <a:gd name="connsiteY28" fmla="*/ 373273 h 605239"/>
+                <a:gd name="connsiteX29" fmla="*/ 373273 h 605239"/>
+                <a:gd name="connsiteY29" fmla="*/ 373273 h 605239"/>
+                <a:gd name="connsiteX30" fmla="*/ 373273 h 605239"/>
+                <a:gd name="connsiteY30" fmla="*/ 373273 h 605239"/>
+                <a:gd name="connsiteX31" fmla="*/ 373273 h 605239"/>
+                <a:gd name="connsiteY31" fmla="*/ 373273 h 605239"/>
+                <a:gd name="connsiteX32" fmla="*/ 373273 h 605239"/>
+                <a:gd name="connsiteY32" fmla="*/ 373273 h 605239"/>
+                <a:gd name="connsiteX33" fmla="*/ 373273 h 605239"/>
+                <a:gd name="connsiteY33" fmla="*/ 373273 h 605239"/>
+                <a:gd name="connsiteX34" fmla="*/ 373273 h 605239"/>
+                <a:gd name="connsiteY34" fmla="*/ 373273 h 605239"/>
+                <a:gd name="connsiteX35" fmla="*/ 373273 h 605239"/>
+                <a:gd name="connsiteY35" fmla="*/ 373273 h 605239"/>
+                <a:gd name="connsiteX36" fmla="*/ 373273 h 605239"/>
+                <a:gd name="connsiteY36" fmla="*/ 373273 h 605239"/>
+                <a:gd name="connsiteX37" fmla="*/ 373273 h 605239"/>
+                <a:gd name="connsiteY37" fmla="*/ 373273 h 605239"/>
+                <a:gd name="connsiteX38" fmla="*/ 373273 h 605239"/>
+                <a:gd name="connsiteY38" fmla="*/ 373273 h 605239"/>
+                <a:gd name="connsiteX39" fmla="*/ 373273 h 605239"/>
+                <a:gd name="connsiteY39" fmla="*/ 373273 h 605239"/>
+                <a:gd name="connsiteX40" fmla="*/ 373273 h 605239"/>
+                <a:gd name="connsiteY40" fmla="*/ 373273 h 605239"/>
+                <a:gd name="connsiteX41" fmla="*/ 373273 h 605239"/>
+                <a:gd name="connsiteY41" fmla="*/ 373273 h 605239"/>
+                <a:gd name="connsiteX42" fmla="*/ 373273 h 605239"/>
+                <a:gd name="connsiteY42" fmla="*/ 373273 h 605239"/>
+                <a:gd name="connsiteX43" fmla="*/ 373273 h 605239"/>
+                <a:gd name="connsiteY43" fmla="*/ 373273 h 605239"/>
+                <a:gd name="connsiteX44" fmla="*/ 373273 h 605239"/>
+                <a:gd name="connsiteY44" fmla="*/ 373273 h 605239"/>
+                <a:gd name="connsiteX45" fmla="*/ 373273 h 605239"/>
+                <a:gd name="connsiteY45" fmla="*/ 373273 h 605239"/>
+                <a:gd name="connsiteX46" fmla="*/ 373273 h 605239"/>
+                <a:gd name="connsiteY46" fmla="*/ 373273 h 605239"/>
+                <a:gd name="connsiteX47" fmla="*/ 373273 h 605239"/>
+                <a:gd name="connsiteY47" fmla="*/ 373273 h 605239"/>
+                <a:gd name="connsiteX48" fmla="*/ 373273 h 605239"/>
+                <a:gd name="connsiteY48" fmla="*/ 373273 h 605239"/>
+                <a:gd name="connsiteX49" fmla="*/ 373273 h 605239"/>
+                <a:gd name="connsiteY49" fmla="*/ 373273 h 605239"/>
+                <a:gd name="connsiteX50" fmla="*/ 373273 h 605239"/>
+                <a:gd name="connsiteY50" fmla="*/ 373273 h 605239"/>
+                <a:gd name="connsiteX51" fmla="*/ 373273 h 605239"/>
+                <a:gd name="connsiteY51" fmla="*/ 373273 h 605239"/>
+                <a:gd name="connsiteX52" fmla="*/ 373273 h 605239"/>
+                <a:gd name="connsiteY52" fmla="*/ 373273 h 605239"/>
+                <a:gd name="connsiteX53" fmla="*/ 373273 h 605239"/>
+                <a:gd name="connsiteY53" fmla="*/ 373273 h 605239"/>
+                <a:gd name="connsiteX54" fmla="*/ 373273 h 605239"/>
+                <a:gd name="connsiteY54" fmla="*/ 373273 h 605239"/>
+                <a:gd name="connsiteX55" fmla="*/ 373273 h 605239"/>
+                <a:gd name="connsiteY55" fmla="*/ 373273 h 605239"/>
+                <a:gd name="connsiteX56" fmla="*/ 373273 h 605239"/>
+                <a:gd name="connsiteY56" fmla="*/ 373273 h 605239"/>
+                <a:gd name="connsiteX57" fmla="*/ 373273 h 605239"/>
+                <a:gd name="connsiteY57" fmla="*/ 373273 h 605239"/>
+                <a:gd name="connsiteX58" fmla="*/ 373273 h 605239"/>
+                <a:gd name="connsiteY58" fmla="*/ 373273 h 605239"/>
+                <a:gd name="connsiteX59" fmla="*/ 373273 h 605239"/>
+                <a:gd name="connsiteY59" fmla="*/ 373273 h 605239"/>
+                <a:gd name="connsiteX60" fmla="*/ 373273 h 605239"/>
+                <a:gd name="connsiteY60" fmla="*/ 373273 h 605239"/>
+                <a:gd name="connsiteX61" fmla="*/ 373273 h 605239"/>
+                <a:gd name="connsiteY61" fmla="*/ 373273 h 605239"/>
+                <a:gd name="connsiteX62" fmla="*/ 373273 h 605239"/>
+                <a:gd name="connsiteY62" fmla="*/ 373273 h 605239"/>
+                <a:gd name="connsiteX63" fmla="*/ 373273 h 605239"/>
+                <a:gd name="connsiteY63" fmla="*/ 373273 h 605239"/>
+                <a:gd name="connsiteX64" fmla="*/ 373273 h 605239"/>
+                <a:gd name="connsiteY64" fmla="*/ 373273 h 605239"/>
+                <a:gd name="connsiteX65" fmla="*/ 373273 h 605239"/>
+                <a:gd name="connsiteY65" fmla="*/ 373273 h 605239"/>
+                <a:gd name="connsiteX66" fmla="*/ 373273 h 605239"/>
+                <a:gd name="connsiteY66" fmla="*/ 373273 h 605239"/>
+              </a:gdLst>
+              <a:ahLst/>
+              <a:cxnLst>
+                <a:cxn ang="0">
+                  <a:pos x="connsiteX0" y="connsiteY0"/>
+                </a:cxn>
+                <a:cxn ang="0">
+                  <a:pos x="connsiteX1" y="connsiteY1"/>
+                </a:cxn>
+                <a:cxn ang="0">
+                  <a:pos x="connsiteX2" y="connsiteY2"/>
+                </a:cxn>
+                <a:cxn ang="0">
+                  <a:pos x="connsiteX3" y="connsiteY3"/>
+                </a:cxn>
+                <a:cxn ang="0">
+                  <a:pos x="connsiteX4" y="connsiteY4"/>
+                </a:cxn>
+                <a:cxn ang="0">
+                  <a:pos x="connsiteX5" y="connsiteY5"/>
+                </a:cxn>
+                <a:cxn ang="0">
+                  <a:pos x="connsiteX6" y="connsiteY6"/>
+                </a:cxn>
+                <a:cxn ang="0">
+                  <a:pos x="connsiteX7" y="connsiteY7"/>
+                </a:cxn>
+                <a:cxn ang="0">
+                  <a:pos x="connsiteX8" y="connsiteY8"/>
+                </a:cxn>
+                <a:cxn ang="0">
+                  <a:pos x="connsiteX9" y="connsiteY9"/>
+                </a:cxn>
+                <a:cxn ang="0">
+                  <a:pos x="connsiteX10" y="connsiteY10"/>
+                </a:cxn>
+                <a:cxn ang="0">
+                  <a:pos x="connsiteX11" y="connsiteY11"/>
+                </a:cxn>
+                <a:cxn ang="0">
+                  <a:pos x="connsiteX12" y="connsiteY12"/>
+                </a:cxn>
+                <a:cxn ang="0">
+                  <a:pos x="connsiteX13" y="connsiteY13"/>
+                </a:cxn>
+                <a:cxn ang="0">
+                  <a:pos x="connsiteX14" y="connsiteY14"/>
+                </a:cxn>
+                <a:cxn ang="0">
+                  <a:pos x="connsiteX15" y="connsiteY15"/>
+                </a:cxn>
+                <a:cxn ang="0">
+                  <a:pos x="connsiteX16" y="connsiteY16"/>
+                </a:cxn>
+                <a:cxn ang="0">
+                  <a:pos x="connsiteX17" y="connsiteY17"/>
+                </a:cxn>
+                <a:cxn ang="0">
+                  <a:pos x="connsiteX18" y="connsiteY18"/>
+                </a:cxn>
+                <a:cxn ang="0">
+                  <a:pos x="connsiteX19" y="connsiteY19"/>
+                </a:cxn>
+                <a:cxn ang="0">
+                  <a:pos x="connsiteX20" y="connsiteY20"/>
+                </a:cxn>
+                <a:cxn ang="0">
+                  <a:pos x="connsiteX21" y="connsiteY21"/>
+                </a:cxn>
+                <a:cxn ang="0">
+                  <a:pos x="connsiteX22" y="connsiteY22"/>
+                </a:cxn>
+                <a:cxn ang="0">
+                  <a:pos x="connsiteX23" y="connsiteY23"/>
+                </a:cxn>
+                <a:cxn ang="0">
+                  <a:pos x="connsiteX24" y="connsiteY24"/>
+                </a:cxn>
+                <a:cxn ang="0">
+                  <a:pos x="connsiteX25" y="connsiteY25"/>
+                </a:cxn>
+                <a:cxn ang="0">
+                  <a:pos x="connsiteX26" y="connsiteY26"/>
+                </a:cxn>
+                <a:cxn ang="0">
+                  <a:pos x="connsiteX27" y="connsiteY27"/>
+                </a:cxn>
+                <a:cxn ang="0">
+                  <a:pos x="connsiteX28" y="connsiteY28"/>
+                </a:cxn>
+                <a:cxn ang="0">
+                  <a:pos x="connsiteX29" y="connsiteY29"/>
+                </a:cxn>
+                <a:cxn ang="0">
+                  <a:pos x="connsiteX30" y="connsiteY30"/>
+                </a:cxn>
+                <a:cxn ang="0">
+                  <a:pos x="connsiteX31" y="connsiteY31"/>
+                </a:cxn>
+                <a:cxn ang="0">
+                  <a:pos x="connsiteX32" y="connsiteY32"/>
+                </a:cxn>
+                <a:cxn ang="0">
+                  <a:pos x="connsiteX33" y="connsiteY33"/>
+                </a:cxn>
+                <a:cxn ang="0">
+                  <a:pos x="connsiteX34" y="connsiteY34"/>
+                </a:cxn>
+                <a:cxn ang="0">
+                  <a:pos x="connsiteX35" y="connsiteY35"/>
+                </a:cxn>
+                <a:cxn ang="0">
+                  <a:pos x="connsiteX36" y="connsiteY36"/>
+                </a:cxn>
+                <a:cxn ang="0">
+                  <a:pos x="connsiteX37" y="connsiteY37"/>
+                </a:cxn>
+                <a:cxn ang="0">
+                  <a:pos x="connsiteX38" y="connsiteY38"/>
+                </a:cxn>
+                <a:cxn ang="0">
+                  <a:pos x="connsiteX39" y="connsiteY39"/>
+                </a:cxn>
+                <a:cxn ang="0">
+                  <a:pos x="connsiteX40" y="connsiteY40"/>
+                </a:cxn>
+                <a:cxn ang="0">
+                  <a:pos x="connsiteX41" y="connsiteY41"/>
+                </a:cxn>
+                <a:cxn ang="0">
+                  <a:pos x="connsiteX42" y="connsiteY42"/>
+                </a:cxn>
+                <a:cxn ang="0">
+                  <a:pos x="connsiteX43" y="connsiteY43"/>
+                </a:cxn>
+                <a:cxn ang="0">
+                  <a:pos x="connsiteX44" y="connsiteY44"/>
+                </a:cxn>
+                <a:cxn ang="0">
+                  <a:pos x="connsiteX45" y="connsiteY45"/>
+                </a:cxn>
+                <a:cxn ang="0">
+                  <a:pos x="connsiteX46" y="connsiteY46"/>
+                </a:cxn>
+                <a:cxn ang="0">
+                  <a:pos x="connsiteX47" y="connsiteY47"/>
+                </a:cxn>
+                <a:cxn ang="0">
+                  <a:pos x="connsiteX48" y="connsiteY48"/>
+                </a:cxn>
+                <a:cxn ang="0">
+                  <a:pos x="connsiteX49" y="connsiteY49"/>
+                </a:cxn>
+                <a:cxn ang="0">
+                  <a:pos x="connsiteX50" y="connsiteY50"/>
+                </a:cxn>
+                <a:cxn ang="0">
+                  <a:pos x="connsiteX51" y="connsiteY51"/>
+                </a:cxn>
+                <a:cxn ang="0">
+                  <a:pos x="connsiteX52" y="connsiteY52"/>
+                </a:cxn>
+                <a:cxn ang="0">
+                  <a:pos x="connsiteX53" y="connsiteY53"/>
+                </a:cxn>
+                <a:cxn ang="0">
+                  <a:pos x="connsiteX54" y="connsiteY54"/>
+                </a:cxn>
+                <a:cxn ang="0">
+                  <a:pos x="connsiteX55" y="connsiteY55"/>
+                </a:cxn>
+                <a:cxn ang="0">
+                  <a:pos x="connsiteX56" y="connsiteY56"/>
+                </a:cxn>
+                <a:cxn ang="0">
+                  <a:pos x="connsiteX57" y="connsiteY57"/>
+                </a:cxn>
+                <a:cxn ang="0">
+                  <a:pos x="connsiteX58" y="connsiteY58"/>
+                </a:cxn>
+                <a:cxn ang="0">
+                  <a:pos x="connsiteX59" y="connsiteY59"/>
+                </a:cxn>
+                <a:cxn ang="0">
+                  <a:pos x="connsiteX60" y="connsiteY60"/>
+                </a:cxn>
+                <a:cxn ang="0">
+                  <a:pos x="connsiteX61" y="connsiteY61"/>
+                </a:cxn>
+                <a:cxn ang="0">
+                  <a:pos x="connsiteX62" y="connsiteY62"/>
+                </a:cxn>
+                <a:cxn ang="0">
+                  <a:pos x="connsiteX63" y="connsiteY63"/>
+                </a:cxn>
+                <a:cxn ang="0">
+                  <a:pos x="connsiteX64" y="connsiteY64"/>
+                </a:cxn>
+                <a:cxn ang="0">
+                  <a:pos x="connsiteX65" y="connsiteY65"/>
+                </a:cxn>
+                <a:cxn ang="0">
+                  <a:pos x="connsiteX66" y="connsiteY66"/>
+                </a:cxn>
+              </a:cxnLst>
+              <a:rect l="l" t="t" r="r" b="b"/>
+              <a:pathLst>
+                <a:path w="604947" h="397639">
+                  <a:moveTo>
+                    <a:pt x="341570" y="202129"/>
+                  </a:moveTo>
+                  <a:cubicBezTo>
+                    <a:pt x="348754" y="200699"/>
+                    <a:pt x="354502" y="204990"/>
+                    <a:pt x="357375" y="212143"/>
+                  </a:cubicBezTo>
+                  <a:cubicBezTo>
+                    <a:pt x="357375" y="213573"/>
+                    <a:pt x="365996" y="246474"/>
+                    <a:pt x="399044" y="252196"/>
+                  </a:cubicBezTo>
+                  <a:cubicBezTo>
+                    <a:pt x="406228" y="253626"/>
+                    <a:pt x="410539" y="260778"/>
+                    <a:pt x="409102" y="266500"/>
+                  </a:cubicBezTo>
+                  <a:cubicBezTo>
+                    <a:pt x="409102" y="273653"/>
+                    <a:pt x="403355" y="277944"/>
+                    <a:pt x="397607" y="277944"/>
+                  </a:cubicBezTo>
+                  <a:cubicBezTo>
+                    <a:pt x="396170" y="277944"/>
+                    <a:pt x="394734" y="277944"/>
+                    <a:pt x="394734" y="277944"/>
+                  </a:cubicBezTo>
+                  <a:cubicBezTo>
+                    <a:pt x="344444" y="267931"/>
+                    <a:pt x="331512" y="220725"/>
+                    <a:pt x="331512" y="217865"/>
+                  </a:cubicBezTo>
+                  <a:cubicBezTo>
+                    <a:pt x="330075" y="210712"/>
+                    <a:pt x="334386" y="203560"/>
+                    <a:pt x="341570" y="202129"/>
+                  </a:cubicBezTo>
+                  <a:close/>
+                  <a:moveTo>
+                    <a:pt x="347317" y="163456"/>
+                  </a:moveTo>
+                  <a:cubicBezTo>
+                    <a:pt x="354427" y="163456"/>
+                    <a:pt x="360191" y="169220"/>
+                    <a:pt x="360191" y="176330"/>
+                  </a:cubicBezTo>
+                  <a:cubicBezTo>
+                    <a:pt x="360191" y="183440"/>
+                    <a:pt x="354427" y="189204"/>
+                    <a:pt x="347317" y="189204"/>
+                  </a:cubicBezTo>
+                  <a:cubicBezTo>
+                    <a:pt x="340207" y="189204"/>
+                    <a:pt x="334443" y="183440"/>
+                    <a:pt x="334443" y="176330"/>
+                  </a:cubicBezTo>
+                  <a:cubicBezTo>
+                    <a:pt x="334443" y="169220"/>
+                    <a:pt x="340207" y="163456"/>
+                    <a:pt x="347317" y="163456"/>
+                  </a:cubicBezTo>
+                  <a:close/>
+                  <a:moveTo>
+                    <a:pt x="406189" y="113178"/>
+                  </a:moveTo>
+                  <a:cubicBezTo>
+                    <a:pt x="384663" y="113178"/>
+                    <a:pt x="364572" y="121777"/>
+                    <a:pt x="347351" y="136107"/>
+                  </a:cubicBezTo>
+                  <a:cubicBezTo>
+                    <a:pt x="347351" y="137540"/>
+                    <a:pt x="345916" y="137540"/>
+                    <a:pt x="345916" y="138973"/>
+                  </a:cubicBezTo>
+                  <a:cubicBezTo>
+                    <a:pt x="338740" y="144706"/>
+                    <a:pt x="334435" y="151871"/>
+                    <a:pt x="330130" y="159036"/>
+                  </a:cubicBezTo>
+                  <a:cubicBezTo>
+                    <a:pt x="322954" y="171934"/>
+                    <a:pt x="320084" y="186264"/>
+                    <a:pt x="320084" y="200595"/>
+                  </a:cubicBezTo>
+                  <a:cubicBezTo>
+                    <a:pt x="320084" y="223524"/>
+                    <a:pt x="328695" y="245019"/>
+                    <a:pt x="345916" y="262216"/>
+                  </a:cubicBezTo>
+                  <a:cubicBezTo>
+                    <a:pt x="361701" y="277980"/>
+                    <a:pt x="383228" y="286578"/>
+                    <a:pt x="406189" y="286578"/>
+                  </a:cubicBezTo>
+                  <a:cubicBezTo>
+                    <a:pt x="429150" y="286578"/>
+                    <a:pt x="452111" y="277980"/>
+                    <a:pt x="467897" y="262216"/>
+                  </a:cubicBezTo>
+                  <a:cubicBezTo>
+                    <a:pt x="498034" y="230689"/>
+                    <a:pt x="500904" y="183398"/>
+                    <a:pt x="476508" y="149005"/>
+                  </a:cubicBezTo>
+                  <a:cubicBezTo>
+                    <a:pt x="473638" y="146139"/>
+                    <a:pt x="470767" y="141839"/>
+                    <a:pt x="467897" y="138973"/>
+                  </a:cubicBezTo>
+                  <a:cubicBezTo>
+                    <a:pt x="452111" y="123210"/>
+                    <a:pt x="429150" y="113178"/>
+                    <a:pt x="406189" y="113178"/>
+                  </a:cubicBezTo>
+                  <a:close/>
+                  <a:moveTo>
+                    <a:pt x="406189" y="74486"/>
+                  </a:moveTo>
+                  <a:cubicBezTo>
+                    <a:pt x="440631" y="74486"/>
+                    <a:pt x="472203" y="87383"/>
+                    <a:pt x="495164" y="111745"/>
+                  </a:cubicBezTo>
+                  <a:cubicBezTo>
+                    <a:pt x="539651" y="156170"/>
+                    <a:pt x="543957" y="224957"/>
+                    <a:pt x="508080" y="273680"/>
+                  </a:cubicBezTo>
+                  <a:lnTo>
+                    <a:pt x="520995" y="288011"/>
+                  </a:lnTo>
+                  <a:cubicBezTo>
+                    <a:pt x="529606" y="279413"/>
+                    <a:pt x="541086" y="279413"/>
+                    <a:pt x="549697" y="288011"/>
+                  </a:cubicBezTo>
+                  <a:lnTo>
+                    <a:pt x="598490" y="336735"/>
+                  </a:lnTo>
+                  <a:cubicBezTo>
+                    <a:pt x="607100" y="345333"/>
+                    <a:pt x="607100" y="358230"/>
+                    <a:pt x="598490" y="366829"/>
+                  </a:cubicBezTo>
+                  <a:lnTo>
+                    <a:pt x="572658" y="391191"/>
+                  </a:lnTo>
+                  <a:cubicBezTo>
+                    <a:pt x="564048" y="399789"/>
+                    <a:pt x="551132" y="399789"/>
+                    <a:pt x="543957" y="391191"/>
+                  </a:cubicBezTo>
+                  <a:lnTo>
+                    <a:pt x="493729" y="342467"/>
+                  </a:lnTo>
+                  <a:cubicBezTo>
+                    <a:pt x="486553" y="335302"/>
+                    <a:pt x="486553" y="322404"/>
+                    <a:pt x="493729" y="315239"/>
+                  </a:cubicBezTo>
+                  <a:lnTo>
+                    <a:pt x="480813" y="302341"/>
+                  </a:lnTo>
+                  <a:cubicBezTo>
+                    <a:pt x="459287" y="316672"/>
+                    <a:pt x="433455" y="325270"/>
+                    <a:pt x="406189" y="325270"/>
+                  </a:cubicBezTo>
+                  <a:cubicBezTo>
+                    <a:pt x="373182" y="325270"/>
+                    <a:pt x="341610" y="312373"/>
+                    <a:pt x="317214" y="289444"/>
+                  </a:cubicBezTo>
+                  <a:cubicBezTo>
+                    <a:pt x="294253" y="265082"/>
+                    <a:pt x="281337" y="233555"/>
+                    <a:pt x="281337" y="200595"/>
+                  </a:cubicBezTo>
+                  <a:cubicBezTo>
+                    <a:pt x="281337" y="166201"/>
+                    <a:pt x="294253" y="134674"/>
+                    <a:pt x="317214" y="111745"/>
+                  </a:cubicBezTo>
+                  <a:cubicBezTo>
+                    <a:pt x="341610" y="87383"/>
+                    <a:pt x="373182" y="74486"/>
+                    <a:pt x="406189" y="74486"/>
+                  </a:cubicBezTo>
+                  <a:close/>
+                  <a:moveTo>
+                    <a:pt x="239676" y="67378"/>
+                  </a:moveTo>
+                  <a:cubicBezTo>
+                    <a:pt x="223889" y="67378"/>
+                    <a:pt x="195185" y="78847"/>
+                    <a:pt x="177963" y="101785"/>
+                  </a:cubicBezTo>
+                  <a:cubicBezTo>
+                    <a:pt x="165046" y="118988"/>
+                    <a:pt x="150694" y="147659"/>
+                    <a:pt x="162175" y="190667"/>
+                  </a:cubicBezTo>
+                  <a:cubicBezTo>
+                    <a:pt x="163611" y="202136"/>
+                    <a:pt x="173657" y="209303"/>
+                    <a:pt x="183703" y="209303"/>
+                  </a:cubicBezTo>
+                  <a:cubicBezTo>
+                    <a:pt x="186574" y="209303"/>
+                    <a:pt x="188009" y="207870"/>
+                    <a:pt x="189444" y="207870"/>
+                  </a:cubicBezTo>
+                  <a:cubicBezTo>
+                    <a:pt x="202361" y="205003"/>
+                    <a:pt x="210972" y="192100"/>
+                    <a:pt x="206666" y="179198"/>
+                  </a:cubicBezTo>
+                  <a:cubicBezTo>
+                    <a:pt x="202361" y="160562"/>
+                    <a:pt x="205231" y="144792"/>
+                    <a:pt x="213842" y="133323"/>
+                  </a:cubicBezTo>
+                  <a:cubicBezTo>
+                    <a:pt x="222453" y="120421"/>
+                    <a:pt x="236805" y="114687"/>
+                    <a:pt x="241111" y="114687"/>
+                  </a:cubicBezTo>
+                  <a:cubicBezTo>
+                    <a:pt x="254028" y="114687"/>
+                    <a:pt x="264074" y="103218"/>
+                    <a:pt x="264074" y="90316"/>
+                  </a:cubicBezTo>
+                  <a:cubicBezTo>
+                    <a:pt x="264074" y="77414"/>
+                    <a:pt x="254028" y="67378"/>
+                    <a:pt x="241111" y="67378"/>
+                  </a:cubicBezTo>
+                  <a:close/>
+                  <a:moveTo>
+                    <a:pt x="183703" y="61644"/>
+                  </a:moveTo>
+                  <a:cubicBezTo>
+                    <a:pt x="123425" y="87449"/>
+                    <a:pt x="74629" y="139058"/>
+                    <a:pt x="53101" y="163429"/>
+                  </a:cubicBezTo>
+                  <a:cubicBezTo>
+                    <a:pt x="73194" y="186366"/>
+                    <a:pt x="114814" y="230807"/>
+                    <a:pt x="167916" y="259479"/>
+                  </a:cubicBezTo>
+                  <a:cubicBezTo>
+                    <a:pt x="142083" y="236542"/>
+                    <a:pt x="126296" y="203569"/>
+                    <a:pt x="126296" y="166296"/>
+                  </a:cubicBezTo>
+                  <a:cubicBezTo>
+                    <a:pt x="126296" y="121855"/>
+                    <a:pt x="149259" y="83148"/>
+                    <a:pt x="183703" y="61644"/>
+                  </a:cubicBezTo>
+                  <a:close/>
+                  <a:moveTo>
+                    <a:pt x="252592" y="0"/>
+                  </a:moveTo>
+                  <a:cubicBezTo>
+                    <a:pt x="305694" y="0"/>
+                    <a:pt x="354491" y="21504"/>
+                    <a:pt x="394676" y="48742"/>
+                  </a:cubicBezTo>
+                  <a:cubicBezTo>
+                    <a:pt x="371713" y="50175"/>
+                    <a:pt x="327222" y="65945"/>
+                    <a:pt x="298518" y="91749"/>
+                  </a:cubicBezTo>
+                  <a:cubicBezTo>
+                    <a:pt x="268379" y="120421"/>
+                    <a:pt x="254028" y="159128"/>
+                    <a:pt x="254028" y="200702"/>
+                  </a:cubicBezTo>
+                  <a:cubicBezTo>
+                    <a:pt x="254028" y="232241"/>
+                    <a:pt x="262639" y="260912"/>
+                    <a:pt x="279861" y="286717"/>
+                  </a:cubicBezTo>
+                  <a:cubicBezTo>
+                    <a:pt x="285602" y="293885"/>
+                    <a:pt x="291342" y="301053"/>
+                    <a:pt x="298518" y="308221"/>
+                  </a:cubicBezTo>
+                  <a:cubicBezTo>
+                    <a:pt x="302824" y="312522"/>
+                    <a:pt x="307129" y="316822"/>
+                    <a:pt x="311435" y="319690"/>
+                  </a:cubicBezTo>
+                  <a:cubicBezTo>
+                    <a:pt x="292778" y="325424"/>
+                    <a:pt x="272685" y="328291"/>
+                    <a:pt x="252592" y="328291"/>
+                  </a:cubicBezTo>
+                  <a:cubicBezTo>
+                    <a:pt x="116249" y="328291"/>
+                    <a:pt x="8610" y="183499"/>
+                    <a:pt x="4305" y="177765"/>
+                  </a:cubicBezTo>
+                  <a:cubicBezTo>
+                    <a:pt x="-1436" y="169163"/>
+                    <a:pt x="-1436" y="159128"/>
+                    <a:pt x="4305" y="150526"/>
+                  </a:cubicBezTo>
+                  <a:cubicBezTo>
+                    <a:pt x="8610" y="143359"/>
+                    <a:pt x="116249" y="0"/>
+                    <a:pt x="252592" y="0"/>
+                  </a:cubicBezTo>
+                  <a:close/>
+                </a:path>
+              </a:pathLst>
+            </a:custGeom>
+            <a:noFill/>
+            <a:ln w="88900"/>
+            <a:extLst>
+              <a:ext uri="{909E8E84-426E-40DD-AFC4-6F175D3DCCD1}">
+                <a14:hiddenFill xmlns:a14="http://schemas.microsoft.com/office/drawing/2010/main">
+                  <a:solidFill>
+                    <a:schemeClr val="accent1"/>
+                  </a:solidFill>
+                </a14:hiddenFill>
+              </a:ext>
+            </a:extLst>
+          </p:spPr>
+          <p:style>
+            <a:lnRef idx="2">
+              <a:schemeClr val="accent1">
+                <a:shade val="50000"/>
+              </a:schemeClr>
+            </a:lnRef>
+            <a:fillRef idx="1">
+              <a:schemeClr val="accent1"/>
+            </a:fillRef>
+            <a:effectRef idx="0">
+              <a:schemeClr val="accent1"/>
+            </a:effectRef>
+            <a:fontRef idx="minor">
+              <a:schemeClr val="lt1"/>
+            </a:fontRef>
+          </p:style>
+          <p:txBody>
+            <a:bodyPr rtlCol="0" anchor="ctr"/>
+            <a:p>
+              <a:pPr algn="ctr"/>
+              <a:endParaRPr lang="zh-CN" altLang="en-US"/>
+            </a:p>
+          </p:txBody>
+        </p:sp>
+        <p:cxnSp>
+          <p:nvCxnSpPr>
+            <p:cNvPr id="132" name="直接连接符 131"/>
+            <p:cNvCxnSpPr/>
+            <p:nvPr/>
+          </p:nvCxnSpPr>
+          <p:spPr>
+            <a:xfrm>
+              <a:off x="9141" y="4012"/>
+              <a:ext cx="0" cy="4196"/>
+            </a:xfrm>
+            <a:prstGeom prst="line">
+              <a:avLst/>
+            </a:prstGeom>
+            <a:ln w="41275">
+              <a:prstDash val="dash"/>
+              <a:miter lim="800000"/>
+            </a:ln>
+          </p:spPr>
+          <p:style>
+            <a:lnRef idx="1">
+              <a:schemeClr val="accent1"/>
+            </a:lnRef>
+            <a:fillRef idx="0">
+              <a:schemeClr val="accent1"/>
+            </a:fillRef>
+            <a:effectRef idx="0">
+              <a:schemeClr val="accent1"/>
+            </a:effectRef>
+            <a:fontRef idx="minor">
+              <a:schemeClr val="tx1"/>
+            </a:fontRef>
+          </p:style>
+        </p:cxnSp>
+        <p:cxnSp>
+          <p:nvCxnSpPr>
+            <p:cNvPr id="133" name="直接连接符 132"/>
+            <p:cNvCxnSpPr/>
+            <p:nvPr/>
+          </p:nvCxnSpPr>
+          <p:spPr>
+            <a:xfrm>
+              <a:off x="15127" y="4013"/>
+              <a:ext cx="0" cy="4196"/>
+            </a:xfrm>
+            <a:prstGeom prst="line">
+              <a:avLst/>
+            </a:prstGeom>
+            <a:ln w="41275">
+              <a:prstDash val="dash"/>
+              <a:miter lim="800000"/>
+            </a:ln>
+          </p:spPr>
+          <p:style>
+            <a:lnRef idx="1">
+              <a:schemeClr val="accent1"/>
+            </a:lnRef>
+            <a:fillRef idx="0">
+              <a:schemeClr val="accent1"/>
+            </a:fillRef>
+            <a:effectRef idx="0">
+              <a:schemeClr val="accent1"/>
+            </a:effectRef>
+            <a:fontRef idx="minor">
+              <a:schemeClr val="tx1"/>
+            </a:fontRef>
+          </p:style>
+        </p:cxnSp>
+        <p:sp>
+          <p:nvSpPr>
+            <p:cNvPr id="134" name="文本框 133"/>
+            <p:cNvSpPr txBox="1"/>
+            <p:nvPr/>
+          </p:nvSpPr>
+          <p:spPr>
+            <a:xfrm>
+              <a:off x="11273" y="2561"/>
+              <a:ext cx="4349" cy="2858"/>
+            </a:xfrm>
+            <a:custGeom>
+              <a:avLst/>
+              <a:gdLst>
+                <a:gd name="connsiteX0" fmla="*/ 373273 h 605239"/>
+                <a:gd name="connsiteY0" fmla="*/ 373273 h 605239"/>
+                <a:gd name="connsiteX1" fmla="*/ 373273 h 605239"/>
+                <a:gd name="connsiteY1" fmla="*/ 373273 h 605239"/>
+                <a:gd name="connsiteX2" fmla="*/ 373273 h 605239"/>
+                <a:gd name="connsiteY2" fmla="*/ 373273 h 605239"/>
+                <a:gd name="connsiteX3" fmla="*/ 373273 h 605239"/>
+                <a:gd name="connsiteY3" fmla="*/ 373273 h 605239"/>
+                <a:gd name="connsiteX4" fmla="*/ 373273 h 605239"/>
+                <a:gd name="connsiteY4" fmla="*/ 373273 h 605239"/>
+                <a:gd name="connsiteX5" fmla="*/ 373273 h 605239"/>
+                <a:gd name="connsiteY5" fmla="*/ 373273 h 605239"/>
+                <a:gd name="connsiteX6" fmla="*/ 373273 h 605239"/>
+                <a:gd name="connsiteY6" fmla="*/ 373273 h 605239"/>
+                <a:gd name="connsiteX7" fmla="*/ 373273 h 605239"/>
+                <a:gd name="connsiteY7" fmla="*/ 373273 h 605239"/>
+                <a:gd name="connsiteX8" fmla="*/ 373273 h 605239"/>
+                <a:gd name="connsiteY8" fmla="*/ 373273 h 605239"/>
+                <a:gd name="connsiteX9" fmla="*/ 373273 h 605239"/>
+                <a:gd name="connsiteY9" fmla="*/ 373273 h 605239"/>
+                <a:gd name="connsiteX10" fmla="*/ 373273 h 605239"/>
+                <a:gd name="connsiteY10" fmla="*/ 373273 h 605239"/>
+                <a:gd name="connsiteX11" fmla="*/ 373273 h 605239"/>
+                <a:gd name="connsiteY11" fmla="*/ 373273 h 605239"/>
+                <a:gd name="connsiteX12" fmla="*/ 373273 h 605239"/>
+                <a:gd name="connsiteY12" fmla="*/ 373273 h 605239"/>
+                <a:gd name="connsiteX13" fmla="*/ 373273 h 605239"/>
+                <a:gd name="connsiteY13" fmla="*/ 373273 h 605239"/>
+                <a:gd name="connsiteX14" fmla="*/ 373273 h 605239"/>
+                <a:gd name="connsiteY14" fmla="*/ 373273 h 605239"/>
+                <a:gd name="connsiteX15" fmla="*/ 373273 h 605239"/>
+                <a:gd name="connsiteY15" fmla="*/ 373273 h 605239"/>
+                <a:gd name="connsiteX16" fmla="*/ 373273 h 605239"/>
+                <a:gd name="connsiteY16" fmla="*/ 373273 h 605239"/>
+                <a:gd name="connsiteX17" fmla="*/ 373273 h 605239"/>
+                <a:gd name="connsiteY17" fmla="*/ 373273 h 605239"/>
+                <a:gd name="connsiteX18" fmla="*/ 373273 h 605239"/>
+                <a:gd name="connsiteY18" fmla="*/ 373273 h 605239"/>
+                <a:gd name="connsiteX19" fmla="*/ 373273 h 605239"/>
+                <a:gd name="connsiteY19" fmla="*/ 373273 h 605239"/>
+                <a:gd name="connsiteX20" fmla="*/ 373273 h 605239"/>
+                <a:gd name="connsiteY20" fmla="*/ 373273 h 605239"/>
+                <a:gd name="connsiteX21" fmla="*/ 373273 h 605239"/>
+                <a:gd name="connsiteY21" fmla="*/ 373273 h 605239"/>
+                <a:gd name="connsiteX22" fmla="*/ 373273 h 605239"/>
+                <a:gd name="connsiteY22" fmla="*/ 373273 h 605239"/>
+                <a:gd name="connsiteX23" fmla="*/ 373273 h 605239"/>
+                <a:gd name="connsiteY23" fmla="*/ 373273 h 605239"/>
+                <a:gd name="connsiteX24" fmla="*/ 373273 h 605239"/>
+                <a:gd name="connsiteY24" fmla="*/ 373273 h 605239"/>
+                <a:gd name="connsiteX25" fmla="*/ 373273 h 605239"/>
+                <a:gd name="connsiteY25" fmla="*/ 373273 h 605239"/>
+                <a:gd name="connsiteX26" fmla="*/ 373273 h 605239"/>
+                <a:gd name="connsiteY26" fmla="*/ 373273 h 605239"/>
+                <a:gd name="connsiteX27" fmla="*/ 373273 h 605239"/>
+                <a:gd name="connsiteY27" fmla="*/ 373273 h 605239"/>
+                <a:gd name="connsiteX28" fmla="*/ 373273 h 605239"/>
+                <a:gd name="connsiteY28" fmla="*/ 373273 h 605239"/>
+                <a:gd name="connsiteX29" fmla="*/ 373273 h 605239"/>
+                <a:gd name="connsiteY29" fmla="*/ 373273 h 605239"/>
+                <a:gd name="connsiteX30" fmla="*/ 373273 h 605239"/>
+                <a:gd name="connsiteY30" fmla="*/ 373273 h 605239"/>
+                <a:gd name="connsiteX31" fmla="*/ 373273 h 605239"/>
+                <a:gd name="connsiteY31" fmla="*/ 373273 h 605239"/>
+                <a:gd name="connsiteX32" fmla="*/ 373273 h 605239"/>
+                <a:gd name="connsiteY32" fmla="*/ 373273 h 605239"/>
+                <a:gd name="connsiteX33" fmla="*/ 373273 h 605239"/>
+                <a:gd name="connsiteY33" fmla="*/ 373273 h 605239"/>
+                <a:gd name="connsiteX34" fmla="*/ 373273 h 605239"/>
+                <a:gd name="connsiteY34" fmla="*/ 373273 h 605239"/>
+                <a:gd name="connsiteX35" fmla="*/ 373273 h 605239"/>
+                <a:gd name="connsiteY35" fmla="*/ 373273 h 605239"/>
+                <a:gd name="connsiteX36" fmla="*/ 373273 h 605239"/>
+                <a:gd name="connsiteY36" fmla="*/ 373273 h 605239"/>
+                <a:gd name="connsiteX37" fmla="*/ 373273 h 605239"/>
+                <a:gd name="connsiteY37" fmla="*/ 373273 h 605239"/>
+                <a:gd name="connsiteX38" fmla="*/ 373273 h 605239"/>
+                <a:gd name="connsiteY38" fmla="*/ 373273 h 605239"/>
+                <a:gd name="connsiteX39" fmla="*/ 373273 h 605239"/>
+                <a:gd name="connsiteY39" fmla="*/ 373273 h 605239"/>
+                <a:gd name="connsiteX40" fmla="*/ 373273 h 605239"/>
+                <a:gd name="connsiteY40" fmla="*/ 373273 h 605239"/>
+                <a:gd name="connsiteX41" fmla="*/ 373273 h 605239"/>
+                <a:gd name="connsiteY41" fmla="*/ 373273 h 605239"/>
+                <a:gd name="connsiteX42" fmla="*/ 373273 h 605239"/>
+                <a:gd name="connsiteY42" fmla="*/ 373273 h 605239"/>
+                <a:gd name="connsiteX43" fmla="*/ 373273 h 605239"/>
+                <a:gd name="connsiteY43" fmla="*/ 373273 h 605239"/>
+                <a:gd name="connsiteX44" fmla="*/ 373273 h 605239"/>
+                <a:gd name="connsiteY44" fmla="*/ 373273 h 605239"/>
+                <a:gd name="connsiteX45" fmla="*/ 373273 h 605239"/>
+                <a:gd name="connsiteY45" fmla="*/ 373273 h 605239"/>
+                <a:gd name="connsiteX46" fmla="*/ 373273 h 605239"/>
+                <a:gd name="connsiteY46" fmla="*/ 373273 h 605239"/>
+                <a:gd name="connsiteX47" fmla="*/ 373273 h 605239"/>
+                <a:gd name="connsiteY47" fmla="*/ 373273 h 605239"/>
+                <a:gd name="connsiteX48" fmla="*/ 373273 h 605239"/>
+                <a:gd name="connsiteY48" fmla="*/ 373273 h 605239"/>
+                <a:gd name="connsiteX49" fmla="*/ 373273 h 605239"/>
+                <a:gd name="connsiteY49" fmla="*/ 373273 h 605239"/>
+                <a:gd name="connsiteX50" fmla="*/ 373273 h 605239"/>
+                <a:gd name="connsiteY50" fmla="*/ 373273 h 605239"/>
+                <a:gd name="connsiteX51" fmla="*/ 373273 h 605239"/>
+                <a:gd name="connsiteY51" fmla="*/ 373273 h 605239"/>
+                <a:gd name="connsiteX52" fmla="*/ 373273 h 605239"/>
+                <a:gd name="connsiteY52" fmla="*/ 373273 h 605239"/>
+                <a:gd name="connsiteX53" fmla="*/ 373273 h 605239"/>
+                <a:gd name="connsiteY53" fmla="*/ 373273 h 605239"/>
+                <a:gd name="connsiteX54" fmla="*/ 373273 h 605239"/>
+                <a:gd name="connsiteY54" fmla="*/ 373273 h 605239"/>
+                <a:gd name="connsiteX55" fmla="*/ 373273 h 605239"/>
+                <a:gd name="connsiteY55" fmla="*/ 373273 h 605239"/>
+                <a:gd name="connsiteX56" fmla="*/ 373273 h 605239"/>
+                <a:gd name="connsiteY56" fmla="*/ 373273 h 605239"/>
+                <a:gd name="connsiteX57" fmla="*/ 373273 h 605239"/>
+                <a:gd name="connsiteY57" fmla="*/ 373273 h 605239"/>
+                <a:gd name="connsiteX58" fmla="*/ 373273 h 605239"/>
+                <a:gd name="connsiteY58" fmla="*/ 373273 h 605239"/>
+                <a:gd name="connsiteX59" fmla="*/ 373273 h 605239"/>
+                <a:gd name="connsiteY59" fmla="*/ 373273 h 605239"/>
+                <a:gd name="connsiteX60" fmla="*/ 373273 h 605239"/>
+                <a:gd name="connsiteY60" fmla="*/ 373273 h 605239"/>
+                <a:gd name="connsiteX61" fmla="*/ 373273 h 605239"/>
+                <a:gd name="connsiteY61" fmla="*/ 373273 h 605239"/>
+                <a:gd name="connsiteX62" fmla="*/ 373273 h 605239"/>
+                <a:gd name="connsiteY62" fmla="*/ 373273 h 605239"/>
+                <a:gd name="connsiteX63" fmla="*/ 373273 h 605239"/>
+                <a:gd name="connsiteY63" fmla="*/ 373273 h 605239"/>
+                <a:gd name="connsiteX64" fmla="*/ 373273 h 605239"/>
+                <a:gd name="connsiteY64" fmla="*/ 373273 h 605239"/>
+                <a:gd name="connsiteX65" fmla="*/ 373273 h 605239"/>
+                <a:gd name="connsiteY65" fmla="*/ 373273 h 605239"/>
+                <a:gd name="connsiteX66" fmla="*/ 373273 h 605239"/>
+                <a:gd name="connsiteY66" fmla="*/ 373273 h 605239"/>
+              </a:gdLst>
+              <a:ahLst/>
+              <a:cxnLst>
+                <a:cxn ang="0">
+                  <a:pos x="connsiteX0" y="connsiteY0"/>
+                </a:cxn>
+                <a:cxn ang="0">
+                  <a:pos x="connsiteX1" y="connsiteY1"/>
+                </a:cxn>
+                <a:cxn ang="0">
+                  <a:pos x="connsiteX2" y="connsiteY2"/>
+                </a:cxn>
+                <a:cxn ang="0">
+                  <a:pos x="connsiteX3" y="connsiteY3"/>
+                </a:cxn>
+                <a:cxn ang="0">
+                  <a:pos x="connsiteX4" y="connsiteY4"/>
+                </a:cxn>
+                <a:cxn ang="0">
+                  <a:pos x="connsiteX5" y="connsiteY5"/>
+                </a:cxn>
+                <a:cxn ang="0">
+                  <a:pos x="connsiteX6" y="connsiteY6"/>
+                </a:cxn>
+                <a:cxn ang="0">
+                  <a:pos x="connsiteX7" y="connsiteY7"/>
+                </a:cxn>
+                <a:cxn ang="0">
+                  <a:pos x="connsiteX8" y="connsiteY8"/>
+                </a:cxn>
+                <a:cxn ang="0">
+                  <a:pos x="connsiteX9" y="connsiteY9"/>
+                </a:cxn>
+                <a:cxn ang="0">
+                  <a:pos x="connsiteX10" y="connsiteY10"/>
+                </a:cxn>
+                <a:cxn ang="0">
+                  <a:pos x="connsiteX11" y="connsiteY11"/>
+                </a:cxn>
+                <a:cxn ang="0">
+                  <a:pos x="connsiteX12" y="connsiteY12"/>
+                </a:cxn>
+                <a:cxn ang="0">
+                  <a:pos x="connsiteX13" y="connsiteY13"/>
+                </a:cxn>
+                <a:cxn ang="0">
+                  <a:pos x="connsiteX14" y="connsiteY14"/>
+                </a:cxn>
+                <a:cxn ang="0">
+                  <a:pos x="connsiteX15" y="connsiteY15"/>
+                </a:cxn>
+                <a:cxn ang="0">
+                  <a:pos x="connsiteX16" y="connsiteY16"/>
+                </a:cxn>
+                <a:cxn ang="0">
+                  <a:pos x="connsiteX17" y="connsiteY17"/>
+                </a:cxn>
+                <a:cxn ang="0">
+                  <a:pos x="connsiteX18" y="connsiteY18"/>
+                </a:cxn>
+                <a:cxn ang="0">
+                  <a:pos x="connsiteX19" y="connsiteY19"/>
+                </a:cxn>
+                <a:cxn ang="0">
+                  <a:pos x="connsiteX20" y="connsiteY20"/>
+                </a:cxn>
+                <a:cxn ang="0">
+                  <a:pos x="connsiteX21" y="connsiteY21"/>
+                </a:cxn>
+                <a:cxn ang="0">
+                  <a:pos x="connsiteX22" y="connsiteY22"/>
+                </a:cxn>
+                <a:cxn ang="0">
+                  <a:pos x="connsiteX23" y="connsiteY23"/>
+                </a:cxn>
+                <a:cxn ang="0">
+                  <a:pos x="connsiteX24" y="connsiteY24"/>
+                </a:cxn>
+                <a:cxn ang="0">
+                  <a:pos x="connsiteX25" y="connsiteY25"/>
+                </a:cxn>
+                <a:cxn ang="0">
+                  <a:pos x="connsiteX26" y="connsiteY26"/>
+                </a:cxn>
+                <a:cxn ang="0">
+                  <a:pos x="connsiteX27" y="connsiteY27"/>
+                </a:cxn>
+                <a:cxn ang="0">
+                  <a:pos x="connsiteX28" y="connsiteY28"/>
+                </a:cxn>
+                <a:cxn ang="0">
+                  <a:pos x="connsiteX29" y="connsiteY29"/>
+                </a:cxn>
+                <a:cxn ang="0">
+                  <a:pos x="connsiteX30" y="connsiteY30"/>
+                </a:cxn>
+                <a:cxn ang="0">
+                  <a:pos x="connsiteX31" y="connsiteY31"/>
+                </a:cxn>
+                <a:cxn ang="0">
+                  <a:pos x="connsiteX32" y="connsiteY32"/>
+                </a:cxn>
+                <a:cxn ang="0">
+                  <a:pos x="connsiteX33" y="connsiteY33"/>
+                </a:cxn>
+                <a:cxn ang="0">
+                  <a:pos x="connsiteX34" y="connsiteY34"/>
+                </a:cxn>
+                <a:cxn ang="0">
+                  <a:pos x="connsiteX35" y="connsiteY35"/>
+                </a:cxn>
+                <a:cxn ang="0">
+                  <a:pos x="connsiteX36" y="connsiteY36"/>
+                </a:cxn>
+                <a:cxn ang="0">
+                  <a:pos x="connsiteX37" y="connsiteY37"/>
+                </a:cxn>
+                <a:cxn ang="0">
+                  <a:pos x="connsiteX38" y="connsiteY38"/>
+                </a:cxn>
+                <a:cxn ang="0">
+                  <a:pos x="connsiteX39" y="connsiteY39"/>
+                </a:cxn>
+                <a:cxn ang="0">
+                  <a:pos x="connsiteX40" y="connsiteY40"/>
+                </a:cxn>
+                <a:cxn ang="0">
+                  <a:pos x="connsiteX41" y="connsiteY41"/>
+                </a:cxn>
+                <a:cxn ang="0">
+                  <a:pos x="connsiteX42" y="connsiteY42"/>
+                </a:cxn>
+                <a:cxn ang="0">
+                  <a:pos x="connsiteX43" y="connsiteY43"/>
+                </a:cxn>
+                <a:cxn ang="0">
+                  <a:pos x="connsiteX44" y="connsiteY44"/>
+                </a:cxn>
+                <a:cxn ang="0">
+                  <a:pos x="connsiteX45" y="connsiteY45"/>
+                </a:cxn>
+                <a:cxn ang="0">
+                  <a:pos x="connsiteX46" y="connsiteY46"/>
+                </a:cxn>
+                <a:cxn ang="0">
+                  <a:pos x="connsiteX47" y="connsiteY47"/>
+                </a:cxn>
+                <a:cxn ang="0">
+                  <a:pos x="connsiteX48" y="connsiteY48"/>
+                </a:cxn>
+                <a:cxn ang="0">
+                  <a:pos x="connsiteX49" y="connsiteY49"/>
+                </a:cxn>
+                <a:cxn ang="0">
+                  <a:pos x="connsiteX50" y="connsiteY50"/>
+                </a:cxn>
+                <a:cxn ang="0">
+                  <a:pos x="connsiteX51" y="connsiteY51"/>
+                </a:cxn>
+                <a:cxn ang="0">
+                  <a:pos x="connsiteX52" y="connsiteY52"/>
+                </a:cxn>
+                <a:cxn ang="0">
+                  <a:pos x="connsiteX53" y="connsiteY53"/>
+                </a:cxn>
+                <a:cxn ang="0">
+                  <a:pos x="connsiteX54" y="connsiteY54"/>
+                </a:cxn>
+                <a:cxn ang="0">
+                  <a:pos x="connsiteX55" y="connsiteY55"/>
+                </a:cxn>
+                <a:cxn ang="0">
+                  <a:pos x="connsiteX56" y="connsiteY56"/>
+                </a:cxn>
+                <a:cxn ang="0">
+                  <a:pos x="connsiteX57" y="connsiteY57"/>
+                </a:cxn>
+                <a:cxn ang="0">
+                  <a:pos x="connsiteX58" y="connsiteY58"/>
+                </a:cxn>
+                <a:cxn ang="0">
+                  <a:pos x="connsiteX59" y="connsiteY59"/>
+                </a:cxn>
+                <a:cxn ang="0">
+                  <a:pos x="connsiteX60" y="connsiteY60"/>
+                </a:cxn>
+                <a:cxn ang="0">
+                  <a:pos x="connsiteX61" y="connsiteY61"/>
+                </a:cxn>
+                <a:cxn ang="0">
+                  <a:pos x="connsiteX62" y="connsiteY62"/>
+                </a:cxn>
+                <a:cxn ang="0">
+                  <a:pos x="connsiteX63" y="connsiteY63"/>
+                </a:cxn>
+                <a:cxn ang="0">
+                  <a:pos x="connsiteX64" y="connsiteY64"/>
+                </a:cxn>
+                <a:cxn ang="0">
+                  <a:pos x="connsiteX65" y="connsiteY65"/>
+                </a:cxn>
+                <a:cxn ang="0">
+                  <a:pos x="connsiteX66" y="connsiteY66"/>
+                </a:cxn>
+              </a:cxnLst>
+              <a:rect l="l" t="t" r="r" b="b"/>
+              <a:pathLst>
+                <a:path w="604947" h="397639">
+                  <a:moveTo>
+                    <a:pt x="341570" y="202129"/>
+                  </a:moveTo>
+                  <a:cubicBezTo>
+                    <a:pt x="348754" y="200699"/>
+                    <a:pt x="354502" y="204990"/>
+                    <a:pt x="357375" y="212143"/>
+                  </a:cubicBezTo>
+                  <a:cubicBezTo>
+                    <a:pt x="357375" y="213573"/>
+                    <a:pt x="365996" y="246474"/>
+                    <a:pt x="399044" y="252196"/>
+                  </a:cubicBezTo>
+                  <a:cubicBezTo>
+                    <a:pt x="406228" y="253626"/>
+                    <a:pt x="410539" y="260778"/>
+                    <a:pt x="409102" y="266500"/>
+                  </a:cubicBezTo>
+                  <a:cubicBezTo>
+                    <a:pt x="409102" y="273653"/>
+                    <a:pt x="403355" y="277944"/>
+                    <a:pt x="397607" y="277944"/>
+                  </a:cubicBezTo>
+                  <a:cubicBezTo>
+                    <a:pt x="396170" y="277944"/>
+                    <a:pt x="394734" y="277944"/>
+                    <a:pt x="394734" y="277944"/>
+                  </a:cubicBezTo>
+                  <a:cubicBezTo>
+                    <a:pt x="344444" y="267931"/>
+                    <a:pt x="331512" y="220725"/>
+                    <a:pt x="331512" y="217865"/>
+                  </a:cubicBezTo>
+                  <a:cubicBezTo>
+                    <a:pt x="330075" y="210712"/>
+                    <a:pt x="334386" y="203560"/>
+                    <a:pt x="341570" y="202129"/>
+                  </a:cubicBezTo>
+                  <a:close/>
+                  <a:moveTo>
+                    <a:pt x="347317" y="163456"/>
+                  </a:moveTo>
+                  <a:cubicBezTo>
+                    <a:pt x="354427" y="163456"/>
+                    <a:pt x="360191" y="169220"/>
+                    <a:pt x="360191" y="176330"/>
+                  </a:cubicBezTo>
+                  <a:cubicBezTo>
+                    <a:pt x="360191" y="183440"/>
+                    <a:pt x="354427" y="189204"/>
+                    <a:pt x="347317" y="189204"/>
+                  </a:cubicBezTo>
+                  <a:cubicBezTo>
+                    <a:pt x="340207" y="189204"/>
+                    <a:pt x="334443" y="183440"/>
+                    <a:pt x="334443" y="176330"/>
+                  </a:cubicBezTo>
+                  <a:cubicBezTo>
+                    <a:pt x="334443" y="169220"/>
+                    <a:pt x="340207" y="163456"/>
+                    <a:pt x="347317" y="163456"/>
+                  </a:cubicBezTo>
+                  <a:close/>
+                  <a:moveTo>
+                    <a:pt x="406189" y="113178"/>
+                  </a:moveTo>
+                  <a:cubicBezTo>
+                    <a:pt x="384663" y="113178"/>
+                    <a:pt x="364572" y="121777"/>
+                    <a:pt x="347351" y="136107"/>
+                  </a:cubicBezTo>
+                  <a:cubicBezTo>
+                    <a:pt x="347351" y="137540"/>
+                    <a:pt x="345916" y="137540"/>
+                    <a:pt x="345916" y="138973"/>
+                  </a:cubicBezTo>
+                  <a:cubicBezTo>
+                    <a:pt x="338740" y="144706"/>
+                    <a:pt x="334435" y="151871"/>
+                    <a:pt x="330130" y="159036"/>
+                  </a:cubicBezTo>
+                  <a:cubicBezTo>
+                    <a:pt x="322954" y="171934"/>
+                    <a:pt x="320084" y="186264"/>
+                    <a:pt x="320084" y="200595"/>
+                  </a:cubicBezTo>
+                  <a:cubicBezTo>
+                    <a:pt x="320084" y="223524"/>
+                    <a:pt x="328695" y="245019"/>
+                    <a:pt x="345916" y="262216"/>
+                  </a:cubicBezTo>
+                  <a:cubicBezTo>
+                    <a:pt x="361701" y="277980"/>
+                    <a:pt x="383228" y="286578"/>
+                    <a:pt x="406189" y="286578"/>
+                  </a:cubicBezTo>
+                  <a:cubicBezTo>
+                    <a:pt x="429150" y="286578"/>
+                    <a:pt x="452111" y="277980"/>
+                    <a:pt x="467897" y="262216"/>
+                  </a:cubicBezTo>
+                  <a:cubicBezTo>
+                    <a:pt x="498034" y="230689"/>
+                    <a:pt x="500904" y="183398"/>
+                    <a:pt x="476508" y="149005"/>
+                  </a:cubicBezTo>
+                  <a:cubicBezTo>
+                    <a:pt x="473638" y="146139"/>
+                    <a:pt x="470767" y="141839"/>
+                    <a:pt x="467897" y="138973"/>
+                  </a:cubicBezTo>
+                  <a:cubicBezTo>
+                    <a:pt x="452111" y="123210"/>
+                    <a:pt x="429150" y="113178"/>
+                    <a:pt x="406189" y="113178"/>
+                  </a:cubicBezTo>
+                  <a:close/>
+                  <a:moveTo>
+                    <a:pt x="406189" y="74486"/>
+                  </a:moveTo>
+                  <a:cubicBezTo>
+                    <a:pt x="440631" y="74486"/>
+                    <a:pt x="472203" y="87383"/>
+                    <a:pt x="495164" y="111745"/>
+                  </a:cubicBezTo>
+                  <a:cubicBezTo>
+                    <a:pt x="539651" y="156170"/>
+                    <a:pt x="543957" y="224957"/>
+                    <a:pt x="508080" y="273680"/>
+                  </a:cubicBezTo>
+                  <a:lnTo>
+                    <a:pt x="520995" y="288011"/>
+                  </a:lnTo>
+                  <a:cubicBezTo>
+                    <a:pt x="529606" y="279413"/>
+                    <a:pt x="541086" y="279413"/>
+                    <a:pt x="549697" y="288011"/>
+                  </a:cubicBezTo>
+                  <a:lnTo>
+                    <a:pt x="598490" y="336735"/>
+                  </a:lnTo>
+                  <a:cubicBezTo>
+                    <a:pt x="607100" y="345333"/>
+                    <a:pt x="607100" y="358230"/>
+                    <a:pt x="598490" y="366829"/>
+                  </a:cubicBezTo>
+                  <a:lnTo>
+                    <a:pt x="572658" y="391191"/>
+                  </a:lnTo>
+                  <a:cubicBezTo>
+                    <a:pt x="564048" y="399789"/>
+                    <a:pt x="551132" y="399789"/>
+                    <a:pt x="543957" y="391191"/>
+                  </a:cubicBezTo>
+                  <a:lnTo>
+                    <a:pt x="493729" y="342467"/>
+                  </a:lnTo>
+                  <a:cubicBezTo>
+                    <a:pt x="486553" y="335302"/>
+                    <a:pt x="486553" y="322404"/>
+                    <a:pt x="493729" y="315239"/>
+                  </a:cubicBezTo>
+                  <a:lnTo>
+                    <a:pt x="480813" y="302341"/>
+                  </a:lnTo>
+                  <a:cubicBezTo>
+                    <a:pt x="459287" y="316672"/>
+                    <a:pt x="433455" y="325270"/>
+                    <a:pt x="406189" y="325270"/>
+                  </a:cubicBezTo>
+                  <a:cubicBezTo>
+                    <a:pt x="373182" y="325270"/>
+                    <a:pt x="341610" y="312373"/>
+                    <a:pt x="317214" y="289444"/>
+                  </a:cubicBezTo>
+                  <a:cubicBezTo>
+                    <a:pt x="294253" y="265082"/>
+                    <a:pt x="281337" y="233555"/>
+                    <a:pt x="281337" y="200595"/>
+                  </a:cubicBezTo>
+                  <a:cubicBezTo>
+                    <a:pt x="281337" y="166201"/>
+                    <a:pt x="294253" y="134674"/>
+                    <a:pt x="317214" y="111745"/>
+                  </a:cubicBezTo>
+                  <a:cubicBezTo>
+                    <a:pt x="341610" y="87383"/>
+                    <a:pt x="373182" y="74486"/>
+                    <a:pt x="406189" y="74486"/>
+                  </a:cubicBezTo>
+                  <a:close/>
+                  <a:moveTo>
+                    <a:pt x="239676" y="67378"/>
+                  </a:moveTo>
+                  <a:cubicBezTo>
+                    <a:pt x="223889" y="67378"/>
+                    <a:pt x="195185" y="78847"/>
+                    <a:pt x="177963" y="101785"/>
+                  </a:cubicBezTo>
+                  <a:cubicBezTo>
+                    <a:pt x="165046" y="118988"/>
+                    <a:pt x="150694" y="147659"/>
+                    <a:pt x="162175" y="190667"/>
+                  </a:cubicBezTo>
+                  <a:cubicBezTo>
+                    <a:pt x="163611" y="202136"/>
+                    <a:pt x="173657" y="209303"/>
+                    <a:pt x="183703" y="209303"/>
+                  </a:cubicBezTo>
+                  <a:cubicBezTo>
+                    <a:pt x="186574" y="209303"/>
+                    <a:pt x="188009" y="207870"/>
+                    <a:pt x="189444" y="207870"/>
+                  </a:cubicBezTo>
+                  <a:cubicBezTo>
+                    <a:pt x="202361" y="205003"/>
+                    <a:pt x="210972" y="192100"/>
+                    <a:pt x="206666" y="179198"/>
+                  </a:cubicBezTo>
+                  <a:cubicBezTo>
+                    <a:pt x="202361" y="160562"/>
+                    <a:pt x="205231" y="144792"/>
+                    <a:pt x="213842" y="133323"/>
+                  </a:cubicBezTo>
+                  <a:cubicBezTo>
+                    <a:pt x="222453" y="120421"/>
+                    <a:pt x="236805" y="114687"/>
+                    <a:pt x="241111" y="114687"/>
+                  </a:cubicBezTo>
+                  <a:cubicBezTo>
+                    <a:pt x="254028" y="114687"/>
+                    <a:pt x="264074" y="103218"/>
+                    <a:pt x="264074" y="90316"/>
+                  </a:cubicBezTo>
+                  <a:cubicBezTo>
+                    <a:pt x="264074" y="77414"/>
+                    <a:pt x="254028" y="67378"/>
+                    <a:pt x="241111" y="67378"/>
+                  </a:cubicBezTo>
+                  <a:close/>
+                  <a:moveTo>
+                    <a:pt x="183703" y="61644"/>
+                  </a:moveTo>
+                  <a:cubicBezTo>
+                    <a:pt x="123425" y="87449"/>
+                    <a:pt x="74629" y="139058"/>
+                    <a:pt x="53101" y="163429"/>
+                  </a:cubicBezTo>
+                  <a:cubicBezTo>
+                    <a:pt x="73194" y="186366"/>
+                    <a:pt x="114814" y="230807"/>
+                    <a:pt x="167916" y="259479"/>
+                  </a:cubicBezTo>
+                  <a:cubicBezTo>
+                    <a:pt x="142083" y="236542"/>
+                    <a:pt x="126296" y="203569"/>
+                    <a:pt x="126296" y="166296"/>
+                  </a:cubicBezTo>
+                  <a:cubicBezTo>
+                    <a:pt x="126296" y="121855"/>
+                    <a:pt x="149259" y="83148"/>
+                    <a:pt x="183703" y="61644"/>
+                  </a:cubicBezTo>
+                  <a:close/>
+                  <a:moveTo>
+                    <a:pt x="252592" y="0"/>
+                  </a:moveTo>
+                  <a:cubicBezTo>
+                    <a:pt x="305694" y="0"/>
+                    <a:pt x="354491" y="21504"/>
+                    <a:pt x="394676" y="48742"/>
+                  </a:cubicBezTo>
+                  <a:cubicBezTo>
+                    <a:pt x="371713" y="50175"/>
+                    <a:pt x="327222" y="65945"/>
+                    <a:pt x="298518" y="91749"/>
+                  </a:cubicBezTo>
+                  <a:cubicBezTo>
+                    <a:pt x="268379" y="120421"/>
+                    <a:pt x="254028" y="159128"/>
+                    <a:pt x="254028" y="200702"/>
+                  </a:cubicBezTo>
+                  <a:cubicBezTo>
+                    <a:pt x="254028" y="232241"/>
+                    <a:pt x="262639" y="260912"/>
+                    <a:pt x="279861" y="286717"/>
+                  </a:cubicBezTo>
+                  <a:cubicBezTo>
+                    <a:pt x="285602" y="293885"/>
+                    <a:pt x="291342" y="301053"/>
+                    <a:pt x="298518" y="308221"/>
+                  </a:cubicBezTo>
+                  <a:cubicBezTo>
+                    <a:pt x="302824" y="312522"/>
+                    <a:pt x="307129" y="316822"/>
+                    <a:pt x="311435" y="319690"/>
+                  </a:cubicBezTo>
+                  <a:cubicBezTo>
+                    <a:pt x="292778" y="325424"/>
+                    <a:pt x="272685" y="328291"/>
+                    <a:pt x="252592" y="328291"/>
+                  </a:cubicBezTo>
+                  <a:cubicBezTo>
+                    <a:pt x="116249" y="328291"/>
+                    <a:pt x="8610" y="183499"/>
+                    <a:pt x="4305" y="177765"/>
+                  </a:cubicBezTo>
+                  <a:cubicBezTo>
+                    <a:pt x="-1436" y="169163"/>
+                    <a:pt x="-1436" y="159128"/>
+                    <a:pt x="4305" y="150526"/>
+                  </a:cubicBezTo>
+                  <a:cubicBezTo>
+                    <a:pt x="8610" y="143359"/>
+                    <a:pt x="116249" y="0"/>
+                    <a:pt x="252592" y="0"/>
+                  </a:cubicBezTo>
+                  <a:close/>
+                </a:path>
+              </a:pathLst>
+            </a:custGeom>
+            <a:noFill/>
+          </p:spPr>
+          <p:txBody>
+            <a:bodyPr wrap="square" rtlCol="0">
+              <a:spAutoFit/>
+            </a:bodyPr>
+            <a:p>
+              <a:pPr marL="457200" indent="-457200">
+                <a:lnSpc>
+                  <a:spcPct val="90000"/>
+                </a:lnSpc>
+                <a:buFont typeface="+mj-ea"/>
+                <a:buAutoNum type="circleNumDbPlain" startAt="3"/>
+              </a:pPr>
+              <a:r>
+                <a:rPr lang="en-US" altLang="zh-CN" b="1" i="1">
+                  <a:solidFill>
+                    <a:schemeClr val="tx1"/>
+                  </a:solidFill>
+                  <a:effectLst/>
+                </a:rPr>
+                <a:t>detectors</a:t>
+              </a:r>
+              <a:endParaRPr lang="en-US" altLang="zh-CN" b="1" i="1">
+                <a:solidFill>
+                  <a:schemeClr val="tx1"/>
+                </a:solidFill>
+                <a:effectLst/>
+              </a:endParaRPr>
+            </a:p>
+          </p:txBody>
+        </p:sp>
+        <p:sp>
+          <p:nvSpPr>
+            <p:cNvPr id="135" name="文本框 134"/>
+            <p:cNvSpPr txBox="1"/>
+            <p:nvPr/>
+          </p:nvSpPr>
+          <p:spPr>
+            <a:xfrm>
+              <a:off x="16552" y="3091"/>
+              <a:ext cx="2657" cy="1746"/>
+            </a:xfrm>
+            <a:custGeom>
+              <a:avLst/>
+              <a:gdLst>
+                <a:gd name="connsiteX0" fmla="*/ 373273 h 605239"/>
+                <a:gd name="connsiteY0" fmla="*/ 373273 h 605239"/>
+                <a:gd name="connsiteX1" fmla="*/ 373273 h 605239"/>
+                <a:gd name="connsiteY1" fmla="*/ 373273 h 605239"/>
+                <a:gd name="connsiteX2" fmla="*/ 373273 h 605239"/>
+                <a:gd name="connsiteY2" fmla="*/ 373273 h 605239"/>
+                <a:gd name="connsiteX3" fmla="*/ 373273 h 605239"/>
+                <a:gd name="connsiteY3" fmla="*/ 373273 h 605239"/>
+                <a:gd name="connsiteX4" fmla="*/ 373273 h 605239"/>
+                <a:gd name="connsiteY4" fmla="*/ 373273 h 605239"/>
+                <a:gd name="connsiteX5" fmla="*/ 373273 h 605239"/>
+                <a:gd name="connsiteY5" fmla="*/ 373273 h 605239"/>
+                <a:gd name="connsiteX6" fmla="*/ 373273 h 605239"/>
+                <a:gd name="connsiteY6" fmla="*/ 373273 h 605239"/>
+                <a:gd name="connsiteX7" fmla="*/ 373273 h 605239"/>
+                <a:gd name="connsiteY7" fmla="*/ 373273 h 605239"/>
+                <a:gd name="connsiteX8" fmla="*/ 373273 h 605239"/>
+                <a:gd name="connsiteY8" fmla="*/ 373273 h 605239"/>
+                <a:gd name="connsiteX9" fmla="*/ 373273 h 605239"/>
+                <a:gd name="connsiteY9" fmla="*/ 373273 h 605239"/>
+                <a:gd name="connsiteX10" fmla="*/ 373273 h 605239"/>
+                <a:gd name="connsiteY10" fmla="*/ 373273 h 605239"/>
+                <a:gd name="connsiteX11" fmla="*/ 373273 h 605239"/>
+                <a:gd name="connsiteY11" fmla="*/ 373273 h 605239"/>
+                <a:gd name="connsiteX12" fmla="*/ 373273 h 605239"/>
+                <a:gd name="connsiteY12" fmla="*/ 373273 h 605239"/>
+                <a:gd name="connsiteX13" fmla="*/ 373273 h 605239"/>
+                <a:gd name="connsiteY13" fmla="*/ 373273 h 605239"/>
+                <a:gd name="connsiteX14" fmla="*/ 373273 h 605239"/>
+                <a:gd name="connsiteY14" fmla="*/ 373273 h 605239"/>
+                <a:gd name="connsiteX15" fmla="*/ 373273 h 605239"/>
+                <a:gd name="connsiteY15" fmla="*/ 373273 h 605239"/>
+                <a:gd name="connsiteX16" fmla="*/ 373273 h 605239"/>
+                <a:gd name="connsiteY16" fmla="*/ 373273 h 605239"/>
+                <a:gd name="connsiteX17" fmla="*/ 373273 h 605239"/>
+                <a:gd name="connsiteY17" fmla="*/ 373273 h 605239"/>
+                <a:gd name="connsiteX18" fmla="*/ 373273 h 605239"/>
+                <a:gd name="connsiteY18" fmla="*/ 373273 h 605239"/>
+                <a:gd name="connsiteX19" fmla="*/ 373273 h 605239"/>
+                <a:gd name="connsiteY19" fmla="*/ 373273 h 605239"/>
+                <a:gd name="connsiteX20" fmla="*/ 373273 h 605239"/>
+                <a:gd name="connsiteY20" fmla="*/ 373273 h 605239"/>
+                <a:gd name="connsiteX21" fmla="*/ 373273 h 605239"/>
+                <a:gd name="connsiteY21" fmla="*/ 373273 h 605239"/>
+                <a:gd name="connsiteX22" fmla="*/ 373273 h 605239"/>
+                <a:gd name="connsiteY22" fmla="*/ 373273 h 605239"/>
+                <a:gd name="connsiteX23" fmla="*/ 373273 h 605239"/>
+                <a:gd name="connsiteY23" fmla="*/ 373273 h 605239"/>
+                <a:gd name="connsiteX24" fmla="*/ 373273 h 605239"/>
+                <a:gd name="connsiteY24" fmla="*/ 373273 h 605239"/>
+                <a:gd name="connsiteX25" fmla="*/ 373273 h 605239"/>
+                <a:gd name="connsiteY25" fmla="*/ 373273 h 605239"/>
+                <a:gd name="connsiteX26" fmla="*/ 373273 h 605239"/>
+                <a:gd name="connsiteY26" fmla="*/ 373273 h 605239"/>
+                <a:gd name="connsiteX27" fmla="*/ 373273 h 605239"/>
+                <a:gd name="connsiteY27" fmla="*/ 373273 h 605239"/>
+                <a:gd name="connsiteX28" fmla="*/ 373273 h 605239"/>
+                <a:gd name="connsiteY28" fmla="*/ 373273 h 605239"/>
+                <a:gd name="connsiteX29" fmla="*/ 373273 h 605239"/>
+                <a:gd name="connsiteY29" fmla="*/ 373273 h 605239"/>
+                <a:gd name="connsiteX30" fmla="*/ 373273 h 605239"/>
+                <a:gd name="connsiteY30" fmla="*/ 373273 h 605239"/>
+                <a:gd name="connsiteX31" fmla="*/ 373273 h 605239"/>
+                <a:gd name="connsiteY31" fmla="*/ 373273 h 605239"/>
+                <a:gd name="connsiteX32" fmla="*/ 373273 h 605239"/>
+                <a:gd name="connsiteY32" fmla="*/ 373273 h 605239"/>
+                <a:gd name="connsiteX33" fmla="*/ 373273 h 605239"/>
+                <a:gd name="connsiteY33" fmla="*/ 373273 h 605239"/>
+                <a:gd name="connsiteX34" fmla="*/ 373273 h 605239"/>
+                <a:gd name="connsiteY34" fmla="*/ 373273 h 605239"/>
+                <a:gd name="connsiteX35" fmla="*/ 373273 h 605239"/>
+                <a:gd name="connsiteY35" fmla="*/ 373273 h 605239"/>
+                <a:gd name="connsiteX36" fmla="*/ 373273 h 605239"/>
+                <a:gd name="connsiteY36" fmla="*/ 373273 h 605239"/>
+                <a:gd name="connsiteX37" fmla="*/ 373273 h 605239"/>
+                <a:gd name="connsiteY37" fmla="*/ 373273 h 605239"/>
+                <a:gd name="connsiteX38" fmla="*/ 373273 h 605239"/>
+                <a:gd name="connsiteY38" fmla="*/ 373273 h 605239"/>
+                <a:gd name="connsiteX39" fmla="*/ 373273 h 605239"/>
+                <a:gd name="connsiteY39" fmla="*/ 373273 h 605239"/>
+                <a:gd name="connsiteX40" fmla="*/ 373273 h 605239"/>
+                <a:gd name="connsiteY40" fmla="*/ 373273 h 605239"/>
+                <a:gd name="connsiteX41" fmla="*/ 373273 h 605239"/>
+                <a:gd name="connsiteY41" fmla="*/ 373273 h 605239"/>
+                <a:gd name="connsiteX42" fmla="*/ 373273 h 605239"/>
+                <a:gd name="connsiteY42" fmla="*/ 373273 h 605239"/>
+                <a:gd name="connsiteX43" fmla="*/ 373273 h 605239"/>
+                <a:gd name="connsiteY43" fmla="*/ 373273 h 605239"/>
+                <a:gd name="connsiteX44" fmla="*/ 373273 h 605239"/>
+                <a:gd name="connsiteY44" fmla="*/ 373273 h 605239"/>
+                <a:gd name="connsiteX45" fmla="*/ 373273 h 605239"/>
+                <a:gd name="connsiteY45" fmla="*/ 373273 h 605239"/>
+                <a:gd name="connsiteX46" fmla="*/ 373273 h 605239"/>
+                <a:gd name="connsiteY46" fmla="*/ 373273 h 605239"/>
+                <a:gd name="connsiteX47" fmla="*/ 373273 h 605239"/>
+                <a:gd name="connsiteY47" fmla="*/ 373273 h 605239"/>
+                <a:gd name="connsiteX48" fmla="*/ 373273 h 605239"/>
+                <a:gd name="connsiteY48" fmla="*/ 373273 h 605239"/>
+                <a:gd name="connsiteX49" fmla="*/ 373273 h 605239"/>
+                <a:gd name="connsiteY49" fmla="*/ 373273 h 605239"/>
+                <a:gd name="connsiteX50" fmla="*/ 373273 h 605239"/>
+                <a:gd name="connsiteY50" fmla="*/ 373273 h 605239"/>
+                <a:gd name="connsiteX51" fmla="*/ 373273 h 605239"/>
+                <a:gd name="connsiteY51" fmla="*/ 373273 h 605239"/>
+                <a:gd name="connsiteX52" fmla="*/ 373273 h 605239"/>
+                <a:gd name="connsiteY52" fmla="*/ 373273 h 605239"/>
+                <a:gd name="connsiteX53" fmla="*/ 373273 h 605239"/>
+                <a:gd name="connsiteY53" fmla="*/ 373273 h 605239"/>
+                <a:gd name="connsiteX54" fmla="*/ 373273 h 605239"/>
+                <a:gd name="connsiteY54" fmla="*/ 373273 h 605239"/>
+                <a:gd name="connsiteX55" fmla="*/ 373273 h 605239"/>
+                <a:gd name="connsiteY55" fmla="*/ 373273 h 605239"/>
+                <a:gd name="connsiteX56" fmla="*/ 373273 h 605239"/>
+                <a:gd name="connsiteY56" fmla="*/ 373273 h 605239"/>
+                <a:gd name="connsiteX57" fmla="*/ 373273 h 605239"/>
+                <a:gd name="connsiteY57" fmla="*/ 373273 h 605239"/>
+                <a:gd name="connsiteX58" fmla="*/ 373273 h 605239"/>
+                <a:gd name="connsiteY58" fmla="*/ 373273 h 605239"/>
+                <a:gd name="connsiteX59" fmla="*/ 373273 h 605239"/>
+                <a:gd name="connsiteY59" fmla="*/ 373273 h 605239"/>
+                <a:gd name="connsiteX60" fmla="*/ 373273 h 605239"/>
+                <a:gd name="connsiteY60" fmla="*/ 373273 h 605239"/>
+                <a:gd name="connsiteX61" fmla="*/ 373273 h 605239"/>
+                <a:gd name="connsiteY61" fmla="*/ 373273 h 605239"/>
+                <a:gd name="connsiteX62" fmla="*/ 373273 h 605239"/>
+                <a:gd name="connsiteY62" fmla="*/ 373273 h 605239"/>
+                <a:gd name="connsiteX63" fmla="*/ 373273 h 605239"/>
+                <a:gd name="connsiteY63" fmla="*/ 373273 h 605239"/>
+                <a:gd name="connsiteX64" fmla="*/ 373273 h 605239"/>
+                <a:gd name="connsiteY64" fmla="*/ 373273 h 605239"/>
+                <a:gd name="connsiteX65" fmla="*/ 373273 h 605239"/>
+                <a:gd name="connsiteY65" fmla="*/ 373273 h 605239"/>
+                <a:gd name="connsiteX66" fmla="*/ 373273 h 605239"/>
+                <a:gd name="connsiteY66" fmla="*/ 373273 h 605239"/>
+              </a:gdLst>
+              <a:ahLst/>
+              <a:cxnLst>
+                <a:cxn ang="0">
+                  <a:pos x="connsiteX0" y="connsiteY0"/>
+                </a:cxn>
+                <a:cxn ang="0">
+                  <a:pos x="connsiteX1" y="connsiteY1"/>
+                </a:cxn>
+                <a:cxn ang="0">
+                  <a:pos x="connsiteX2" y="connsiteY2"/>
+                </a:cxn>
+                <a:cxn ang="0">
+                  <a:pos x="connsiteX3" y="connsiteY3"/>
+                </a:cxn>
+                <a:cxn ang="0">
+                  <a:pos x="connsiteX4" y="connsiteY4"/>
+                </a:cxn>
+                <a:cxn ang="0">
+                  <a:pos x="connsiteX5" y="connsiteY5"/>
+                </a:cxn>
+                <a:cxn ang="0">
+                  <a:pos x="connsiteX6" y="connsiteY6"/>
+                </a:cxn>
+                <a:cxn ang="0">
+                  <a:pos x="connsiteX7" y="connsiteY7"/>
+                </a:cxn>
+                <a:cxn ang="0">
+                  <a:pos x="connsiteX8" y="connsiteY8"/>
+                </a:cxn>
+                <a:cxn ang="0">
+                  <a:pos x="connsiteX9" y="connsiteY9"/>
+                </a:cxn>
+                <a:cxn ang="0">
+                  <a:pos x="connsiteX10" y="connsiteY10"/>
+                </a:cxn>
+                <a:cxn ang="0">
+                  <a:pos x="connsiteX11" y="connsiteY11"/>
+                </a:cxn>
+                <a:cxn ang="0">
+                  <a:pos x="connsiteX12" y="connsiteY12"/>
+                </a:cxn>
+                <a:cxn ang="0">
+                  <a:pos x="connsiteX13" y="connsiteY13"/>
+                </a:cxn>
+                <a:cxn ang="0">
+                  <a:pos x="connsiteX14" y="connsiteY14"/>
+                </a:cxn>
+                <a:cxn ang="0">
+                  <a:pos x="connsiteX15" y="connsiteY15"/>
+                </a:cxn>
+                <a:cxn ang="0">
+                  <a:pos x="connsiteX16" y="connsiteY16"/>
+                </a:cxn>
+                <a:cxn ang="0">
+                  <a:pos x="connsiteX17" y="connsiteY17"/>
+                </a:cxn>
+                <a:cxn ang="0">
+                  <a:pos x="connsiteX18" y="connsiteY18"/>
+                </a:cxn>
+                <a:cxn ang="0">
+                  <a:pos x="connsiteX19" y="connsiteY19"/>
+                </a:cxn>
+                <a:cxn ang="0">
+                  <a:pos x="connsiteX20" y="connsiteY20"/>
+                </a:cxn>
+                <a:cxn ang="0">
+                  <a:pos x="connsiteX21" y="connsiteY21"/>
+                </a:cxn>
+                <a:cxn ang="0">
+                  <a:pos x="connsiteX22" y="connsiteY22"/>
+                </a:cxn>
+                <a:cxn ang="0">
+                  <a:pos x="connsiteX23" y="connsiteY23"/>
+                </a:cxn>
+                <a:cxn ang="0">
+                  <a:pos x="connsiteX24" y="connsiteY24"/>
+                </a:cxn>
+                <a:cxn ang="0">
+                  <a:pos x="connsiteX25" y="connsiteY25"/>
+                </a:cxn>
+                <a:cxn ang="0">
+                  <a:pos x="connsiteX26" y="connsiteY26"/>
+                </a:cxn>
+                <a:cxn ang="0">
+                  <a:pos x="connsiteX27" y="connsiteY27"/>
+                </a:cxn>
+                <a:cxn ang="0">
+                  <a:pos x="connsiteX28" y="connsiteY28"/>
+                </a:cxn>
+                <a:cxn ang="0">
+                  <a:pos x="connsiteX29" y="connsiteY29"/>
+                </a:cxn>
+                <a:cxn ang="0">
+                  <a:pos x="connsiteX30" y="connsiteY30"/>
+                </a:cxn>
+                <a:cxn ang="0">
+                  <a:pos x="connsiteX31" y="connsiteY31"/>
+                </a:cxn>
+                <a:cxn ang="0">
+                  <a:pos x="connsiteX32" y="connsiteY32"/>
+                </a:cxn>
+                <a:cxn ang="0">
+                  <a:pos x="connsiteX33" y="connsiteY33"/>
+                </a:cxn>
+                <a:cxn ang="0">
+                  <a:pos x="connsiteX34" y="connsiteY34"/>
+                </a:cxn>
+                <a:cxn ang="0">
+                  <a:pos x="connsiteX35" y="connsiteY35"/>
+                </a:cxn>
+                <a:cxn ang="0">
+                  <a:pos x="connsiteX36" y="connsiteY36"/>
+                </a:cxn>
+                <a:cxn ang="0">
+                  <a:pos x="connsiteX37" y="connsiteY37"/>
+                </a:cxn>
+                <a:cxn ang="0">
+                  <a:pos x="connsiteX38" y="connsiteY38"/>
+                </a:cxn>
+                <a:cxn ang="0">
+                  <a:pos x="connsiteX39" y="connsiteY39"/>
+                </a:cxn>
+                <a:cxn ang="0">
+                  <a:pos x="connsiteX40" y="connsiteY40"/>
+                </a:cxn>
+                <a:cxn ang="0">
+                  <a:pos x="connsiteX41" y="connsiteY41"/>
+                </a:cxn>
+                <a:cxn ang="0">
+                  <a:pos x="connsiteX42" y="connsiteY42"/>
+                </a:cxn>
+                <a:cxn ang="0">
+                  <a:pos x="connsiteX43" y="connsiteY43"/>
+                </a:cxn>
+                <a:cxn ang="0">
+                  <a:pos x="connsiteX44" y="connsiteY44"/>
+                </a:cxn>
+                <a:cxn ang="0">
+                  <a:pos x="connsiteX45" y="connsiteY45"/>
+                </a:cxn>
+                <a:cxn ang="0">
+                  <a:pos x="connsiteX46" y="connsiteY46"/>
+                </a:cxn>
+                <a:cxn ang="0">
+                  <a:pos x="connsiteX47" y="connsiteY47"/>
+                </a:cxn>
+                <a:cxn ang="0">
+                  <a:pos x="connsiteX48" y="connsiteY48"/>
+                </a:cxn>
+                <a:cxn ang="0">
+                  <a:pos x="connsiteX49" y="connsiteY49"/>
+                </a:cxn>
+                <a:cxn ang="0">
+                  <a:pos x="connsiteX50" y="connsiteY50"/>
+                </a:cxn>
+                <a:cxn ang="0">
+                  <a:pos x="connsiteX51" y="connsiteY51"/>
+                </a:cxn>
+                <a:cxn ang="0">
+                  <a:pos x="connsiteX52" y="connsiteY52"/>
+                </a:cxn>
+                <a:cxn ang="0">
+                  <a:pos x="connsiteX53" y="connsiteY53"/>
+                </a:cxn>
+                <a:cxn ang="0">
+                  <a:pos x="connsiteX54" y="connsiteY54"/>
+                </a:cxn>
+                <a:cxn ang="0">
+                  <a:pos x="connsiteX55" y="connsiteY55"/>
+                </a:cxn>
+                <a:cxn ang="0">
+                  <a:pos x="connsiteX56" y="connsiteY56"/>
+                </a:cxn>
+                <a:cxn ang="0">
+                  <a:pos x="connsiteX57" y="connsiteY57"/>
+                </a:cxn>
+                <a:cxn ang="0">
+                  <a:pos x="connsiteX58" y="connsiteY58"/>
+                </a:cxn>
+                <a:cxn ang="0">
+                  <a:pos x="connsiteX59" y="connsiteY59"/>
+                </a:cxn>
+                <a:cxn ang="0">
+                  <a:pos x="connsiteX60" y="connsiteY60"/>
+                </a:cxn>
+                <a:cxn ang="0">
+                  <a:pos x="connsiteX61" y="connsiteY61"/>
+                </a:cxn>
+                <a:cxn ang="0">
+                  <a:pos x="connsiteX62" y="connsiteY62"/>
+                </a:cxn>
+                <a:cxn ang="0">
+                  <a:pos x="connsiteX63" y="connsiteY63"/>
+                </a:cxn>
+                <a:cxn ang="0">
+                  <a:pos x="connsiteX64" y="connsiteY64"/>
+                </a:cxn>
+                <a:cxn ang="0">
+                  <a:pos x="connsiteX65" y="connsiteY65"/>
+                </a:cxn>
+                <a:cxn ang="0">
+                  <a:pos x="connsiteX66" y="connsiteY66"/>
+                </a:cxn>
+              </a:cxnLst>
+              <a:rect l="l" t="t" r="r" b="b"/>
+              <a:pathLst>
+                <a:path w="604947" h="397639">
+                  <a:moveTo>
+                    <a:pt x="341570" y="202129"/>
+                  </a:moveTo>
+                  <a:cubicBezTo>
+                    <a:pt x="348754" y="200699"/>
+                    <a:pt x="354502" y="204990"/>
+                    <a:pt x="357375" y="212143"/>
+                  </a:cubicBezTo>
+                  <a:cubicBezTo>
+                    <a:pt x="357375" y="213573"/>
+                    <a:pt x="365996" y="246474"/>
+                    <a:pt x="399044" y="252196"/>
+                  </a:cubicBezTo>
+                  <a:cubicBezTo>
+                    <a:pt x="406228" y="253626"/>
+                    <a:pt x="410539" y="260778"/>
+                    <a:pt x="409102" y="266500"/>
+                  </a:cubicBezTo>
+                  <a:cubicBezTo>
+                    <a:pt x="409102" y="273653"/>
+                    <a:pt x="403355" y="277944"/>
+                    <a:pt x="397607" y="277944"/>
+                  </a:cubicBezTo>
+                  <a:cubicBezTo>
+                    <a:pt x="396170" y="277944"/>
+                    <a:pt x="394734" y="277944"/>
+                    <a:pt x="394734" y="277944"/>
+                  </a:cubicBezTo>
+                  <a:cubicBezTo>
+                    <a:pt x="344444" y="267931"/>
+                    <a:pt x="331512" y="220725"/>
+                    <a:pt x="331512" y="217865"/>
+                  </a:cubicBezTo>
+                  <a:cubicBezTo>
+                    <a:pt x="330075" y="210712"/>
+                    <a:pt x="334386" y="203560"/>
+                    <a:pt x="341570" y="202129"/>
+                  </a:cubicBezTo>
+                  <a:close/>
+                  <a:moveTo>
+                    <a:pt x="347317" y="163456"/>
+                  </a:moveTo>
+                  <a:cubicBezTo>
+                    <a:pt x="354427" y="163456"/>
+                    <a:pt x="360191" y="169220"/>
+                    <a:pt x="360191" y="176330"/>
+                  </a:cubicBezTo>
+                  <a:cubicBezTo>
+                    <a:pt x="360191" y="183440"/>
+                    <a:pt x="354427" y="189204"/>
+                    <a:pt x="347317" y="189204"/>
+                  </a:cubicBezTo>
+                  <a:cubicBezTo>
+                    <a:pt x="340207" y="189204"/>
+                    <a:pt x="334443" y="183440"/>
+                    <a:pt x="334443" y="176330"/>
+                  </a:cubicBezTo>
+                  <a:cubicBezTo>
+                    <a:pt x="334443" y="169220"/>
+                    <a:pt x="340207" y="163456"/>
+                    <a:pt x="347317" y="163456"/>
+                  </a:cubicBezTo>
+                  <a:close/>
+                  <a:moveTo>
+                    <a:pt x="406189" y="113178"/>
+                  </a:moveTo>
+                  <a:cubicBezTo>
+                    <a:pt x="384663" y="113178"/>
+                    <a:pt x="364572" y="121777"/>
+                    <a:pt x="347351" y="136107"/>
+                  </a:cubicBezTo>
+                  <a:cubicBezTo>
+                    <a:pt x="347351" y="137540"/>
+                    <a:pt x="345916" y="137540"/>
+                    <a:pt x="345916" y="138973"/>
+                  </a:cubicBezTo>
+                  <a:cubicBezTo>
+                    <a:pt x="338740" y="144706"/>
+                    <a:pt x="334435" y="151871"/>
+                    <a:pt x="330130" y="159036"/>
+                  </a:cubicBezTo>
+                  <a:cubicBezTo>
+                    <a:pt x="322954" y="171934"/>
+                    <a:pt x="320084" y="186264"/>
+                    <a:pt x="320084" y="200595"/>
+                  </a:cubicBezTo>
+                  <a:cubicBezTo>
+                    <a:pt x="320084" y="223524"/>
+                    <a:pt x="328695" y="245019"/>
+                    <a:pt x="345916" y="262216"/>
+                  </a:cubicBezTo>
+                  <a:cubicBezTo>
+                    <a:pt x="361701" y="277980"/>
+                    <a:pt x="383228" y="286578"/>
+                    <a:pt x="406189" y="286578"/>
+                  </a:cubicBezTo>
+                  <a:cubicBezTo>
+                    <a:pt x="429150" y="286578"/>
+                    <a:pt x="452111" y="277980"/>
+                    <a:pt x="467897" y="262216"/>
+                  </a:cubicBezTo>
+                  <a:cubicBezTo>
+                    <a:pt x="498034" y="230689"/>
+                    <a:pt x="500904" y="183398"/>
+                    <a:pt x="476508" y="149005"/>
+                  </a:cubicBezTo>
+                  <a:cubicBezTo>
+                    <a:pt x="473638" y="146139"/>
+                    <a:pt x="470767" y="141839"/>
+                    <a:pt x="467897" y="138973"/>
+                  </a:cubicBezTo>
+                  <a:cubicBezTo>
+                    <a:pt x="452111" y="123210"/>
+                    <a:pt x="429150" y="113178"/>
+                    <a:pt x="406189" y="113178"/>
+                  </a:cubicBezTo>
+                  <a:close/>
+                  <a:moveTo>
+                    <a:pt x="406189" y="74486"/>
+                  </a:moveTo>
+                  <a:cubicBezTo>
+                    <a:pt x="440631" y="74486"/>
+                    <a:pt x="472203" y="87383"/>
+                    <a:pt x="495164" y="111745"/>
+                  </a:cubicBezTo>
+                  <a:cubicBezTo>
+                    <a:pt x="539651" y="156170"/>
+                    <a:pt x="543957" y="224957"/>
+                    <a:pt x="508080" y="273680"/>
+                  </a:cubicBezTo>
+                  <a:lnTo>
+                    <a:pt x="520995" y="288011"/>
+                  </a:lnTo>
+                  <a:cubicBezTo>
+                    <a:pt x="529606" y="279413"/>
+                    <a:pt x="541086" y="279413"/>
+                    <a:pt x="549697" y="288011"/>
+                  </a:cubicBezTo>
+                  <a:lnTo>
+                    <a:pt x="598490" y="336735"/>
+                  </a:lnTo>
+                  <a:cubicBezTo>
+                    <a:pt x="607100" y="345333"/>
+                    <a:pt x="607100" y="358230"/>
+                    <a:pt x="598490" y="366829"/>
+                  </a:cubicBezTo>
+                  <a:lnTo>
+                    <a:pt x="572658" y="391191"/>
+                  </a:lnTo>
+                  <a:cubicBezTo>
+                    <a:pt x="564048" y="399789"/>
+                    <a:pt x="551132" y="399789"/>
+                    <a:pt x="543957" y="391191"/>
+                  </a:cubicBezTo>
+                  <a:lnTo>
+                    <a:pt x="493729" y="342467"/>
+                  </a:lnTo>
+                  <a:cubicBezTo>
+                    <a:pt x="486553" y="335302"/>
+                    <a:pt x="486553" y="322404"/>
+                    <a:pt x="493729" y="315239"/>
+                  </a:cubicBezTo>
+                  <a:lnTo>
+                    <a:pt x="480813" y="302341"/>
+                  </a:lnTo>
+                  <a:cubicBezTo>
+                    <a:pt x="459287" y="316672"/>
+                    <a:pt x="433455" y="325270"/>
+                    <a:pt x="406189" y="325270"/>
+                  </a:cubicBezTo>
+                  <a:cubicBezTo>
+                    <a:pt x="373182" y="325270"/>
+                    <a:pt x="341610" y="312373"/>
+                    <a:pt x="317214" y="289444"/>
+                  </a:cubicBezTo>
+                  <a:cubicBezTo>
+                    <a:pt x="294253" y="265082"/>
+                    <a:pt x="281337" y="233555"/>
+                    <a:pt x="281337" y="200595"/>
+                  </a:cubicBezTo>
+                  <a:cubicBezTo>
+                    <a:pt x="281337" y="166201"/>
+                    <a:pt x="294253" y="134674"/>
+                    <a:pt x="317214" y="111745"/>
+                  </a:cubicBezTo>
+                  <a:cubicBezTo>
+                    <a:pt x="341610" y="87383"/>
+                    <a:pt x="373182" y="74486"/>
+                    <a:pt x="406189" y="74486"/>
+                  </a:cubicBezTo>
+                  <a:close/>
+                  <a:moveTo>
+                    <a:pt x="239676" y="67378"/>
+                  </a:moveTo>
+                  <a:cubicBezTo>
+                    <a:pt x="223889" y="67378"/>
+                    <a:pt x="195185" y="78847"/>
+                    <a:pt x="177963" y="101785"/>
+                  </a:cubicBezTo>
+                  <a:cubicBezTo>
+                    <a:pt x="165046" y="118988"/>
+                    <a:pt x="150694" y="147659"/>
+                    <a:pt x="162175" y="190667"/>
+                  </a:cubicBezTo>
+                  <a:cubicBezTo>
+                    <a:pt x="163611" y="202136"/>
+                    <a:pt x="173657" y="209303"/>
+                    <a:pt x="183703" y="209303"/>
+                  </a:cubicBezTo>
+                  <a:cubicBezTo>
+                    <a:pt x="186574" y="209303"/>
+                    <a:pt x="188009" y="207870"/>
+                    <a:pt x="189444" y="207870"/>
+                  </a:cubicBezTo>
+                  <a:cubicBezTo>
+                    <a:pt x="202361" y="205003"/>
+                    <a:pt x="210972" y="192100"/>
+                    <a:pt x="206666" y="179198"/>
+                  </a:cubicBezTo>
+                  <a:cubicBezTo>
+                    <a:pt x="202361" y="160562"/>
+                    <a:pt x="205231" y="144792"/>
+                    <a:pt x="213842" y="133323"/>
+                  </a:cubicBezTo>
+                  <a:cubicBezTo>
+                    <a:pt x="222453" y="120421"/>
+                    <a:pt x="236805" y="114687"/>
+                    <a:pt x="241111" y="114687"/>
+                  </a:cubicBezTo>
+                  <a:cubicBezTo>
+                    <a:pt x="254028" y="114687"/>
+                    <a:pt x="264074" y="103218"/>
+                    <a:pt x="264074" y="90316"/>
+                  </a:cubicBezTo>
+                  <a:cubicBezTo>
+                    <a:pt x="264074" y="77414"/>
+                    <a:pt x="254028" y="67378"/>
+                    <a:pt x="241111" y="67378"/>
+                  </a:cubicBezTo>
+                  <a:close/>
+                  <a:moveTo>
+                    <a:pt x="183703" y="61644"/>
+                  </a:moveTo>
+                  <a:cubicBezTo>
+                    <a:pt x="123425" y="87449"/>
+                    <a:pt x="74629" y="139058"/>
+                    <a:pt x="53101" y="163429"/>
+                  </a:cubicBezTo>
+                  <a:cubicBezTo>
+                    <a:pt x="73194" y="186366"/>
+                    <a:pt x="114814" y="230807"/>
+                    <a:pt x="167916" y="259479"/>
+                  </a:cubicBezTo>
+                  <a:cubicBezTo>
+                    <a:pt x="142083" y="236542"/>
+                    <a:pt x="126296" y="203569"/>
+                    <a:pt x="126296" y="166296"/>
+                  </a:cubicBezTo>
+                  <a:cubicBezTo>
+                    <a:pt x="126296" y="121855"/>
+                    <a:pt x="149259" y="83148"/>
+                    <a:pt x="183703" y="61644"/>
+                  </a:cubicBezTo>
+                  <a:close/>
+                  <a:moveTo>
+                    <a:pt x="252592" y="0"/>
+                  </a:moveTo>
+                  <a:cubicBezTo>
+                    <a:pt x="305694" y="0"/>
+                    <a:pt x="354491" y="21504"/>
+                    <a:pt x="394676" y="48742"/>
+                  </a:cubicBezTo>
+                  <a:cubicBezTo>
+                    <a:pt x="371713" y="50175"/>
+                    <a:pt x="327222" y="65945"/>
+                    <a:pt x="298518" y="91749"/>
+                  </a:cubicBezTo>
+                  <a:cubicBezTo>
+                    <a:pt x="268379" y="120421"/>
+                    <a:pt x="254028" y="159128"/>
+                    <a:pt x="254028" y="200702"/>
+                  </a:cubicBezTo>
+                  <a:cubicBezTo>
+                    <a:pt x="254028" y="232241"/>
+                    <a:pt x="262639" y="260912"/>
+                    <a:pt x="279861" y="286717"/>
+                  </a:cubicBezTo>
+                  <a:cubicBezTo>
+                    <a:pt x="285602" y="293885"/>
+                    <a:pt x="291342" y="301053"/>
+                    <a:pt x="298518" y="308221"/>
+                  </a:cubicBezTo>
+                  <a:cubicBezTo>
+                    <a:pt x="302824" y="312522"/>
+                    <a:pt x="307129" y="316822"/>
+                    <a:pt x="311435" y="319690"/>
+                  </a:cubicBezTo>
+                  <a:cubicBezTo>
+                    <a:pt x="292778" y="325424"/>
+                    <a:pt x="272685" y="328291"/>
+                    <a:pt x="252592" y="328291"/>
+                  </a:cubicBezTo>
+                  <a:cubicBezTo>
+                    <a:pt x="116249" y="328291"/>
+                    <a:pt x="8610" y="183499"/>
+                    <a:pt x="4305" y="177765"/>
+                  </a:cubicBezTo>
+                  <a:cubicBezTo>
+                    <a:pt x="-1436" y="169163"/>
+                    <a:pt x="-1436" y="159128"/>
+                    <a:pt x="4305" y="150526"/>
+                  </a:cubicBezTo>
+                  <a:cubicBezTo>
+                    <a:pt x="8610" y="143359"/>
+                    <a:pt x="116249" y="0"/>
+                    <a:pt x="252592" y="0"/>
+                  </a:cubicBezTo>
+                  <a:close/>
+                </a:path>
+              </a:pathLst>
+            </a:custGeom>
+            <a:noFill/>
+          </p:spPr>
+          <p:txBody>
+            <a:bodyPr wrap="square" rtlCol="0">
+              <a:spAutoFit/>
+            </a:bodyPr>
+            <a:p>
+              <a:pPr marL="457200" indent="-457200">
+                <a:lnSpc>
+                  <a:spcPct val="90000"/>
+                </a:lnSpc>
+                <a:buFont typeface="+mj-ea"/>
+                <a:buAutoNum type="circleNumDbPlain" startAt="4"/>
+              </a:pPr>
+              <a:r>
+                <a:rPr lang="en-US" altLang="zh-CN" b="1" i="1">
+                  <a:solidFill>
+                    <a:schemeClr val="tx1"/>
+                  </a:solidFill>
+                  <a:effectLst/>
+                </a:rPr>
+                <a:t>IR design</a:t>
+              </a:r>
+              <a:endParaRPr lang="en-US" altLang="zh-CN" b="1" i="1">
+                <a:solidFill>
+                  <a:schemeClr val="tx1"/>
+                </a:solidFill>
+                <a:effectLst/>
+              </a:endParaRPr>
+            </a:p>
+          </p:txBody>
+        </p:sp>
+      </p:grpSp>
+      <p:cxnSp>
+        <p:nvCxnSpPr>
+          <p:cNvPr id="120" name="直接箭头连接符 119"/>
+          <p:cNvCxnSpPr/>
+          <p:nvPr/>
+        </p:nvCxnSpPr>
+        <p:spPr>
+          <a:xfrm flipV="1">
+            <a:off x="20666710" y="4131310"/>
+            <a:ext cx="1007745" cy="288290"/>
+          </a:xfrm>
+          <a:prstGeom prst="straightConnector1">
+            <a:avLst/>
+          </a:prstGeom>
+          <a:ln>
+            <a:tailEnd type="arrow"/>
+          </a:ln>
+        </p:spPr>
+        <p:style>
+          <a:lnRef idx="1">
+            <a:schemeClr val="accent1"/>
+          </a:lnRef>
+          <a:fillRef idx="0">
+            <a:schemeClr val="accent1"/>
+          </a:fillRef>
+          <a:effectRef idx="0">
+            <a:schemeClr val="accent1"/>
+          </a:effectRef>
+          <a:fontRef idx="minor">
+            <a:schemeClr val="tx1"/>
+          </a:fontRef>
+        </p:style>
+      </p:cxnSp>
+      <p:sp>
+        <p:nvSpPr>
+          <p:cNvPr id="123" name="文本框 122"/>
+          <p:cNvSpPr txBox="1"/>
+          <p:nvPr/>
+        </p:nvSpPr>
+        <p:spPr>
+          <a:xfrm>
+            <a:off x="21029295" y="3771265"/>
+            <a:ext cx="708660" cy="414020"/>
+          </a:xfrm>
+          <a:prstGeom prst="rect">
+            <a:avLst/>
+          </a:prstGeom>
+          <a:noFill/>
+        </p:spPr>
+        <p:txBody>
+          <a:bodyPr wrap="square" rtlCol="0">
+            <a:spAutoFit/>
+          </a:bodyPr>
+          <a:p>
+            <a:r>
+              <a:rPr lang="en-US" altLang="zh-CN"/>
+              <a:t>85%</a:t>
+            </a:r>
+            <a:endParaRPr lang="en-US" altLang="zh-CN"/>
+          </a:p>
+        </p:txBody>
+      </p:sp>
+      <p:cxnSp>
+        <p:nvCxnSpPr>
+          <p:cNvPr id="124" name="直接箭头连接符 123"/>
+          <p:cNvCxnSpPr/>
+          <p:nvPr/>
+        </p:nvCxnSpPr>
+        <p:spPr>
+          <a:xfrm>
+            <a:off x="20593050" y="4486275"/>
+            <a:ext cx="1297305" cy="509270"/>
+          </a:xfrm>
+          <a:prstGeom prst="straightConnector1">
+            <a:avLst/>
+          </a:prstGeom>
+          <a:ln>
+            <a:tailEnd type="arrow"/>
+          </a:ln>
+        </p:spPr>
+        <p:style>
+          <a:lnRef idx="1">
+            <a:schemeClr val="accent1"/>
+          </a:lnRef>
+          <a:fillRef idx="0">
+            <a:schemeClr val="accent1"/>
+          </a:fillRef>
+          <a:effectRef idx="0">
+            <a:schemeClr val="accent1"/>
+          </a:effectRef>
+          <a:fontRef idx="minor">
+            <a:schemeClr val="tx1"/>
+          </a:fontRef>
+        </p:style>
+      </p:cxnSp>
+      <p:sp>
+        <p:nvSpPr>
+          <p:cNvPr id="125" name="文本框 124"/>
+          <p:cNvSpPr txBox="1"/>
+          <p:nvPr/>
+        </p:nvSpPr>
+        <p:spPr>
+          <a:xfrm>
+            <a:off x="20941030" y="4615815"/>
+            <a:ext cx="708660" cy="414020"/>
+          </a:xfrm>
+          <a:prstGeom prst="rect">
+            <a:avLst/>
+          </a:prstGeom>
+          <a:noFill/>
+        </p:spPr>
+        <p:txBody>
+          <a:bodyPr wrap="square" rtlCol="0">
+            <a:spAutoFit/>
+          </a:bodyPr>
+          <a:p>
+            <a:r>
+              <a:rPr lang="en-US" altLang="zh-CN"/>
+              <a:t>25%</a:t>
+            </a:r>
+            <a:endParaRPr lang="en-US" altLang="zh-CN"/>
+          </a:p>
+        </p:txBody>
+      </p:sp>
+      <p:sp>
+        <p:nvSpPr>
+          <p:cNvPr id="129" name="text-file_13566"/>
+          <p:cNvSpPr>
+            <a:spLocks noChangeAspect="1"/>
+          </p:cNvSpPr>
+          <p:nvPr/>
+        </p:nvSpPr>
+        <p:spPr bwMode="auto">
+          <a:xfrm>
+            <a:off x="1464945" y="3775075"/>
+            <a:ext cx="463550" cy="609600"/>
+          </a:xfrm>
+          <a:custGeom>
+            <a:avLst/>
+            <a:gdLst>
+              <a:gd name="connsiteX0" fmla="*/ 121724 w 448276"/>
+              <a:gd name="connsiteY0" fmla="*/ 391317 h 589416"/>
+              <a:gd name="connsiteX1" fmla="*/ 317379 w 448276"/>
+              <a:gd name="connsiteY1" fmla="*/ 391317 h 589416"/>
+              <a:gd name="connsiteX2" fmla="*/ 335837 w 448276"/>
+              <a:gd name="connsiteY2" fmla="*/ 409737 h 589416"/>
+              <a:gd name="connsiteX3" fmla="*/ 317379 w 448276"/>
+              <a:gd name="connsiteY3" fmla="*/ 428156 h 589416"/>
+              <a:gd name="connsiteX4" fmla="*/ 121724 w 448276"/>
+              <a:gd name="connsiteY4" fmla="*/ 428156 h 589416"/>
+              <a:gd name="connsiteX5" fmla="*/ 103266 w 448276"/>
+              <a:gd name="connsiteY5" fmla="*/ 409737 h 589416"/>
+              <a:gd name="connsiteX6" fmla="*/ 121724 w 448276"/>
+              <a:gd name="connsiteY6" fmla="*/ 391317 h 589416"/>
+              <a:gd name="connsiteX7" fmla="*/ 84879 w 448276"/>
+              <a:gd name="connsiteY7" fmla="*/ 303881 h 589416"/>
+              <a:gd name="connsiteX8" fmla="*/ 353337 w 448276"/>
+              <a:gd name="connsiteY8" fmla="*/ 303881 h 589416"/>
+              <a:gd name="connsiteX9" fmla="*/ 371788 w 448276"/>
+              <a:gd name="connsiteY9" fmla="*/ 322301 h 589416"/>
+              <a:gd name="connsiteX10" fmla="*/ 353337 w 448276"/>
+              <a:gd name="connsiteY10" fmla="*/ 340720 h 589416"/>
+              <a:gd name="connsiteX11" fmla="*/ 84879 w 448276"/>
+              <a:gd name="connsiteY11" fmla="*/ 340720 h 589416"/>
+              <a:gd name="connsiteX12" fmla="*/ 66428 w 448276"/>
+              <a:gd name="connsiteY12" fmla="*/ 322301 h 589416"/>
+              <a:gd name="connsiteX13" fmla="*/ 84879 w 448276"/>
+              <a:gd name="connsiteY13" fmla="*/ 303881 h 589416"/>
+              <a:gd name="connsiteX14" fmla="*/ 84879 w 448276"/>
+              <a:gd name="connsiteY14" fmla="*/ 215557 h 589416"/>
+              <a:gd name="connsiteX15" fmla="*/ 353337 w 448276"/>
+              <a:gd name="connsiteY15" fmla="*/ 215557 h 589416"/>
+              <a:gd name="connsiteX16" fmla="*/ 371788 w 448276"/>
+              <a:gd name="connsiteY16" fmla="*/ 233977 h 589416"/>
+              <a:gd name="connsiteX17" fmla="*/ 353337 w 448276"/>
+              <a:gd name="connsiteY17" fmla="*/ 252396 h 589416"/>
+              <a:gd name="connsiteX18" fmla="*/ 84879 w 448276"/>
+              <a:gd name="connsiteY18" fmla="*/ 252396 h 589416"/>
+              <a:gd name="connsiteX19" fmla="*/ 66428 w 448276"/>
+              <a:gd name="connsiteY19" fmla="*/ 233977 h 589416"/>
+              <a:gd name="connsiteX20" fmla="*/ 84879 w 448276"/>
+              <a:gd name="connsiteY20" fmla="*/ 215557 h 589416"/>
+              <a:gd name="connsiteX21" fmla="*/ 73790 w 448276"/>
+              <a:gd name="connsiteY21" fmla="*/ 46048 h 589416"/>
+              <a:gd name="connsiteX22" fmla="*/ 49808 w 448276"/>
+              <a:gd name="connsiteY22" fmla="*/ 70914 h 589416"/>
+              <a:gd name="connsiteX23" fmla="*/ 49808 w 448276"/>
+              <a:gd name="connsiteY23" fmla="*/ 504688 h 589416"/>
+              <a:gd name="connsiteX24" fmla="*/ 73790 w 448276"/>
+              <a:gd name="connsiteY24" fmla="*/ 529554 h 589416"/>
+              <a:gd name="connsiteX25" fmla="*/ 371719 w 448276"/>
+              <a:gd name="connsiteY25" fmla="*/ 529554 h 589416"/>
+              <a:gd name="connsiteX26" fmla="*/ 395700 w 448276"/>
+              <a:gd name="connsiteY26" fmla="*/ 504688 h 589416"/>
+              <a:gd name="connsiteX27" fmla="*/ 395700 w 448276"/>
+              <a:gd name="connsiteY27" fmla="*/ 161169 h 589416"/>
+              <a:gd name="connsiteX28" fmla="*/ 371719 w 448276"/>
+              <a:gd name="connsiteY28" fmla="*/ 136303 h 589416"/>
+              <a:gd name="connsiteX29" fmla="*/ 326522 w 448276"/>
+              <a:gd name="connsiteY29" fmla="*/ 136303 h 589416"/>
+              <a:gd name="connsiteX30" fmla="*/ 301618 w 448276"/>
+              <a:gd name="connsiteY30" fmla="*/ 111437 h 589416"/>
+              <a:gd name="connsiteX31" fmla="*/ 301618 w 448276"/>
+              <a:gd name="connsiteY31" fmla="*/ 70914 h 589416"/>
+              <a:gd name="connsiteX32" fmla="*/ 277636 w 448276"/>
+              <a:gd name="connsiteY32" fmla="*/ 46048 h 589416"/>
+              <a:gd name="connsiteX33" fmla="*/ 24904 w 448276"/>
+              <a:gd name="connsiteY33" fmla="*/ 0 h 589416"/>
+              <a:gd name="connsiteX34" fmla="*/ 294239 w 448276"/>
+              <a:gd name="connsiteY34" fmla="*/ 0 h 589416"/>
+              <a:gd name="connsiteX35" fmla="*/ 336668 w 448276"/>
+              <a:gd name="connsiteY35" fmla="*/ 16578 h 589416"/>
+              <a:gd name="connsiteX36" fmla="*/ 430751 w 448276"/>
+              <a:gd name="connsiteY36" fmla="*/ 106832 h 589416"/>
+              <a:gd name="connsiteX37" fmla="*/ 448276 w 448276"/>
+              <a:gd name="connsiteY37" fmla="*/ 148275 h 589416"/>
+              <a:gd name="connsiteX38" fmla="*/ 448276 w 448276"/>
+              <a:gd name="connsiteY38" fmla="*/ 564550 h 589416"/>
+              <a:gd name="connsiteX39" fmla="*/ 423372 w 448276"/>
+              <a:gd name="connsiteY39" fmla="*/ 589416 h 589416"/>
+              <a:gd name="connsiteX40" fmla="*/ 24904 w 448276"/>
+              <a:gd name="connsiteY40" fmla="*/ 589416 h 589416"/>
+              <a:gd name="connsiteX41" fmla="*/ 0 w 448276"/>
+              <a:gd name="connsiteY41" fmla="*/ 564550 h 589416"/>
+              <a:gd name="connsiteX42" fmla="*/ 0 w 448276"/>
+              <a:gd name="connsiteY42" fmla="*/ 24866 h 589416"/>
+              <a:gd name="connsiteX43" fmla="*/ 24904 w 448276"/>
+              <a:gd name="connsiteY43" fmla="*/ 0 h 589416"/>
+            </a:gdLst>
+            <a:ahLst/>
+            <a:cxnLst>
+              <a:cxn ang="0">
+                <a:pos x="connsiteX0" y="connsiteY0"/>
+              </a:cxn>
+              <a:cxn ang="0">
+                <a:pos x="connsiteX1" y="connsiteY1"/>
+              </a:cxn>
+              <a:cxn ang="0">
+                <a:pos x="connsiteX2" y="connsiteY2"/>
+              </a:cxn>
+              <a:cxn ang="0">
+                <a:pos x="connsiteX3" y="connsiteY3"/>
+              </a:cxn>
+              <a:cxn ang="0">
+                <a:pos x="connsiteX4" y="connsiteY4"/>
+              </a:cxn>
+              <a:cxn ang="0">
+                <a:pos x="connsiteX5" y="connsiteY5"/>
+              </a:cxn>
+              <a:cxn ang="0">
+                <a:pos x="connsiteX6" y="connsiteY6"/>
+              </a:cxn>
+              <a:cxn ang="0">
+                <a:pos x="connsiteX7" y="connsiteY7"/>
+              </a:cxn>
+              <a:cxn ang="0">
+                <a:pos x="connsiteX8" y="connsiteY8"/>
+              </a:cxn>
+              <a:cxn ang="0">
+                <a:pos x="connsiteX9" y="connsiteY9"/>
+              </a:cxn>
+              <a:cxn ang="0">
+                <a:pos x="connsiteX10" y="connsiteY10"/>
+              </a:cxn>
+              <a:cxn ang="0">
+                <a:pos x="connsiteX11" y="connsiteY11"/>
+              </a:cxn>
+              <a:cxn ang="0">
+                <a:pos x="connsiteX12" y="connsiteY12"/>
+              </a:cxn>
+              <a:cxn ang="0">
+                <a:pos x="connsiteX13" y="connsiteY13"/>
+              </a:cxn>
+              <a:cxn ang="0">
+                <a:pos x="connsiteX14" y="connsiteY14"/>
+              </a:cxn>
+              <a:cxn ang="0">
+                <a:pos x="connsiteX15" y="connsiteY15"/>
+              </a:cxn>
+              <a:cxn ang="0">
+                <a:pos x="connsiteX16" y="connsiteY16"/>
+              </a:cxn>
+              <a:cxn ang="0">
+                <a:pos x="connsiteX17" y="connsiteY17"/>
+              </a:cxn>
+              <a:cxn ang="0">
+                <a:pos x="connsiteX18" y="connsiteY18"/>
+              </a:cxn>
+              <a:cxn ang="0">
+                <a:pos x="connsiteX19" y="connsiteY19"/>
+              </a:cxn>
+              <a:cxn ang="0">
+                <a:pos x="connsiteX20" y="connsiteY20"/>
+              </a:cxn>
+              <a:cxn ang="0">
+                <a:pos x="connsiteX21" y="connsiteY21"/>
+              </a:cxn>
+              <a:cxn ang="0">
+                <a:pos x="connsiteX22" y="connsiteY22"/>
+              </a:cxn>
+              <a:cxn ang="0">
+                <a:pos x="connsiteX23" y="connsiteY23"/>
+              </a:cxn>
+              <a:cxn ang="0">
+                <a:pos x="connsiteX24" y="connsiteY24"/>
+              </a:cxn>
+              <a:cxn ang="0">
+                <a:pos x="connsiteX25" y="connsiteY25"/>
+              </a:cxn>
+              <a:cxn ang="0">
+                <a:pos x="connsiteX26" y="connsiteY26"/>
+              </a:cxn>
+              <a:cxn ang="0">
+                <a:pos x="connsiteX27" y="connsiteY27"/>
+              </a:cxn>
+              <a:cxn ang="0">
+                <a:pos x="connsiteX28" y="connsiteY28"/>
+              </a:cxn>
+              <a:cxn ang="0">
+                <a:pos x="connsiteX29" y="connsiteY29"/>
+              </a:cxn>
+              <a:cxn ang="0">
+                <a:pos x="connsiteX30" y="connsiteY30"/>
+              </a:cxn>
+              <a:cxn ang="0">
+                <a:pos x="connsiteX31" y="connsiteY31"/>
+              </a:cxn>
+              <a:cxn ang="0">
+                <a:pos x="connsiteX32" y="connsiteY32"/>
+              </a:cxn>
+              <a:cxn ang="0">
+                <a:pos x="connsiteX33" y="connsiteY33"/>
+              </a:cxn>
+              <a:cxn ang="0">
+                <a:pos x="connsiteX34" y="connsiteY34"/>
+              </a:cxn>
+              <a:cxn ang="0">
+                <a:pos x="connsiteX35" y="connsiteY35"/>
+              </a:cxn>
+              <a:cxn ang="0">
+                <a:pos x="connsiteX36" y="connsiteY36"/>
+              </a:cxn>
+              <a:cxn ang="0">
+                <a:pos x="connsiteX37" y="connsiteY37"/>
+              </a:cxn>
+              <a:cxn ang="0">
+                <a:pos x="connsiteX38" y="connsiteY38"/>
+              </a:cxn>
+              <a:cxn ang="0">
+                <a:pos x="connsiteX39" y="connsiteY39"/>
+              </a:cxn>
+              <a:cxn ang="0">
+                <a:pos x="connsiteX40" y="connsiteY40"/>
+              </a:cxn>
+              <a:cxn ang="0">
+                <a:pos x="connsiteX41" y="connsiteY41"/>
+              </a:cxn>
+              <a:cxn ang="0">
+                <a:pos x="connsiteX42" y="connsiteY42"/>
+              </a:cxn>
+              <a:cxn ang="0">
+                <a:pos x="connsiteX43" y="connsiteY43"/>
+              </a:cxn>
+            </a:cxnLst>
+            <a:rect l="l" t="t" r="r" b="b"/>
+            <a:pathLst>
+              <a:path w="448276" h="589416">
+                <a:moveTo>
+                  <a:pt x="121724" y="391317"/>
+                </a:moveTo>
+                <a:lnTo>
+                  <a:pt x="317379" y="391317"/>
+                </a:lnTo>
+                <a:cubicBezTo>
+                  <a:pt x="327531" y="391317"/>
+                  <a:pt x="335837" y="399606"/>
+                  <a:pt x="335837" y="409737"/>
+                </a:cubicBezTo>
+                <a:cubicBezTo>
+                  <a:pt x="335837" y="419867"/>
+                  <a:pt x="327531" y="428156"/>
+                  <a:pt x="317379" y="428156"/>
+                </a:cubicBezTo>
+                <a:lnTo>
+                  <a:pt x="121724" y="428156"/>
+                </a:lnTo>
+                <a:cubicBezTo>
+                  <a:pt x="111572" y="428156"/>
+                  <a:pt x="103266" y="419867"/>
+                  <a:pt x="103266" y="409737"/>
+                </a:cubicBezTo>
+                <a:cubicBezTo>
+                  <a:pt x="103266" y="399606"/>
+                  <a:pt x="111572" y="391317"/>
+                  <a:pt x="121724" y="391317"/>
+                </a:cubicBezTo>
+                <a:close/>
+                <a:moveTo>
+                  <a:pt x="84879" y="303881"/>
+                </a:moveTo>
+                <a:lnTo>
+                  <a:pt x="353337" y="303881"/>
+                </a:lnTo>
+                <a:cubicBezTo>
+                  <a:pt x="363485" y="303881"/>
+                  <a:pt x="371788" y="311249"/>
+                  <a:pt x="371788" y="322301"/>
+                </a:cubicBezTo>
+                <a:cubicBezTo>
+                  <a:pt x="371788" y="332431"/>
+                  <a:pt x="363485" y="340720"/>
+                  <a:pt x="353337" y="340720"/>
+                </a:cubicBezTo>
+                <a:lnTo>
+                  <a:pt x="84879" y="340720"/>
+                </a:lnTo>
+                <a:cubicBezTo>
+                  <a:pt x="74731" y="340720"/>
+                  <a:pt x="66428" y="332431"/>
+                  <a:pt x="66428" y="322301"/>
+                </a:cubicBezTo>
+                <a:cubicBezTo>
+                  <a:pt x="66428" y="311249"/>
+                  <a:pt x="74731" y="303881"/>
+                  <a:pt x="84879" y="303881"/>
+                </a:cubicBezTo>
+                <a:close/>
+                <a:moveTo>
+                  <a:pt x="84879" y="215557"/>
+                </a:moveTo>
+                <a:lnTo>
+                  <a:pt x="353337" y="215557"/>
+                </a:lnTo>
+                <a:cubicBezTo>
+                  <a:pt x="363485" y="215557"/>
+                  <a:pt x="371788" y="223846"/>
+                  <a:pt x="371788" y="233977"/>
+                </a:cubicBezTo>
+                <a:cubicBezTo>
+                  <a:pt x="371788" y="244107"/>
+                  <a:pt x="363485" y="252396"/>
+                  <a:pt x="353337" y="252396"/>
+                </a:cubicBezTo>
+                <a:lnTo>
+                  <a:pt x="84879" y="252396"/>
+                </a:lnTo>
+                <a:cubicBezTo>
+                  <a:pt x="74731" y="252396"/>
+                  <a:pt x="66428" y="244107"/>
+                  <a:pt x="66428" y="233977"/>
+                </a:cubicBezTo>
+                <a:cubicBezTo>
+                  <a:pt x="66428" y="223846"/>
+                  <a:pt x="74731" y="215557"/>
+                  <a:pt x="84879" y="215557"/>
+                </a:cubicBezTo>
+                <a:close/>
+                <a:moveTo>
+                  <a:pt x="73790" y="46048"/>
+                </a:moveTo>
+                <a:cubicBezTo>
+                  <a:pt x="60877" y="46048"/>
+                  <a:pt x="49808" y="57100"/>
+                  <a:pt x="49808" y="70914"/>
+                </a:cubicBezTo>
+                <a:lnTo>
+                  <a:pt x="49808" y="504688"/>
+                </a:lnTo>
+                <a:cubicBezTo>
+                  <a:pt x="49808" y="518502"/>
+                  <a:pt x="60877" y="529554"/>
+                  <a:pt x="73790" y="529554"/>
+                </a:cubicBezTo>
+                <a:lnTo>
+                  <a:pt x="371719" y="529554"/>
+                </a:lnTo>
+                <a:cubicBezTo>
+                  <a:pt x="384632" y="529554"/>
+                  <a:pt x="395700" y="518502"/>
+                  <a:pt x="395700" y="504688"/>
+                </a:cubicBezTo>
+                <a:lnTo>
+                  <a:pt x="395700" y="161169"/>
+                </a:lnTo>
+                <a:cubicBezTo>
+                  <a:pt x="395700" y="147354"/>
+                  <a:pt x="384632" y="136303"/>
+                  <a:pt x="371719" y="136303"/>
+                </a:cubicBezTo>
+                <a:lnTo>
+                  <a:pt x="326522" y="136303"/>
+                </a:lnTo>
+                <a:cubicBezTo>
+                  <a:pt x="312686" y="136303"/>
+                  <a:pt x="301618" y="125251"/>
+                  <a:pt x="301618" y="111437"/>
+                </a:cubicBezTo>
+                <a:lnTo>
+                  <a:pt x="301618" y="70914"/>
+                </a:lnTo>
+                <a:cubicBezTo>
+                  <a:pt x="301618" y="57100"/>
+                  <a:pt x="290549" y="46048"/>
+                  <a:pt x="277636" y="46048"/>
+                </a:cubicBezTo>
+                <a:close/>
+                <a:moveTo>
+                  <a:pt x="24904" y="0"/>
+                </a:moveTo>
+                <a:lnTo>
+                  <a:pt x="294239" y="0"/>
+                </a:lnTo>
+                <a:cubicBezTo>
+                  <a:pt x="308074" y="0"/>
+                  <a:pt x="326522" y="7368"/>
+                  <a:pt x="336668" y="16578"/>
+                </a:cubicBezTo>
+                <a:lnTo>
+                  <a:pt x="430751" y="106832"/>
+                </a:lnTo>
+                <a:cubicBezTo>
+                  <a:pt x="439975" y="116042"/>
+                  <a:pt x="448276" y="134461"/>
+                  <a:pt x="448276" y="148275"/>
+                </a:cubicBezTo>
+                <a:lnTo>
+                  <a:pt x="448276" y="564550"/>
+                </a:lnTo>
+                <a:cubicBezTo>
+                  <a:pt x="448276" y="578365"/>
+                  <a:pt x="437207" y="589416"/>
+                  <a:pt x="423372" y="589416"/>
+                </a:cubicBezTo>
+                <a:lnTo>
+                  <a:pt x="24904" y="589416"/>
+                </a:lnTo>
+                <a:cubicBezTo>
+                  <a:pt x="11069" y="589416"/>
+                  <a:pt x="0" y="578365"/>
+                  <a:pt x="0" y="564550"/>
+                </a:cubicBezTo>
+                <a:lnTo>
+                  <a:pt x="0" y="24866"/>
+                </a:lnTo>
+                <a:cubicBezTo>
+                  <a:pt x="0" y="11052"/>
+                  <a:pt x="11069" y="0"/>
+                  <a:pt x="24904" y="0"/>
+                </a:cubicBezTo>
+                <a:close/>
+              </a:path>
+            </a:pathLst>
+          </a:custGeom>
+          <a:solidFill>
+            <a:schemeClr val="accent1"/>
+          </a:solidFill>
+          <a:ln>
+            <a:noFill/>
+          </a:ln>
+        </p:spPr>
+      </p:sp>
+    </p:spTree>
+  </p:cSld>
+  <p:clrMapOvr>
+    <a:masterClrMapping/>
+  </p:clrMapOvr>
+</p:sld>
+</file>
+
+<file path=ppt/slides/slide3.xml><?xml version="1.0" encoding="utf-8"?>
+<p:sld xmlns:a="http://schemas.openxmlformats.org/drawingml/2006/main" xmlns:r="http://schemas.openxmlformats.org/officeDocument/2006/relationships" xmlns:p="http://schemas.openxmlformats.org/presentationml/2006/main">
+  <p:cSld>
+    <p:spTree>
+      <p:nvGrpSpPr>
+        <p:cNvPr id="1" name=""/>
+        <p:cNvGrpSpPr/>
+        <p:nvPr/>
+      </p:nvGrpSpPr>
       <p:grpSpPr>
         <a:xfrm>
           <a:off x="0" y="0"/>
